--- a/doc/figures.pptx
+++ b/doc/figures.pptx
@@ -7,6 +7,8 @@
   <p:sldIdLst>
     <p:sldId id="256" r:id="rId2"/>
     <p:sldId id="257" r:id="rId3"/>
+    <p:sldId id="258" r:id="rId4"/>
+    <p:sldId id="259" r:id="rId5"/>
   </p:sldIdLst>
   <p:sldSz cx="12192000" cy="6858000"/>
   <p:notesSz cx="6858000" cy="9144000"/>
@@ -5334,6 +5336,3427 @@
 </p:sld>
 </file>
 
+<file path=ppt/slides/slide3.xml><?xml version="1.0" encoding="utf-8"?>
+<p:sld xmlns:a="http://schemas.openxmlformats.org/drawingml/2006/main" xmlns:r="http://schemas.openxmlformats.org/officeDocument/2006/relationships" xmlns:p="http://schemas.openxmlformats.org/presentationml/2006/main">
+  <p:cSld>
+    <p:spTree>
+      <p:nvGrpSpPr>
+        <p:cNvPr id="1" name=""/>
+        <p:cNvGrpSpPr/>
+        <p:nvPr/>
+      </p:nvGrpSpPr>
+      <p:grpSpPr>
+        <a:xfrm>
+          <a:off x="0" y="0"/>
+          <a:ext cx="0" cy="0"/>
+          <a:chOff x="0" y="0"/>
+          <a:chExt cx="0" cy="0"/>
+        </a:xfrm>
+      </p:grpSpPr>
+      <p:sp>
+        <p:nvSpPr>
+          <p:cNvPr id="2" name="Flowchart: Connector 1">
+            <a:extLst>
+              <a:ext uri="{FF2B5EF4-FFF2-40B4-BE49-F238E27FC236}">
+                <a16:creationId xmlns:a16="http://schemas.microsoft.com/office/drawing/2014/main" id="{7BE424EB-A5B4-4727-91FA-686AF48CF4A1}"/>
+              </a:ext>
+            </a:extLst>
+          </p:cNvPr>
+          <p:cNvSpPr/>
+          <p:nvPr/>
+        </p:nvSpPr>
+        <p:spPr>
+          <a:xfrm>
+            <a:off x="4354047" y="2940143"/>
+            <a:ext cx="339476" cy="354667"/>
+          </a:xfrm>
+          <a:prstGeom prst="flowChartConnector">
+            <a:avLst/>
+          </a:prstGeom>
+        </p:spPr>
+        <p:style>
+          <a:lnRef idx="2">
+            <a:schemeClr val="accent5">
+              <a:shade val="50000"/>
+            </a:schemeClr>
+          </a:lnRef>
+          <a:fillRef idx="1">
+            <a:schemeClr val="accent5"/>
+          </a:fillRef>
+          <a:effectRef idx="0">
+            <a:schemeClr val="accent5"/>
+          </a:effectRef>
+          <a:fontRef idx="minor">
+            <a:schemeClr val="lt1"/>
+          </a:fontRef>
+        </p:style>
+        <p:txBody>
+          <a:bodyPr rtlCol="0" anchor="ctr"/>
+          <a:lstStyle/>
+          <a:p>
+            <a:pPr algn="ctr"/>
+            <a:r>
+              <a:rPr lang="en-US" dirty="0"/>
+              <a:t>S</a:t>
+            </a:r>
+          </a:p>
+        </p:txBody>
+      </p:sp>
+      <mc:AlternateContent xmlns:mc="http://schemas.openxmlformats.org/markup-compatibility/2006">
+        <mc:Choice xmlns:a14="http://schemas.microsoft.com/office/drawing/2010/main" Requires="a14">
+          <p:sp>
+            <p:nvSpPr>
+              <p:cNvPr id="5" name="Flowchart: Connector 4">
+                <a:extLst>
+                  <a:ext uri="{FF2B5EF4-FFF2-40B4-BE49-F238E27FC236}">
+                    <a16:creationId xmlns:a16="http://schemas.microsoft.com/office/drawing/2014/main" id="{8EE69C7D-1B10-47F7-A65A-A11EE553D831}"/>
+                  </a:ext>
+                </a:extLst>
+              </p:cNvPr>
+              <p:cNvSpPr/>
+              <p:nvPr/>
+            </p:nvSpPr>
+            <p:spPr>
+              <a:xfrm>
+                <a:off x="6195732" y="2530190"/>
+                <a:ext cx="337894" cy="354667"/>
+              </a:xfrm>
+              <a:prstGeom prst="flowChartConnector">
+                <a:avLst/>
+              </a:prstGeom>
+            </p:spPr>
+            <p:style>
+              <a:lnRef idx="1">
+                <a:schemeClr val="accent6"/>
+              </a:lnRef>
+              <a:fillRef idx="2">
+                <a:schemeClr val="accent6"/>
+              </a:fillRef>
+              <a:effectRef idx="1">
+                <a:schemeClr val="accent6"/>
+              </a:effectRef>
+              <a:fontRef idx="minor">
+                <a:schemeClr val="dk1"/>
+              </a:fontRef>
+            </p:style>
+            <p:txBody>
+              <a:bodyPr rtlCol="0" anchor="ctr"/>
+              <a:lstStyle/>
+              <a:p>
+                <a:pPr algn="ctr"/>
+                <a14:m>
+                  <m:oMathPara xmlns:m="http://schemas.openxmlformats.org/officeDocument/2006/math">
+                    <m:oMathParaPr>
+                      <m:jc m:val="centerGroup"/>
+                    </m:oMathParaPr>
+                    <m:oMath xmlns:m="http://schemas.openxmlformats.org/officeDocument/2006/math">
+                      <m:sSub>
+                        <m:sSubPr>
+                          <m:ctrlPr>
+                            <a:rPr lang="en-US" b="0" i="1" smtClean="0">
+                              <a:latin typeface="Cambria Math" panose="02040503050406030204" pitchFamily="18" charset="0"/>
+                            </a:rPr>
+                          </m:ctrlPr>
+                        </m:sSubPr>
+                        <m:e>
+                          <m:r>
+                            <a:rPr lang="en-US" b="0" i="1" smtClean="0">
+                              <a:latin typeface="Cambria Math" panose="02040503050406030204" pitchFamily="18" charset="0"/>
+                            </a:rPr>
+                            <m:t>𝑄</m:t>
+                          </m:r>
+                        </m:e>
+                        <m:sub>
+                          <m:r>
+                            <a:rPr lang="en-US" b="0" i="1" smtClean="0">
+                              <a:latin typeface="Cambria Math" panose="02040503050406030204" pitchFamily="18" charset="0"/>
+                            </a:rPr>
+                            <m:t>1</m:t>
+                          </m:r>
+                        </m:sub>
+                      </m:sSub>
+                    </m:oMath>
+                  </m:oMathPara>
+                </a14:m>
+                <a:endParaRPr lang="en-US" dirty="0"/>
+              </a:p>
+            </p:txBody>
+          </p:sp>
+        </mc:Choice>
+        <mc:Fallback>
+          <p:sp>
+            <p:nvSpPr>
+              <p:cNvPr id="5" name="Flowchart: Connector 4">
+                <a:extLst>
+                  <a:ext uri="{FF2B5EF4-FFF2-40B4-BE49-F238E27FC236}">
+                    <a16:creationId xmlns:a16="http://schemas.microsoft.com/office/drawing/2014/main" id="{8EE69C7D-1B10-47F7-A65A-A11EE553D831}"/>
+                  </a:ext>
+                </a:extLst>
+              </p:cNvPr>
+              <p:cNvSpPr>
+                <a:spLocks noRot="1" noChangeAspect="1" noMove="1" noResize="1" noEditPoints="1" noAdjustHandles="1" noChangeArrowheads="1" noChangeShapeType="1" noTextEdit="1"/>
+              </p:cNvSpPr>
+              <p:nvPr/>
+            </p:nvSpPr>
+            <p:spPr>
+              <a:xfrm>
+                <a:off x="6195732" y="2530190"/>
+                <a:ext cx="337894" cy="354667"/>
+              </a:xfrm>
+              <a:prstGeom prst="flowChartConnector">
+                <a:avLst/>
+              </a:prstGeom>
+              <a:blipFill>
+                <a:blip r:embed="rId2"/>
+                <a:stretch>
+                  <a:fillRect l="-24561" b="-11864"/>
+                </a:stretch>
+              </a:blipFill>
+            </p:spPr>
+            <p:txBody>
+              <a:bodyPr/>
+              <a:lstStyle/>
+              <a:p>
+                <a:r>
+                  <a:rPr lang="en-US">
+                    <a:noFill/>
+                  </a:rPr>
+                  <a:t> </a:t>
+                </a:r>
+              </a:p>
+            </p:txBody>
+          </p:sp>
+        </mc:Fallback>
+      </mc:AlternateContent>
+      <p:sp>
+        <p:nvSpPr>
+          <p:cNvPr id="6" name="Rectangle 5">
+            <a:extLst>
+              <a:ext uri="{FF2B5EF4-FFF2-40B4-BE49-F238E27FC236}">
+                <a16:creationId xmlns:a16="http://schemas.microsoft.com/office/drawing/2014/main" id="{34CA4835-185A-446D-B8DC-F45AF584EE7A}"/>
+              </a:ext>
+            </a:extLst>
+          </p:cNvPr>
+          <p:cNvSpPr/>
+          <p:nvPr/>
+        </p:nvSpPr>
+        <p:spPr>
+          <a:xfrm>
+            <a:off x="5109882" y="2551580"/>
+            <a:ext cx="114300" cy="1139638"/>
+          </a:xfrm>
+          <a:prstGeom prst="rect">
+            <a:avLst/>
+          </a:prstGeom>
+        </p:spPr>
+        <p:style>
+          <a:lnRef idx="2">
+            <a:schemeClr val="accent1">
+              <a:shade val="50000"/>
+            </a:schemeClr>
+          </a:lnRef>
+          <a:fillRef idx="1">
+            <a:schemeClr val="accent1"/>
+          </a:fillRef>
+          <a:effectRef idx="0">
+            <a:schemeClr val="accent1"/>
+          </a:effectRef>
+          <a:fontRef idx="minor">
+            <a:schemeClr val="lt1"/>
+          </a:fontRef>
+        </p:style>
+        <p:txBody>
+          <a:bodyPr rtlCol="0" anchor="ctr"/>
+          <a:lstStyle/>
+          <a:p>
+            <a:pPr algn="ctr"/>
+            <a:endParaRPr lang="en-US"/>
+          </a:p>
+        </p:txBody>
+      </p:sp>
+      <p:sp>
+        <p:nvSpPr>
+          <p:cNvPr id="8" name="Rectangle 7">
+            <a:extLst>
+              <a:ext uri="{FF2B5EF4-FFF2-40B4-BE49-F238E27FC236}">
+                <a16:creationId xmlns:a16="http://schemas.microsoft.com/office/drawing/2014/main" id="{EB5D9517-4D95-45B1-A761-06FFBC0473FE}"/>
+              </a:ext>
+            </a:extLst>
+          </p:cNvPr>
+          <p:cNvSpPr/>
+          <p:nvPr/>
+        </p:nvSpPr>
+        <p:spPr>
+          <a:xfrm>
+            <a:off x="5598459" y="2551580"/>
+            <a:ext cx="114300" cy="1139638"/>
+          </a:xfrm>
+          <a:prstGeom prst="rect">
+            <a:avLst/>
+          </a:prstGeom>
+        </p:spPr>
+        <p:style>
+          <a:lnRef idx="2">
+            <a:schemeClr val="accent1">
+              <a:shade val="50000"/>
+            </a:schemeClr>
+          </a:lnRef>
+          <a:fillRef idx="1">
+            <a:schemeClr val="accent1"/>
+          </a:fillRef>
+          <a:effectRef idx="0">
+            <a:schemeClr val="accent1"/>
+          </a:effectRef>
+          <a:fontRef idx="minor">
+            <a:schemeClr val="lt1"/>
+          </a:fontRef>
+        </p:style>
+        <p:txBody>
+          <a:bodyPr rtlCol="0" anchor="ctr"/>
+          <a:lstStyle/>
+          <a:p>
+            <a:pPr algn="ctr"/>
+            <a:endParaRPr lang="en-US"/>
+          </a:p>
+        </p:txBody>
+      </p:sp>
+      <p:sp>
+        <p:nvSpPr>
+          <p:cNvPr id="9" name="TextBox 8">
+            <a:extLst>
+              <a:ext uri="{FF2B5EF4-FFF2-40B4-BE49-F238E27FC236}">
+                <a16:creationId xmlns:a16="http://schemas.microsoft.com/office/drawing/2014/main" id="{256D114F-B2A3-4D0A-9C0E-634B0E4240C6}"/>
+              </a:ext>
+            </a:extLst>
+          </p:cNvPr>
+          <p:cNvSpPr txBox="1"/>
+          <p:nvPr/>
+        </p:nvSpPr>
+        <p:spPr>
+          <a:xfrm>
+            <a:off x="5240991" y="2899522"/>
+            <a:ext cx="343364" cy="369332"/>
+          </a:xfrm>
+          <a:prstGeom prst="rect">
+            <a:avLst/>
+          </a:prstGeom>
+          <a:noFill/>
+        </p:spPr>
+        <p:txBody>
+          <a:bodyPr wrap="none" rtlCol="0">
+            <a:spAutoFit/>
+          </a:bodyPr>
+          <a:lstStyle/>
+          <a:p>
+            <a:r>
+              <a:rPr lang="en-US" dirty="0"/>
+              <a:t>…</a:t>
+            </a:r>
+          </a:p>
+        </p:txBody>
+      </p:sp>
+      <p:sp>
+        <p:nvSpPr>
+          <p:cNvPr id="10" name="Left Brace 9">
+            <a:extLst>
+              <a:ext uri="{FF2B5EF4-FFF2-40B4-BE49-F238E27FC236}">
+                <a16:creationId xmlns:a16="http://schemas.microsoft.com/office/drawing/2014/main" id="{D2F5C11B-7F0B-4EDA-9782-AB69A67AD44A}"/>
+              </a:ext>
+            </a:extLst>
+          </p:cNvPr>
+          <p:cNvSpPr/>
+          <p:nvPr/>
+        </p:nvSpPr>
+        <p:spPr>
+          <a:xfrm>
+            <a:off x="4902110" y="2551580"/>
+            <a:ext cx="114300" cy="1139638"/>
+          </a:xfrm>
+          <a:prstGeom prst="leftBrace">
+            <a:avLst/>
+          </a:prstGeom>
+        </p:spPr>
+        <p:style>
+          <a:lnRef idx="1">
+            <a:schemeClr val="accent1"/>
+          </a:lnRef>
+          <a:fillRef idx="0">
+            <a:schemeClr val="accent1"/>
+          </a:fillRef>
+          <a:effectRef idx="0">
+            <a:schemeClr val="accent1"/>
+          </a:effectRef>
+          <a:fontRef idx="minor">
+            <a:schemeClr val="tx1"/>
+          </a:fontRef>
+        </p:style>
+        <p:txBody>
+          <a:bodyPr rtlCol="0" anchor="ctr"/>
+          <a:lstStyle/>
+          <a:p>
+            <a:pPr algn="ctr"/>
+            <a:endParaRPr lang="en-US"/>
+          </a:p>
+        </p:txBody>
+      </p:sp>
+      <p:sp>
+        <p:nvSpPr>
+          <p:cNvPr id="11" name="Right Brace 10">
+            <a:extLst>
+              <a:ext uri="{FF2B5EF4-FFF2-40B4-BE49-F238E27FC236}">
+                <a16:creationId xmlns:a16="http://schemas.microsoft.com/office/drawing/2014/main" id="{C7734B10-59CC-4F11-8579-4E7B6131B3BE}"/>
+              </a:ext>
+            </a:extLst>
+          </p:cNvPr>
+          <p:cNvSpPr/>
+          <p:nvPr/>
+        </p:nvSpPr>
+        <p:spPr>
+          <a:xfrm>
+            <a:off x="5851712" y="2551581"/>
+            <a:ext cx="56030" cy="1139638"/>
+          </a:xfrm>
+          <a:prstGeom prst="rightBrace">
+            <a:avLst/>
+          </a:prstGeom>
+        </p:spPr>
+        <p:style>
+          <a:lnRef idx="1">
+            <a:schemeClr val="accent1"/>
+          </a:lnRef>
+          <a:fillRef idx="0">
+            <a:schemeClr val="accent1"/>
+          </a:fillRef>
+          <a:effectRef idx="0">
+            <a:schemeClr val="accent1"/>
+          </a:effectRef>
+          <a:fontRef idx="minor">
+            <a:schemeClr val="tx1"/>
+          </a:fontRef>
+        </p:style>
+        <p:txBody>
+          <a:bodyPr rtlCol="0" anchor="ctr"/>
+          <a:lstStyle/>
+          <a:p>
+            <a:pPr algn="ctr"/>
+            <a:endParaRPr lang="en-US"/>
+          </a:p>
+        </p:txBody>
+      </p:sp>
+      <mc:AlternateContent xmlns:mc="http://schemas.openxmlformats.org/markup-compatibility/2006">
+        <mc:Choice xmlns:a14="http://schemas.microsoft.com/office/drawing/2010/main" Requires="a14">
+          <p:sp>
+            <p:nvSpPr>
+              <p:cNvPr id="12" name="TextBox 11">
+                <a:extLst>
+                  <a:ext uri="{FF2B5EF4-FFF2-40B4-BE49-F238E27FC236}">
+                    <a16:creationId xmlns:a16="http://schemas.microsoft.com/office/drawing/2014/main" id="{7E7E8383-9DD8-4D2C-86EB-5B399FB3AF21}"/>
+                  </a:ext>
+                </a:extLst>
+              </p:cNvPr>
+              <p:cNvSpPr txBox="1"/>
+              <p:nvPr/>
+            </p:nvSpPr>
+            <p:spPr>
+              <a:xfrm>
+                <a:off x="7152154" y="2807189"/>
+                <a:ext cx="393569" cy="553998"/>
+              </a:xfrm>
+              <a:prstGeom prst="rect">
+                <a:avLst/>
+              </a:prstGeom>
+              <a:noFill/>
+            </p:spPr>
+            <p:txBody>
+              <a:bodyPr wrap="none" lIns="0" tIns="0" rIns="0" bIns="0" rtlCol="0">
+                <a:spAutoFit/>
+              </a:bodyPr>
+              <a:lstStyle/>
+              <a:p>
+                <a14:m>
+                  <m:oMathPara xmlns:m="http://schemas.openxmlformats.org/officeDocument/2006/math">
+                    <m:oMathParaPr>
+                      <m:jc m:val="centerGroup"/>
+                    </m:oMathParaPr>
+                    <m:oMath xmlns:m="http://schemas.openxmlformats.org/officeDocument/2006/math">
+                      <m:sSub>
+                        <m:sSubPr>
+                          <m:ctrlPr>
+                            <a:rPr lang="en-US" b="0" i="1" smtClean="0">
+                              <a:latin typeface="Cambria Math" panose="02040503050406030204" pitchFamily="18" charset="0"/>
+                            </a:rPr>
+                          </m:ctrlPr>
+                        </m:sSubPr>
+                        <m:e>
+                          <m:r>
+                            <a:rPr lang="en-US" b="0" i="1" smtClean="0">
+                              <a:latin typeface="Cambria Math" panose="02040503050406030204" pitchFamily="18" charset="0"/>
+                            </a:rPr>
+                            <m:t>𝑄</m:t>
+                          </m:r>
+                        </m:e>
+                        <m:sub>
+                          <m:r>
+                            <a:rPr lang="en-US" b="0" i="1" smtClean="0">
+                              <a:latin typeface="Cambria Math" panose="02040503050406030204" pitchFamily="18" charset="0"/>
+                            </a:rPr>
+                            <m:t>1</m:t>
+                          </m:r>
+                        </m:sub>
+                      </m:sSub>
+                    </m:oMath>
+                  </m:oMathPara>
+                </a14:m>
+                <a:endParaRPr lang="en-US" b="0" dirty="0"/>
+              </a:p>
+              <a:p>
+                <a:endParaRPr lang="en-US" dirty="0"/>
+              </a:p>
+            </p:txBody>
+          </p:sp>
+        </mc:Choice>
+        <mc:Fallback>
+          <p:sp>
+            <p:nvSpPr>
+              <p:cNvPr id="12" name="TextBox 11">
+                <a:extLst>
+                  <a:ext uri="{FF2B5EF4-FFF2-40B4-BE49-F238E27FC236}">
+                    <a16:creationId xmlns:a16="http://schemas.microsoft.com/office/drawing/2014/main" id="{7E7E8383-9DD8-4D2C-86EB-5B399FB3AF21}"/>
+                  </a:ext>
+                </a:extLst>
+              </p:cNvPr>
+              <p:cNvSpPr txBox="1">
+                <a:spLocks noRot="1" noChangeAspect="1" noMove="1" noResize="1" noEditPoints="1" noAdjustHandles="1" noChangeArrowheads="1" noChangeShapeType="1" noTextEdit="1"/>
+              </p:cNvSpPr>
+              <p:nvPr/>
+            </p:nvSpPr>
+            <p:spPr>
+              <a:xfrm>
+                <a:off x="7152154" y="2807189"/>
+                <a:ext cx="393569" cy="553998"/>
+              </a:xfrm>
+              <a:prstGeom prst="rect">
+                <a:avLst/>
+              </a:prstGeom>
+              <a:blipFill>
+                <a:blip r:embed="rId3"/>
+                <a:stretch>
+                  <a:fillRect l="-7692"/>
+                </a:stretch>
+              </a:blipFill>
+            </p:spPr>
+            <p:txBody>
+              <a:bodyPr/>
+              <a:lstStyle/>
+              <a:p>
+                <a:r>
+                  <a:rPr lang="en-US">
+                    <a:noFill/>
+                  </a:rPr>
+                  <a:t> </a:t>
+                </a:r>
+              </a:p>
+            </p:txBody>
+          </p:sp>
+        </mc:Fallback>
+      </mc:AlternateContent>
+      <mc:AlternateContent xmlns:mc="http://schemas.openxmlformats.org/markup-compatibility/2006">
+        <mc:Choice xmlns:a14="http://schemas.microsoft.com/office/drawing/2010/main" Requires="a14">
+          <p:sp>
+            <p:nvSpPr>
+              <p:cNvPr id="13" name="TextBox 12">
+                <a:extLst>
+                  <a:ext uri="{FF2B5EF4-FFF2-40B4-BE49-F238E27FC236}">
+                    <a16:creationId xmlns:a16="http://schemas.microsoft.com/office/drawing/2014/main" id="{E1882B0F-C1A6-42CF-8F7F-3E78C443C584}"/>
+                  </a:ext>
+                </a:extLst>
+              </p:cNvPr>
+              <p:cNvSpPr txBox="1"/>
+              <p:nvPr/>
+            </p:nvSpPr>
+            <p:spPr>
+              <a:xfrm>
+                <a:off x="7908036" y="2530190"/>
+                <a:ext cx="393569" cy="553998"/>
+              </a:xfrm>
+              <a:prstGeom prst="rect">
+                <a:avLst/>
+              </a:prstGeom>
+              <a:noFill/>
+            </p:spPr>
+            <p:txBody>
+              <a:bodyPr wrap="none" lIns="0" tIns="0" rIns="0" bIns="0" rtlCol="0">
+                <a:spAutoFit/>
+              </a:bodyPr>
+              <a:lstStyle/>
+              <a:p>
+                <a14:m>
+                  <m:oMathPara xmlns:m="http://schemas.openxmlformats.org/officeDocument/2006/math">
+                    <m:oMathParaPr>
+                      <m:jc m:val="centerGroup"/>
+                    </m:oMathParaPr>
+                    <m:oMath xmlns:m="http://schemas.openxmlformats.org/officeDocument/2006/math">
+                      <m:sSub>
+                        <m:sSubPr>
+                          <m:ctrlPr>
+                            <a:rPr lang="en-US" b="0" i="1" smtClean="0">
+                              <a:latin typeface="Cambria Math" panose="02040503050406030204" pitchFamily="18" charset="0"/>
+                            </a:rPr>
+                          </m:ctrlPr>
+                        </m:sSubPr>
+                        <m:e>
+                          <m:r>
+                            <a:rPr lang="en-US" b="0" i="1" smtClean="0">
+                              <a:latin typeface="Cambria Math" panose="02040503050406030204" pitchFamily="18" charset="0"/>
+                            </a:rPr>
+                            <m:t>𝑄</m:t>
+                          </m:r>
+                        </m:e>
+                        <m:sub>
+                          <m:r>
+                            <a:rPr lang="en-US" b="0" i="1" smtClean="0">
+                              <a:latin typeface="Cambria Math" panose="02040503050406030204" pitchFamily="18" charset="0"/>
+                            </a:rPr>
+                            <m:t>2</m:t>
+                          </m:r>
+                        </m:sub>
+                      </m:sSub>
+                    </m:oMath>
+                  </m:oMathPara>
+                </a14:m>
+                <a:endParaRPr lang="en-US" b="0" dirty="0"/>
+              </a:p>
+              <a:p>
+                <a:endParaRPr lang="en-US" dirty="0"/>
+              </a:p>
+            </p:txBody>
+          </p:sp>
+        </mc:Choice>
+        <mc:Fallback>
+          <p:sp>
+            <p:nvSpPr>
+              <p:cNvPr id="13" name="TextBox 12">
+                <a:extLst>
+                  <a:ext uri="{FF2B5EF4-FFF2-40B4-BE49-F238E27FC236}">
+                    <a16:creationId xmlns:a16="http://schemas.microsoft.com/office/drawing/2014/main" id="{E1882B0F-C1A6-42CF-8F7F-3E78C443C584}"/>
+                  </a:ext>
+                </a:extLst>
+              </p:cNvPr>
+              <p:cNvSpPr txBox="1">
+                <a:spLocks noRot="1" noChangeAspect="1" noMove="1" noResize="1" noEditPoints="1" noAdjustHandles="1" noChangeArrowheads="1" noChangeShapeType="1" noTextEdit="1"/>
+              </p:cNvSpPr>
+              <p:nvPr/>
+            </p:nvSpPr>
+            <p:spPr>
+              <a:xfrm>
+                <a:off x="7908036" y="2530190"/>
+                <a:ext cx="393569" cy="553998"/>
+              </a:xfrm>
+              <a:prstGeom prst="rect">
+                <a:avLst/>
+              </a:prstGeom>
+              <a:blipFill>
+                <a:blip r:embed="rId4"/>
+                <a:stretch>
+                  <a:fillRect l="-9231"/>
+                </a:stretch>
+              </a:blipFill>
+            </p:spPr>
+            <p:txBody>
+              <a:bodyPr/>
+              <a:lstStyle/>
+              <a:p>
+                <a:r>
+                  <a:rPr lang="en-US">
+                    <a:noFill/>
+                  </a:rPr>
+                  <a:t> </a:t>
+                </a:r>
+              </a:p>
+            </p:txBody>
+          </p:sp>
+        </mc:Fallback>
+      </mc:AlternateContent>
+      <mc:AlternateContent xmlns:mc="http://schemas.openxmlformats.org/markup-compatibility/2006">
+        <mc:Choice xmlns:a14="http://schemas.microsoft.com/office/drawing/2010/main" Requires="a14">
+          <p:sp>
+            <p:nvSpPr>
+              <p:cNvPr id="14" name="TextBox 13">
+                <a:extLst>
+                  <a:ext uri="{FF2B5EF4-FFF2-40B4-BE49-F238E27FC236}">
+                    <a16:creationId xmlns:a16="http://schemas.microsoft.com/office/drawing/2014/main" id="{A17F2EE2-2F4C-45A8-A7F8-935865E6DF7C}"/>
+                  </a:ext>
+                </a:extLst>
+              </p:cNvPr>
+              <p:cNvSpPr txBox="1"/>
+              <p:nvPr/>
+            </p:nvSpPr>
+            <p:spPr>
+              <a:xfrm>
+                <a:off x="7698123" y="3361187"/>
+                <a:ext cx="393569" cy="553998"/>
+              </a:xfrm>
+              <a:prstGeom prst="rect">
+                <a:avLst/>
+              </a:prstGeom>
+              <a:noFill/>
+            </p:spPr>
+            <p:txBody>
+              <a:bodyPr wrap="none" lIns="0" tIns="0" rIns="0" bIns="0" rtlCol="0">
+                <a:spAutoFit/>
+              </a:bodyPr>
+              <a:lstStyle/>
+              <a:p>
+                <a14:m>
+                  <m:oMathPara xmlns:m="http://schemas.openxmlformats.org/officeDocument/2006/math">
+                    <m:oMathParaPr>
+                      <m:jc m:val="centerGroup"/>
+                    </m:oMathParaPr>
+                    <m:oMath xmlns:m="http://schemas.openxmlformats.org/officeDocument/2006/math">
+                      <m:sSub>
+                        <m:sSubPr>
+                          <m:ctrlPr>
+                            <a:rPr lang="en-US" b="0" i="1" smtClean="0">
+                              <a:latin typeface="Cambria Math" panose="02040503050406030204" pitchFamily="18" charset="0"/>
+                            </a:rPr>
+                          </m:ctrlPr>
+                        </m:sSubPr>
+                        <m:e>
+                          <m:r>
+                            <a:rPr lang="en-US" b="0" i="1" smtClean="0">
+                              <a:latin typeface="Cambria Math" panose="02040503050406030204" pitchFamily="18" charset="0"/>
+                            </a:rPr>
+                            <m:t>𝑄</m:t>
+                          </m:r>
+                        </m:e>
+                        <m:sub>
+                          <m:r>
+                            <a:rPr lang="en-US" b="0" i="1" smtClean="0">
+                              <a:latin typeface="Cambria Math" panose="02040503050406030204" pitchFamily="18" charset="0"/>
+                            </a:rPr>
+                            <m:t>3</m:t>
+                          </m:r>
+                        </m:sub>
+                      </m:sSub>
+                    </m:oMath>
+                  </m:oMathPara>
+                </a14:m>
+                <a:endParaRPr lang="en-US" b="0" dirty="0"/>
+              </a:p>
+              <a:p>
+                <a:endParaRPr lang="en-US" dirty="0"/>
+              </a:p>
+            </p:txBody>
+          </p:sp>
+        </mc:Choice>
+        <mc:Fallback>
+          <p:sp>
+            <p:nvSpPr>
+              <p:cNvPr id="14" name="TextBox 13">
+                <a:extLst>
+                  <a:ext uri="{FF2B5EF4-FFF2-40B4-BE49-F238E27FC236}">
+                    <a16:creationId xmlns:a16="http://schemas.microsoft.com/office/drawing/2014/main" id="{A17F2EE2-2F4C-45A8-A7F8-935865E6DF7C}"/>
+                  </a:ext>
+                </a:extLst>
+              </p:cNvPr>
+              <p:cNvSpPr txBox="1">
+                <a:spLocks noRot="1" noChangeAspect="1" noMove="1" noResize="1" noEditPoints="1" noAdjustHandles="1" noChangeArrowheads="1" noChangeShapeType="1" noTextEdit="1"/>
+              </p:cNvSpPr>
+              <p:nvPr/>
+            </p:nvSpPr>
+            <p:spPr>
+              <a:xfrm>
+                <a:off x="7698123" y="3361187"/>
+                <a:ext cx="393569" cy="553998"/>
+              </a:xfrm>
+              <a:prstGeom prst="rect">
+                <a:avLst/>
+              </a:prstGeom>
+              <a:blipFill>
+                <a:blip r:embed="rId5"/>
+                <a:stretch>
+                  <a:fillRect l="-9375"/>
+                </a:stretch>
+              </a:blipFill>
+            </p:spPr>
+            <p:txBody>
+              <a:bodyPr/>
+              <a:lstStyle/>
+              <a:p>
+                <a:r>
+                  <a:rPr lang="en-US">
+                    <a:noFill/>
+                  </a:rPr>
+                  <a:t> </a:t>
+                </a:r>
+              </a:p>
+            </p:txBody>
+          </p:sp>
+        </mc:Fallback>
+      </mc:AlternateContent>
+      <mc:AlternateContent xmlns:mc="http://schemas.openxmlformats.org/markup-compatibility/2006">
+        <mc:Choice xmlns:a14="http://schemas.microsoft.com/office/drawing/2010/main" Requires="a14">
+          <p:sp>
+            <p:nvSpPr>
+              <p:cNvPr id="15" name="Flowchart: Connector 14">
+                <a:extLst>
+                  <a:ext uri="{FF2B5EF4-FFF2-40B4-BE49-F238E27FC236}">
+                    <a16:creationId xmlns:a16="http://schemas.microsoft.com/office/drawing/2014/main" id="{5A8CEC36-71E3-44D4-A848-495E4A2E877F}"/>
+                  </a:ext>
+                </a:extLst>
+              </p:cNvPr>
+              <p:cNvSpPr/>
+              <p:nvPr/>
+            </p:nvSpPr>
+            <p:spPr>
+              <a:xfrm>
+                <a:off x="6195732" y="2940143"/>
+                <a:ext cx="337894" cy="354667"/>
+              </a:xfrm>
+              <a:prstGeom prst="flowChartConnector">
+                <a:avLst/>
+              </a:prstGeom>
+            </p:spPr>
+            <p:style>
+              <a:lnRef idx="1">
+                <a:schemeClr val="accent6"/>
+              </a:lnRef>
+              <a:fillRef idx="2">
+                <a:schemeClr val="accent6"/>
+              </a:fillRef>
+              <a:effectRef idx="1">
+                <a:schemeClr val="accent6"/>
+              </a:effectRef>
+              <a:fontRef idx="minor">
+                <a:schemeClr val="dk1"/>
+              </a:fontRef>
+            </p:style>
+            <p:txBody>
+              <a:bodyPr rtlCol="0" anchor="ctr"/>
+              <a:lstStyle/>
+              <a:p>
+                <a:pPr algn="ctr"/>
+                <a14:m>
+                  <m:oMathPara xmlns:m="http://schemas.openxmlformats.org/officeDocument/2006/math">
+                    <m:oMathParaPr>
+                      <m:jc m:val="centerGroup"/>
+                    </m:oMathParaPr>
+                    <m:oMath xmlns:m="http://schemas.openxmlformats.org/officeDocument/2006/math">
+                      <m:sSub>
+                        <m:sSubPr>
+                          <m:ctrlPr>
+                            <a:rPr lang="en-US" b="0" i="1" smtClean="0">
+                              <a:latin typeface="Cambria Math" panose="02040503050406030204" pitchFamily="18" charset="0"/>
+                            </a:rPr>
+                          </m:ctrlPr>
+                        </m:sSubPr>
+                        <m:e>
+                          <m:r>
+                            <a:rPr lang="en-US" b="0" i="1" smtClean="0">
+                              <a:latin typeface="Cambria Math" panose="02040503050406030204" pitchFamily="18" charset="0"/>
+                            </a:rPr>
+                            <m:t>𝑄</m:t>
+                          </m:r>
+                        </m:e>
+                        <m:sub>
+                          <m:r>
+                            <a:rPr lang="en-US" b="0" i="1" smtClean="0">
+                              <a:latin typeface="Cambria Math" panose="02040503050406030204" pitchFamily="18" charset="0"/>
+                            </a:rPr>
+                            <m:t>2</m:t>
+                          </m:r>
+                        </m:sub>
+                      </m:sSub>
+                    </m:oMath>
+                  </m:oMathPara>
+                </a14:m>
+                <a:endParaRPr lang="en-US" dirty="0"/>
+              </a:p>
+            </p:txBody>
+          </p:sp>
+        </mc:Choice>
+        <mc:Fallback>
+          <p:sp>
+            <p:nvSpPr>
+              <p:cNvPr id="15" name="Flowchart: Connector 14">
+                <a:extLst>
+                  <a:ext uri="{FF2B5EF4-FFF2-40B4-BE49-F238E27FC236}">
+                    <a16:creationId xmlns:a16="http://schemas.microsoft.com/office/drawing/2014/main" id="{5A8CEC36-71E3-44D4-A848-495E4A2E877F}"/>
+                  </a:ext>
+                </a:extLst>
+              </p:cNvPr>
+              <p:cNvSpPr>
+                <a:spLocks noRot="1" noChangeAspect="1" noMove="1" noResize="1" noEditPoints="1" noAdjustHandles="1" noChangeArrowheads="1" noChangeShapeType="1" noTextEdit="1"/>
+              </p:cNvSpPr>
+              <p:nvPr/>
+            </p:nvSpPr>
+            <p:spPr>
+              <a:xfrm>
+                <a:off x="6195732" y="2940143"/>
+                <a:ext cx="337894" cy="354667"/>
+              </a:xfrm>
+              <a:prstGeom prst="flowChartConnector">
+                <a:avLst/>
+              </a:prstGeom>
+              <a:blipFill>
+                <a:blip r:embed="rId6"/>
+                <a:stretch>
+                  <a:fillRect l="-24561" b="-11864"/>
+                </a:stretch>
+              </a:blipFill>
+            </p:spPr>
+            <p:txBody>
+              <a:bodyPr/>
+              <a:lstStyle/>
+              <a:p>
+                <a:r>
+                  <a:rPr lang="en-US">
+                    <a:noFill/>
+                  </a:rPr>
+                  <a:t> </a:t>
+                </a:r>
+              </a:p>
+            </p:txBody>
+          </p:sp>
+        </mc:Fallback>
+      </mc:AlternateContent>
+      <mc:AlternateContent xmlns:mc="http://schemas.openxmlformats.org/markup-compatibility/2006">
+        <mc:Choice xmlns:a14="http://schemas.microsoft.com/office/drawing/2010/main" Requires="a14">
+          <p:sp>
+            <p:nvSpPr>
+              <p:cNvPr id="16" name="Flowchart: Connector 15">
+                <a:extLst>
+                  <a:ext uri="{FF2B5EF4-FFF2-40B4-BE49-F238E27FC236}">
+                    <a16:creationId xmlns:a16="http://schemas.microsoft.com/office/drawing/2014/main" id="{9A209759-0FD5-4097-BBEB-60596C95391D}"/>
+                  </a:ext>
+                </a:extLst>
+              </p:cNvPr>
+              <p:cNvSpPr/>
+              <p:nvPr/>
+            </p:nvSpPr>
+            <p:spPr>
+              <a:xfrm>
+                <a:off x="6201120" y="3335431"/>
+                <a:ext cx="337894" cy="354667"/>
+              </a:xfrm>
+              <a:prstGeom prst="flowChartConnector">
+                <a:avLst/>
+              </a:prstGeom>
+            </p:spPr>
+            <p:style>
+              <a:lnRef idx="1">
+                <a:schemeClr val="accent6"/>
+              </a:lnRef>
+              <a:fillRef idx="2">
+                <a:schemeClr val="accent6"/>
+              </a:fillRef>
+              <a:effectRef idx="1">
+                <a:schemeClr val="accent6"/>
+              </a:effectRef>
+              <a:fontRef idx="minor">
+                <a:schemeClr val="dk1"/>
+              </a:fontRef>
+            </p:style>
+            <p:txBody>
+              <a:bodyPr rtlCol="0" anchor="ctr"/>
+              <a:lstStyle/>
+              <a:p>
+                <a:pPr algn="ctr"/>
+                <a14:m>
+                  <m:oMathPara xmlns:m="http://schemas.openxmlformats.org/officeDocument/2006/math">
+                    <m:oMathParaPr>
+                      <m:jc m:val="centerGroup"/>
+                    </m:oMathParaPr>
+                    <m:oMath xmlns:m="http://schemas.openxmlformats.org/officeDocument/2006/math">
+                      <m:sSub>
+                        <m:sSubPr>
+                          <m:ctrlPr>
+                            <a:rPr lang="en-US" b="0" i="1" smtClean="0">
+                              <a:latin typeface="Cambria Math" panose="02040503050406030204" pitchFamily="18" charset="0"/>
+                            </a:rPr>
+                          </m:ctrlPr>
+                        </m:sSubPr>
+                        <m:e>
+                          <m:r>
+                            <a:rPr lang="en-US" b="0" i="1" smtClean="0">
+                              <a:latin typeface="Cambria Math" panose="02040503050406030204" pitchFamily="18" charset="0"/>
+                            </a:rPr>
+                            <m:t>𝑄</m:t>
+                          </m:r>
+                        </m:e>
+                        <m:sub>
+                          <m:r>
+                            <a:rPr lang="en-US" b="0" i="1" smtClean="0">
+                              <a:latin typeface="Cambria Math" panose="02040503050406030204" pitchFamily="18" charset="0"/>
+                            </a:rPr>
+                            <m:t>3</m:t>
+                          </m:r>
+                        </m:sub>
+                      </m:sSub>
+                    </m:oMath>
+                  </m:oMathPara>
+                </a14:m>
+                <a:endParaRPr lang="en-US" dirty="0"/>
+              </a:p>
+            </p:txBody>
+          </p:sp>
+        </mc:Choice>
+        <mc:Fallback>
+          <p:sp>
+            <p:nvSpPr>
+              <p:cNvPr id="16" name="Flowchart: Connector 15">
+                <a:extLst>
+                  <a:ext uri="{FF2B5EF4-FFF2-40B4-BE49-F238E27FC236}">
+                    <a16:creationId xmlns:a16="http://schemas.microsoft.com/office/drawing/2014/main" id="{9A209759-0FD5-4097-BBEB-60596C95391D}"/>
+                  </a:ext>
+                </a:extLst>
+              </p:cNvPr>
+              <p:cNvSpPr>
+                <a:spLocks noRot="1" noChangeAspect="1" noMove="1" noResize="1" noEditPoints="1" noAdjustHandles="1" noChangeArrowheads="1" noChangeShapeType="1" noTextEdit="1"/>
+              </p:cNvSpPr>
+              <p:nvPr/>
+            </p:nvSpPr>
+            <p:spPr>
+              <a:xfrm>
+                <a:off x="6201120" y="3335431"/>
+                <a:ext cx="337894" cy="354667"/>
+              </a:xfrm>
+              <a:prstGeom prst="flowChartConnector">
+                <a:avLst/>
+              </a:prstGeom>
+              <a:blipFill>
+                <a:blip r:embed="rId7"/>
+                <a:stretch>
+                  <a:fillRect l="-24561" b="-11864"/>
+                </a:stretch>
+              </a:blipFill>
+            </p:spPr>
+            <p:txBody>
+              <a:bodyPr/>
+              <a:lstStyle/>
+              <a:p>
+                <a:r>
+                  <a:rPr lang="en-US">
+                    <a:noFill/>
+                  </a:rPr>
+                  <a:t> </a:t>
+                </a:r>
+              </a:p>
+            </p:txBody>
+          </p:sp>
+        </mc:Fallback>
+      </mc:AlternateContent>
+    </p:spTree>
+    <p:extLst>
+      <p:ext uri="{BB962C8B-B14F-4D97-AF65-F5344CB8AC3E}">
+        <p14:creationId xmlns:p14="http://schemas.microsoft.com/office/powerpoint/2010/main" val="3172653208"/>
+      </p:ext>
+    </p:extLst>
+  </p:cSld>
+  <p:clrMapOvr>
+    <a:masterClrMapping/>
+  </p:clrMapOvr>
+</p:sld>
+</file>
+
+<file path=ppt/slides/slide4.xml><?xml version="1.0" encoding="utf-8"?>
+<p:sld xmlns:a="http://schemas.openxmlformats.org/drawingml/2006/main" xmlns:r="http://schemas.openxmlformats.org/officeDocument/2006/relationships" xmlns:p="http://schemas.openxmlformats.org/presentationml/2006/main">
+  <p:cSld>
+    <p:spTree>
+      <p:nvGrpSpPr>
+        <p:cNvPr id="1" name=""/>
+        <p:cNvGrpSpPr/>
+        <p:nvPr/>
+      </p:nvGrpSpPr>
+      <p:grpSpPr>
+        <a:xfrm>
+          <a:off x="0" y="0"/>
+          <a:ext cx="0" cy="0"/>
+          <a:chOff x="0" y="0"/>
+          <a:chExt cx="0" cy="0"/>
+        </a:xfrm>
+      </p:grpSpPr>
+      <p:sp>
+        <p:nvSpPr>
+          <p:cNvPr id="37" name="Rectangle: Rounded Corners 36">
+            <a:extLst>
+              <a:ext uri="{FF2B5EF4-FFF2-40B4-BE49-F238E27FC236}">
+                <a16:creationId xmlns:a16="http://schemas.microsoft.com/office/drawing/2014/main" id="{B147C8EF-4F27-4855-8DE8-AA9281461095}"/>
+              </a:ext>
+            </a:extLst>
+          </p:cNvPr>
+          <p:cNvSpPr/>
+          <p:nvPr/>
+        </p:nvSpPr>
+        <p:spPr>
+          <a:xfrm>
+            <a:off x="4987861" y="2205318"/>
+            <a:ext cx="1492623" cy="1879226"/>
+          </a:xfrm>
+          <a:prstGeom prst="roundRect">
+            <a:avLst/>
+          </a:prstGeom>
+          <a:solidFill>
+            <a:schemeClr val="accent4"/>
+          </a:solidFill>
+          <a:ln>
+            <a:solidFill>
+              <a:schemeClr val="accent5"/>
+            </a:solidFill>
+          </a:ln>
+        </p:spPr>
+        <p:style>
+          <a:lnRef idx="2">
+            <a:schemeClr val="accent5"/>
+          </a:lnRef>
+          <a:fillRef idx="1">
+            <a:schemeClr val="lt1"/>
+          </a:fillRef>
+          <a:effectRef idx="0">
+            <a:schemeClr val="accent5"/>
+          </a:effectRef>
+          <a:fontRef idx="minor">
+            <a:schemeClr val="dk1"/>
+          </a:fontRef>
+        </p:style>
+        <p:txBody>
+          <a:bodyPr rtlCol="0" anchor="ctr"/>
+          <a:lstStyle/>
+          <a:p>
+            <a:pPr algn="ctr"/>
+            <a:endParaRPr lang="en-US"/>
+          </a:p>
+        </p:txBody>
+      </p:sp>
+      <p:sp>
+        <p:nvSpPr>
+          <p:cNvPr id="38" name="Rectangle: Rounded Corners 37">
+            <a:extLst>
+              <a:ext uri="{FF2B5EF4-FFF2-40B4-BE49-F238E27FC236}">
+                <a16:creationId xmlns:a16="http://schemas.microsoft.com/office/drawing/2014/main" id="{703114D5-F165-4791-91C8-B92CD86EEE23}"/>
+              </a:ext>
+            </a:extLst>
+          </p:cNvPr>
+          <p:cNvSpPr/>
+          <p:nvPr/>
+        </p:nvSpPr>
+        <p:spPr>
+          <a:xfrm>
+            <a:off x="3981273" y="2711195"/>
+            <a:ext cx="1492623" cy="860611"/>
+          </a:xfrm>
+          <a:prstGeom prst="roundRect">
+            <a:avLst/>
+          </a:prstGeom>
+          <a:solidFill>
+            <a:schemeClr val="accent6">
+              <a:alpha val="25000"/>
+            </a:schemeClr>
+          </a:solidFill>
+        </p:spPr>
+        <p:style>
+          <a:lnRef idx="2">
+            <a:schemeClr val="accent5"/>
+          </a:lnRef>
+          <a:fillRef idx="1">
+            <a:schemeClr val="lt1"/>
+          </a:fillRef>
+          <a:effectRef idx="0">
+            <a:schemeClr val="accent5"/>
+          </a:effectRef>
+          <a:fontRef idx="minor">
+            <a:schemeClr val="dk1"/>
+          </a:fontRef>
+        </p:style>
+        <p:txBody>
+          <a:bodyPr rtlCol="0" anchor="ctr"/>
+          <a:lstStyle/>
+          <a:p>
+            <a:pPr algn="ctr"/>
+            <a:endParaRPr lang="en-US"/>
+          </a:p>
+        </p:txBody>
+      </p:sp>
+      <mc:AlternateContent xmlns:mc="http://schemas.openxmlformats.org/markup-compatibility/2006">
+        <mc:Choice xmlns:a14="http://schemas.microsoft.com/office/drawing/2010/main" Requires="a14">
+          <p:sp>
+            <p:nvSpPr>
+              <p:cNvPr id="5" name="Flowchart: Connector 4">
+                <a:extLst>
+                  <a:ext uri="{FF2B5EF4-FFF2-40B4-BE49-F238E27FC236}">
+                    <a16:creationId xmlns:a16="http://schemas.microsoft.com/office/drawing/2014/main" id="{9F4873A8-1D52-4458-9746-52386F1BF286}"/>
+                  </a:ext>
+                </a:extLst>
+              </p:cNvPr>
+              <p:cNvSpPr/>
+              <p:nvPr/>
+            </p:nvSpPr>
+            <p:spPr>
+              <a:xfrm>
+                <a:off x="5029200" y="2940143"/>
+                <a:ext cx="415117" cy="404813"/>
+              </a:xfrm>
+              <a:prstGeom prst="flowChartConnector">
+                <a:avLst/>
+              </a:prstGeom>
+              <a:solidFill>
+                <a:schemeClr val="accent6"/>
+              </a:solidFill>
+            </p:spPr>
+            <p:style>
+              <a:lnRef idx="2">
+                <a:schemeClr val="accent5">
+                  <a:shade val="50000"/>
+                </a:schemeClr>
+              </a:lnRef>
+              <a:fillRef idx="1">
+                <a:schemeClr val="accent5"/>
+              </a:fillRef>
+              <a:effectRef idx="0">
+                <a:schemeClr val="accent5"/>
+              </a:effectRef>
+              <a:fontRef idx="minor">
+                <a:schemeClr val="lt1"/>
+              </a:fontRef>
+            </p:style>
+            <p:txBody>
+              <a:bodyPr lIns="182880" bIns="182880" rtlCol="0" anchor="ctr"/>
+              <a:lstStyle/>
+              <a:p>
+                <a:pPr algn="ctr"/>
+                <a14:m>
+                  <m:oMathPara xmlns:m="http://schemas.openxmlformats.org/officeDocument/2006/math">
+                    <m:oMathParaPr>
+                      <m:jc m:val="centerGroup"/>
+                    </m:oMathParaPr>
+                    <m:oMath xmlns:m="http://schemas.openxmlformats.org/officeDocument/2006/math">
+                      <m:sSub>
+                        <m:sSubPr>
+                          <m:ctrlPr>
+                            <a:rPr lang="en-US" b="0" i="1" smtClean="0">
+                              <a:latin typeface="Cambria Math" panose="02040503050406030204" pitchFamily="18" charset="0"/>
+                            </a:rPr>
+                          </m:ctrlPr>
+                        </m:sSubPr>
+                        <m:e>
+                          <m:r>
+                            <a:rPr lang="en-US" b="0" i="1" smtClean="0">
+                              <a:latin typeface="Cambria Math" panose="02040503050406030204" pitchFamily="18" charset="0"/>
+                            </a:rPr>
+                            <m:t>𝑠</m:t>
+                          </m:r>
+                        </m:e>
+                        <m:sub>
+                          <m:r>
+                            <a:rPr lang="en-US" b="0" i="1" smtClean="0">
+                              <a:latin typeface="Cambria Math" panose="02040503050406030204" pitchFamily="18" charset="0"/>
+                            </a:rPr>
+                            <m:t>𝑡</m:t>
+                          </m:r>
+                          <m:r>
+                            <a:rPr lang="en-US" b="0" i="1" smtClean="0">
+                              <a:latin typeface="Cambria Math" panose="02040503050406030204" pitchFamily="18" charset="0"/>
+                            </a:rPr>
+                            <m:t>+1</m:t>
+                          </m:r>
+                        </m:sub>
+                      </m:sSub>
+                    </m:oMath>
+                  </m:oMathPara>
+                </a14:m>
+                <a:endParaRPr lang="en-US" dirty="0"/>
+              </a:p>
+            </p:txBody>
+          </p:sp>
+        </mc:Choice>
+        <mc:Fallback>
+          <p:sp>
+            <p:nvSpPr>
+              <p:cNvPr id="5" name="Flowchart: Connector 4">
+                <a:extLst>
+                  <a:ext uri="{FF2B5EF4-FFF2-40B4-BE49-F238E27FC236}">
+                    <a16:creationId xmlns:a16="http://schemas.microsoft.com/office/drawing/2014/main" id="{9F4873A8-1D52-4458-9746-52386F1BF286}"/>
+                  </a:ext>
+                </a:extLst>
+              </p:cNvPr>
+              <p:cNvSpPr>
+                <a:spLocks noRot="1" noChangeAspect="1" noMove="1" noResize="1" noEditPoints="1" noAdjustHandles="1" noChangeArrowheads="1" noChangeShapeType="1" noTextEdit="1"/>
+              </p:cNvSpPr>
+              <p:nvPr/>
+            </p:nvSpPr>
+            <p:spPr>
+              <a:xfrm>
+                <a:off x="5029200" y="2940143"/>
+                <a:ext cx="415117" cy="404813"/>
+              </a:xfrm>
+              <a:prstGeom prst="flowChartConnector">
+                <a:avLst/>
+              </a:prstGeom>
+              <a:blipFill>
+                <a:blip r:embed="rId2"/>
+                <a:stretch>
+                  <a:fillRect l="-7143" r="-14286"/>
+                </a:stretch>
+              </a:blipFill>
+            </p:spPr>
+            <p:txBody>
+              <a:bodyPr/>
+              <a:lstStyle/>
+              <a:p>
+                <a:r>
+                  <a:rPr lang="en-US">
+                    <a:noFill/>
+                  </a:rPr>
+                  <a:t> </a:t>
+                </a:r>
+              </a:p>
+            </p:txBody>
+          </p:sp>
+        </mc:Fallback>
+      </mc:AlternateContent>
+      <mc:AlternateContent xmlns:mc="http://schemas.openxmlformats.org/markup-compatibility/2006">
+        <mc:Choice xmlns:a14="http://schemas.microsoft.com/office/drawing/2010/main" Requires="a14">
+          <p:sp>
+            <p:nvSpPr>
+              <p:cNvPr id="9" name="Flowchart: Connector 8">
+                <a:extLst>
+                  <a:ext uri="{FF2B5EF4-FFF2-40B4-BE49-F238E27FC236}">
+                    <a16:creationId xmlns:a16="http://schemas.microsoft.com/office/drawing/2014/main" id="{05D50515-5FDC-4412-96C8-6994E5B766FF}"/>
+                  </a:ext>
+                </a:extLst>
+              </p:cNvPr>
+              <p:cNvSpPr/>
+              <p:nvPr/>
+            </p:nvSpPr>
+            <p:spPr>
+              <a:xfrm>
+                <a:off x="4110817" y="2940142"/>
+                <a:ext cx="415117" cy="404813"/>
+              </a:xfrm>
+              <a:prstGeom prst="flowChartConnector">
+                <a:avLst/>
+              </a:prstGeom>
+              <a:solidFill>
+                <a:schemeClr val="accent6"/>
+              </a:solidFill>
+            </p:spPr>
+            <p:style>
+              <a:lnRef idx="2">
+                <a:schemeClr val="accent5">
+                  <a:shade val="50000"/>
+                </a:schemeClr>
+              </a:lnRef>
+              <a:fillRef idx="1">
+                <a:schemeClr val="accent5"/>
+              </a:fillRef>
+              <a:effectRef idx="0">
+                <a:schemeClr val="accent5"/>
+              </a:effectRef>
+              <a:fontRef idx="minor">
+                <a:schemeClr val="lt1"/>
+              </a:fontRef>
+            </p:style>
+            <p:txBody>
+              <a:bodyPr lIns="182880" bIns="91440" rtlCol="0" anchor="ctr"/>
+              <a:lstStyle/>
+              <a:p>
+                <a:pPr algn="ctr"/>
+                <a14:m>
+                  <m:oMathPara xmlns:m="http://schemas.openxmlformats.org/officeDocument/2006/math">
+                    <m:oMathParaPr>
+                      <m:jc m:val="centerGroup"/>
+                    </m:oMathParaPr>
+                    <m:oMath xmlns:m="http://schemas.openxmlformats.org/officeDocument/2006/math">
+                      <m:sSub>
+                        <m:sSubPr>
+                          <m:ctrlPr>
+                            <a:rPr lang="en-US" b="0" i="1" smtClean="0">
+                              <a:latin typeface="Cambria Math" panose="02040503050406030204" pitchFamily="18" charset="0"/>
+                            </a:rPr>
+                          </m:ctrlPr>
+                        </m:sSubPr>
+                        <m:e>
+                          <m:r>
+                            <a:rPr lang="en-US" b="0" i="1" smtClean="0">
+                              <a:latin typeface="Cambria Math" panose="02040503050406030204" pitchFamily="18" charset="0"/>
+                            </a:rPr>
+                            <m:t>𝑠</m:t>
+                          </m:r>
+                        </m:e>
+                        <m:sub>
+                          <m:r>
+                            <a:rPr lang="en-US" b="0" i="1" smtClean="0">
+                              <a:latin typeface="Cambria Math" panose="02040503050406030204" pitchFamily="18" charset="0"/>
+                            </a:rPr>
+                            <m:t>𝑡</m:t>
+                          </m:r>
+                        </m:sub>
+                      </m:sSub>
+                    </m:oMath>
+                  </m:oMathPara>
+                </a14:m>
+                <a:endParaRPr lang="en-US" dirty="0"/>
+              </a:p>
+            </p:txBody>
+          </p:sp>
+        </mc:Choice>
+        <mc:Fallback>
+          <p:sp>
+            <p:nvSpPr>
+              <p:cNvPr id="9" name="Flowchart: Connector 8">
+                <a:extLst>
+                  <a:ext uri="{FF2B5EF4-FFF2-40B4-BE49-F238E27FC236}">
+                    <a16:creationId xmlns:a16="http://schemas.microsoft.com/office/drawing/2014/main" id="{05D50515-5FDC-4412-96C8-6994E5B766FF}"/>
+                  </a:ext>
+                </a:extLst>
+              </p:cNvPr>
+              <p:cNvSpPr>
+                <a:spLocks noRot="1" noChangeAspect="1" noMove="1" noResize="1" noEditPoints="1" noAdjustHandles="1" noChangeArrowheads="1" noChangeShapeType="1" noTextEdit="1"/>
+              </p:cNvSpPr>
+              <p:nvPr/>
+            </p:nvSpPr>
+            <p:spPr>
+              <a:xfrm>
+                <a:off x="4110817" y="2940142"/>
+                <a:ext cx="415117" cy="404813"/>
+              </a:xfrm>
+              <a:prstGeom prst="flowChartConnector">
+                <a:avLst/>
+              </a:prstGeom>
+              <a:blipFill>
+                <a:blip r:embed="rId3"/>
+                <a:stretch>
+                  <a:fillRect/>
+                </a:stretch>
+              </a:blipFill>
+            </p:spPr>
+            <p:txBody>
+              <a:bodyPr/>
+              <a:lstStyle/>
+              <a:p>
+                <a:r>
+                  <a:rPr lang="en-US">
+                    <a:noFill/>
+                  </a:rPr>
+                  <a:t> </a:t>
+                </a:r>
+              </a:p>
+            </p:txBody>
+          </p:sp>
+        </mc:Fallback>
+      </mc:AlternateContent>
+      <p:cxnSp>
+        <p:nvCxnSpPr>
+          <p:cNvPr id="11" name="Straight Arrow Connector 10">
+            <a:extLst>
+              <a:ext uri="{FF2B5EF4-FFF2-40B4-BE49-F238E27FC236}">
+                <a16:creationId xmlns:a16="http://schemas.microsoft.com/office/drawing/2014/main" id="{704B5273-E8F1-4F8D-9A08-D24C5D8CD7CE}"/>
+              </a:ext>
+            </a:extLst>
+          </p:cNvPr>
+          <p:cNvCxnSpPr>
+            <a:cxnSpLocks/>
+            <a:stCxn id="9" idx="6"/>
+            <a:endCxn id="5" idx="2"/>
+          </p:cNvCxnSpPr>
+          <p:nvPr/>
+        </p:nvCxnSpPr>
+        <p:spPr>
+          <a:xfrm>
+            <a:off x="4525934" y="3142549"/>
+            <a:ext cx="503266" cy="1"/>
+          </a:xfrm>
+          <a:prstGeom prst="straightConnector1">
+            <a:avLst/>
+          </a:prstGeom>
+          <a:ln w="25400" cmpd="sng">
+            <a:tailEnd type="triangle"/>
+          </a:ln>
+        </p:spPr>
+        <p:style>
+          <a:lnRef idx="1">
+            <a:schemeClr val="accent1"/>
+          </a:lnRef>
+          <a:fillRef idx="0">
+            <a:schemeClr val="accent1"/>
+          </a:fillRef>
+          <a:effectRef idx="0">
+            <a:schemeClr val="accent1"/>
+          </a:effectRef>
+          <a:fontRef idx="minor">
+            <a:schemeClr val="tx1"/>
+          </a:fontRef>
+        </p:style>
+      </p:cxnSp>
+      <mc:AlternateContent xmlns:mc="http://schemas.openxmlformats.org/markup-compatibility/2006">
+        <mc:Choice xmlns:a14="http://schemas.microsoft.com/office/drawing/2010/main" Requires="a14">
+          <p:sp>
+            <p:nvSpPr>
+              <p:cNvPr id="13" name="TextBox 12">
+                <a:extLst>
+                  <a:ext uri="{FF2B5EF4-FFF2-40B4-BE49-F238E27FC236}">
+                    <a16:creationId xmlns:a16="http://schemas.microsoft.com/office/drawing/2014/main" id="{6403EAE7-49AA-41AD-A3D5-504C5BE867FB}"/>
+                  </a:ext>
+                </a:extLst>
+              </p:cNvPr>
+              <p:cNvSpPr txBox="1"/>
+              <p:nvPr/>
+            </p:nvSpPr>
+            <p:spPr>
+              <a:xfrm>
+                <a:off x="4585448" y="2837706"/>
+                <a:ext cx="340414" cy="553998"/>
+              </a:xfrm>
+              <a:prstGeom prst="rect">
+                <a:avLst/>
+              </a:prstGeom>
+              <a:noFill/>
+            </p:spPr>
+            <p:txBody>
+              <a:bodyPr wrap="none" lIns="0" tIns="0" rIns="0" bIns="0" rtlCol="0">
+                <a:spAutoFit/>
+              </a:bodyPr>
+              <a:lstStyle/>
+              <a:p>
+                <a14:m>
+                  <m:oMathPara xmlns:m="http://schemas.openxmlformats.org/officeDocument/2006/math">
+                    <m:oMathParaPr>
+                      <m:jc m:val="centerGroup"/>
+                    </m:oMathParaPr>
+                    <m:oMath xmlns:m="http://schemas.openxmlformats.org/officeDocument/2006/math">
+                      <m:sSub>
+                        <m:sSubPr>
+                          <m:ctrlPr>
+                            <a:rPr lang="en-US" b="0" i="1" smtClean="0">
+                              <a:latin typeface="Cambria Math" panose="02040503050406030204" pitchFamily="18" charset="0"/>
+                            </a:rPr>
+                          </m:ctrlPr>
+                        </m:sSubPr>
+                        <m:e>
+                          <m:r>
+                            <a:rPr lang="en-US" b="0" i="1" smtClean="0">
+                              <a:latin typeface="Cambria Math" panose="02040503050406030204" pitchFamily="18" charset="0"/>
+                            </a:rPr>
+                            <m:t>𝑎</m:t>
+                          </m:r>
+                        </m:e>
+                        <m:sub>
+                          <m:r>
+                            <a:rPr lang="en-US" b="0" i="1" smtClean="0">
+                              <a:latin typeface="Cambria Math" panose="02040503050406030204" pitchFamily="18" charset="0"/>
+                            </a:rPr>
+                            <m:t>𝑡</m:t>
+                          </m:r>
+                        </m:sub>
+                      </m:sSub>
+                    </m:oMath>
+                  </m:oMathPara>
+                </a14:m>
+                <a:endParaRPr lang="en-US" b="0" dirty="0"/>
+              </a:p>
+              <a:p>
+                <a:endParaRPr lang="en-US" dirty="0"/>
+              </a:p>
+            </p:txBody>
+          </p:sp>
+        </mc:Choice>
+        <mc:Fallback>
+          <p:sp>
+            <p:nvSpPr>
+              <p:cNvPr id="13" name="TextBox 12">
+                <a:extLst>
+                  <a:ext uri="{FF2B5EF4-FFF2-40B4-BE49-F238E27FC236}">
+                    <a16:creationId xmlns:a16="http://schemas.microsoft.com/office/drawing/2014/main" id="{6403EAE7-49AA-41AD-A3D5-504C5BE867FB}"/>
+                  </a:ext>
+                </a:extLst>
+              </p:cNvPr>
+              <p:cNvSpPr txBox="1">
+                <a:spLocks noRot="1" noChangeAspect="1" noMove="1" noResize="1" noEditPoints="1" noAdjustHandles="1" noChangeArrowheads="1" noChangeShapeType="1" noTextEdit="1"/>
+              </p:cNvSpPr>
+              <p:nvPr/>
+            </p:nvSpPr>
+            <p:spPr>
+              <a:xfrm>
+                <a:off x="4585448" y="2837706"/>
+                <a:ext cx="340414" cy="553998"/>
+              </a:xfrm>
+              <a:prstGeom prst="rect">
+                <a:avLst/>
+              </a:prstGeom>
+              <a:blipFill>
+                <a:blip r:embed="rId4"/>
+                <a:stretch>
+                  <a:fillRect/>
+                </a:stretch>
+              </a:blipFill>
+            </p:spPr>
+            <p:txBody>
+              <a:bodyPr/>
+              <a:lstStyle/>
+              <a:p>
+                <a:r>
+                  <a:rPr lang="en-US">
+                    <a:noFill/>
+                  </a:rPr>
+                  <a:t> </a:t>
+                </a:r>
+              </a:p>
+            </p:txBody>
+          </p:sp>
+        </mc:Fallback>
+      </mc:AlternateContent>
+      <p:cxnSp>
+        <p:nvCxnSpPr>
+          <p:cNvPr id="16" name="Straight Arrow Connector 15">
+            <a:extLst>
+              <a:ext uri="{FF2B5EF4-FFF2-40B4-BE49-F238E27FC236}">
+                <a16:creationId xmlns:a16="http://schemas.microsoft.com/office/drawing/2014/main" id="{03931D5F-9F09-4253-9A32-EA9AE7EF80F1}"/>
+              </a:ext>
+            </a:extLst>
+          </p:cNvPr>
+          <p:cNvCxnSpPr>
+            <a:cxnSpLocks/>
+            <a:stCxn id="5" idx="6"/>
+            <a:endCxn id="21" idx="3"/>
+          </p:cNvCxnSpPr>
+          <p:nvPr/>
+        </p:nvCxnSpPr>
+        <p:spPr>
+          <a:xfrm flipV="1">
+            <a:off x="5444317" y="3141502"/>
+            <a:ext cx="451596" cy="1048"/>
+          </a:xfrm>
+          <a:prstGeom prst="straightConnector1">
+            <a:avLst/>
+          </a:prstGeom>
+          <a:ln w="25400" cmpd="sng">
+            <a:tailEnd type="triangle"/>
+          </a:ln>
+        </p:spPr>
+        <p:style>
+          <a:lnRef idx="1">
+            <a:schemeClr val="accent1"/>
+          </a:lnRef>
+          <a:fillRef idx="0">
+            <a:schemeClr val="accent1"/>
+          </a:fillRef>
+          <a:effectRef idx="0">
+            <a:schemeClr val="accent1"/>
+          </a:effectRef>
+          <a:fontRef idx="minor">
+            <a:schemeClr val="tx1"/>
+          </a:fontRef>
+        </p:style>
+      </p:cxnSp>
+      <mc:AlternateContent xmlns:mc="http://schemas.openxmlformats.org/markup-compatibility/2006">
+        <mc:Choice xmlns:a14="http://schemas.microsoft.com/office/drawing/2010/main" Requires="a14">
+          <p:sp>
+            <p:nvSpPr>
+              <p:cNvPr id="17" name="TextBox 16">
+                <a:extLst>
+                  <a:ext uri="{FF2B5EF4-FFF2-40B4-BE49-F238E27FC236}">
+                    <a16:creationId xmlns:a16="http://schemas.microsoft.com/office/drawing/2014/main" id="{EF0F1CCB-C0E7-492D-83D1-C3099DACB40C}"/>
+                  </a:ext>
+                </a:extLst>
+              </p:cNvPr>
+              <p:cNvSpPr txBox="1"/>
+              <p:nvPr/>
+            </p:nvSpPr>
+            <p:spPr>
+              <a:xfrm>
+                <a:off x="5524747" y="2965805"/>
+                <a:ext cx="371166" cy="277424"/>
+              </a:xfrm>
+              <a:prstGeom prst="rect">
+                <a:avLst/>
+              </a:prstGeom>
+              <a:noFill/>
+            </p:spPr>
+            <p:txBody>
+              <a:bodyPr wrap="none" lIns="0" tIns="0" rIns="0" bIns="0" rtlCol="0">
+                <a:normAutofit fontScale="55000" lnSpcReduction="20000"/>
+              </a:bodyPr>
+              <a:lstStyle/>
+              <a:p>
+                <a14:m>
+                  <m:oMathPara xmlns:m="http://schemas.openxmlformats.org/officeDocument/2006/math">
+                    <m:oMathParaPr>
+                      <m:jc m:val="centerGroup"/>
+                    </m:oMathParaPr>
+                    <m:oMath xmlns:m="http://schemas.openxmlformats.org/officeDocument/2006/math">
+                      <m:r>
+                        <a:rPr lang="en-US" b="0" i="1" smtClean="0">
+                          <a:latin typeface="Cambria Math" panose="02040503050406030204" pitchFamily="18" charset="0"/>
+                        </a:rPr>
+                        <m:t>𝑎</m:t>
+                      </m:r>
+                      <m:r>
+                        <a:rPr lang="en-US" b="0" i="1" smtClean="0">
+                          <a:latin typeface="Cambria Math" panose="02040503050406030204" pitchFamily="18" charset="0"/>
+                        </a:rPr>
+                        <m:t>=2</m:t>
+                      </m:r>
+                    </m:oMath>
+                  </m:oMathPara>
+                </a14:m>
+                <a:endParaRPr lang="en-US" dirty="0"/>
+              </a:p>
+            </p:txBody>
+          </p:sp>
+        </mc:Choice>
+        <mc:Fallback>
+          <p:sp>
+            <p:nvSpPr>
+              <p:cNvPr id="17" name="TextBox 16">
+                <a:extLst>
+                  <a:ext uri="{FF2B5EF4-FFF2-40B4-BE49-F238E27FC236}">
+                    <a16:creationId xmlns:a16="http://schemas.microsoft.com/office/drawing/2014/main" id="{EF0F1CCB-C0E7-492D-83D1-C3099DACB40C}"/>
+                  </a:ext>
+                </a:extLst>
+              </p:cNvPr>
+              <p:cNvSpPr txBox="1">
+                <a:spLocks noRot="1" noChangeAspect="1" noMove="1" noResize="1" noEditPoints="1" noAdjustHandles="1" noChangeArrowheads="1" noChangeShapeType="1" noTextEdit="1"/>
+              </p:cNvSpPr>
+              <p:nvPr/>
+            </p:nvSpPr>
+            <p:spPr>
+              <a:xfrm>
+                <a:off x="5524747" y="2965805"/>
+                <a:ext cx="371166" cy="277424"/>
+              </a:xfrm>
+              <a:prstGeom prst="rect">
+                <a:avLst/>
+              </a:prstGeom>
+              <a:blipFill>
+                <a:blip r:embed="rId5"/>
+                <a:stretch>
+                  <a:fillRect r="-4918"/>
+                </a:stretch>
+              </a:blipFill>
+            </p:spPr>
+            <p:txBody>
+              <a:bodyPr/>
+              <a:lstStyle/>
+              <a:p>
+                <a:r>
+                  <a:rPr lang="en-US">
+                    <a:noFill/>
+                  </a:rPr>
+                  <a:t> </a:t>
+                </a:r>
+              </a:p>
+            </p:txBody>
+          </p:sp>
+        </mc:Fallback>
+      </mc:AlternateContent>
+      <mc:AlternateContent xmlns:mc="http://schemas.openxmlformats.org/markup-compatibility/2006">
+        <mc:Choice xmlns:a14="http://schemas.microsoft.com/office/drawing/2010/main" Requires="a14">
+          <p:sp>
+            <p:nvSpPr>
+              <p:cNvPr id="21" name="Hexagon 20">
+                <a:extLst>
+                  <a:ext uri="{FF2B5EF4-FFF2-40B4-BE49-F238E27FC236}">
+                    <a16:creationId xmlns:a16="http://schemas.microsoft.com/office/drawing/2014/main" id="{69765C56-21BC-4FDB-BFFB-A77BFB616DFB}"/>
+                  </a:ext>
+                </a:extLst>
+              </p:cNvPr>
+              <p:cNvSpPr/>
+              <p:nvPr/>
+            </p:nvSpPr>
+            <p:spPr>
+              <a:xfrm>
+                <a:off x="5895913" y="2939095"/>
+                <a:ext cx="460562" cy="404813"/>
+              </a:xfrm>
+              <a:prstGeom prst="hexagon">
+                <a:avLst/>
+              </a:prstGeom>
+              <a:solidFill>
+                <a:schemeClr val="accent5"/>
+              </a:solidFill>
+            </p:spPr>
+            <p:style>
+              <a:lnRef idx="2">
+                <a:schemeClr val="accent1">
+                  <a:shade val="50000"/>
+                </a:schemeClr>
+              </a:lnRef>
+              <a:fillRef idx="1">
+                <a:schemeClr val="accent1"/>
+              </a:fillRef>
+              <a:effectRef idx="0">
+                <a:schemeClr val="accent1"/>
+              </a:effectRef>
+              <a:fontRef idx="minor">
+                <a:schemeClr val="lt1"/>
+              </a:fontRef>
+            </p:style>
+            <p:txBody>
+              <a:bodyPr rtlCol="0" anchor="ctr"/>
+              <a:lstStyle/>
+              <a:p>
+                <a:pPr algn="ctr"/>
+                <a14:m>
+                  <m:oMathPara xmlns:m="http://schemas.openxmlformats.org/officeDocument/2006/math">
+                    <m:oMathParaPr>
+                      <m:jc m:val="centerGroup"/>
+                    </m:oMathParaPr>
+                    <m:oMath xmlns:m="http://schemas.openxmlformats.org/officeDocument/2006/math">
+                      <m:sSub>
+                        <m:sSubPr>
+                          <m:ctrlPr>
+                            <a:rPr lang="en-US" b="0" i="1" smtClean="0">
+                              <a:latin typeface="Cambria Math" panose="02040503050406030204" pitchFamily="18" charset="0"/>
+                            </a:rPr>
+                          </m:ctrlPr>
+                        </m:sSubPr>
+                        <m:e>
+                          <m:r>
+                            <a:rPr lang="en-US" b="0" i="1" smtClean="0">
+                              <a:latin typeface="Cambria Math" panose="02040503050406030204" pitchFamily="18" charset="0"/>
+                            </a:rPr>
+                            <m:t>𝑄</m:t>
+                          </m:r>
+                        </m:e>
+                        <m:sub>
+                          <m:r>
+                            <a:rPr lang="en-US" b="0" i="1" smtClean="0">
+                              <a:latin typeface="Cambria Math" panose="02040503050406030204" pitchFamily="18" charset="0"/>
+                            </a:rPr>
+                            <m:t>2</m:t>
+                          </m:r>
+                        </m:sub>
+                      </m:sSub>
+                    </m:oMath>
+                  </m:oMathPara>
+                </a14:m>
+                <a:endParaRPr lang="en-US" dirty="0"/>
+              </a:p>
+            </p:txBody>
+          </p:sp>
+        </mc:Choice>
+        <mc:Fallback>
+          <p:sp>
+            <p:nvSpPr>
+              <p:cNvPr id="21" name="Hexagon 20">
+                <a:extLst>
+                  <a:ext uri="{FF2B5EF4-FFF2-40B4-BE49-F238E27FC236}">
+                    <a16:creationId xmlns:a16="http://schemas.microsoft.com/office/drawing/2014/main" id="{69765C56-21BC-4FDB-BFFB-A77BFB616DFB}"/>
+                  </a:ext>
+                </a:extLst>
+              </p:cNvPr>
+              <p:cNvSpPr>
+                <a:spLocks noRot="1" noChangeAspect="1" noMove="1" noResize="1" noEditPoints="1" noAdjustHandles="1" noChangeArrowheads="1" noChangeShapeType="1" noTextEdit="1"/>
+              </p:cNvSpPr>
+              <p:nvPr/>
+            </p:nvSpPr>
+            <p:spPr>
+              <a:xfrm>
+                <a:off x="5895913" y="2939095"/>
+                <a:ext cx="460562" cy="404813"/>
+              </a:xfrm>
+              <a:prstGeom prst="hexagon">
+                <a:avLst/>
+              </a:prstGeom>
+              <a:blipFill>
+                <a:blip r:embed="rId6"/>
+                <a:stretch>
+                  <a:fillRect l="-2500" b="-2899"/>
+                </a:stretch>
+              </a:blipFill>
+            </p:spPr>
+            <p:txBody>
+              <a:bodyPr/>
+              <a:lstStyle/>
+              <a:p>
+                <a:r>
+                  <a:rPr lang="en-US">
+                    <a:noFill/>
+                  </a:rPr>
+                  <a:t> </a:t>
+                </a:r>
+              </a:p>
+            </p:txBody>
+          </p:sp>
+        </mc:Fallback>
+      </mc:AlternateContent>
+      <mc:AlternateContent xmlns:mc="http://schemas.openxmlformats.org/markup-compatibility/2006">
+        <mc:Choice xmlns:a14="http://schemas.microsoft.com/office/drawing/2010/main" Requires="a14">
+          <p:sp>
+            <p:nvSpPr>
+              <p:cNvPr id="25" name="Hexagon 24">
+                <a:extLst>
+                  <a:ext uri="{FF2B5EF4-FFF2-40B4-BE49-F238E27FC236}">
+                    <a16:creationId xmlns:a16="http://schemas.microsoft.com/office/drawing/2014/main" id="{3DD86210-76CF-4AE7-908C-27AE1EF27EF9}"/>
+                  </a:ext>
+                </a:extLst>
+              </p:cNvPr>
+              <p:cNvSpPr/>
+              <p:nvPr/>
+            </p:nvSpPr>
+            <p:spPr>
+              <a:xfrm>
+                <a:off x="5895912" y="3449697"/>
+                <a:ext cx="460562" cy="404813"/>
+              </a:xfrm>
+              <a:prstGeom prst="hexagon">
+                <a:avLst/>
+              </a:prstGeom>
+              <a:solidFill>
+                <a:srgbClr val="C00000"/>
+              </a:solidFill>
+            </p:spPr>
+            <p:style>
+              <a:lnRef idx="2">
+                <a:schemeClr val="accent1">
+                  <a:shade val="50000"/>
+                </a:schemeClr>
+              </a:lnRef>
+              <a:fillRef idx="1">
+                <a:schemeClr val="accent1"/>
+              </a:fillRef>
+              <a:effectRef idx="0">
+                <a:schemeClr val="accent1"/>
+              </a:effectRef>
+              <a:fontRef idx="minor">
+                <a:schemeClr val="lt1"/>
+              </a:fontRef>
+            </p:style>
+            <p:txBody>
+              <a:bodyPr rtlCol="0" anchor="ctr"/>
+              <a:lstStyle/>
+              <a:p>
+                <a:pPr algn="ctr"/>
+                <a14:m>
+                  <m:oMathPara xmlns:m="http://schemas.openxmlformats.org/officeDocument/2006/math">
+                    <m:oMathParaPr>
+                      <m:jc m:val="centerGroup"/>
+                    </m:oMathParaPr>
+                    <m:oMath xmlns:m="http://schemas.openxmlformats.org/officeDocument/2006/math">
+                      <m:sSub>
+                        <m:sSubPr>
+                          <m:ctrlPr>
+                            <a:rPr lang="en-US" b="0" i="1" smtClean="0">
+                              <a:latin typeface="Cambria Math" panose="02040503050406030204" pitchFamily="18" charset="0"/>
+                            </a:rPr>
+                          </m:ctrlPr>
+                        </m:sSubPr>
+                        <m:e>
+                          <m:r>
+                            <a:rPr lang="en-US" b="0" i="1" smtClean="0">
+                              <a:latin typeface="Cambria Math" panose="02040503050406030204" pitchFamily="18" charset="0"/>
+                            </a:rPr>
+                            <m:t>𝑄</m:t>
+                          </m:r>
+                        </m:e>
+                        <m:sub>
+                          <m:r>
+                            <a:rPr lang="en-US" b="0" i="1" smtClean="0">
+                              <a:latin typeface="Cambria Math" panose="02040503050406030204" pitchFamily="18" charset="0"/>
+                            </a:rPr>
+                            <m:t>3</m:t>
+                          </m:r>
+                        </m:sub>
+                      </m:sSub>
+                    </m:oMath>
+                  </m:oMathPara>
+                </a14:m>
+                <a:endParaRPr lang="en-US" dirty="0"/>
+              </a:p>
+            </p:txBody>
+          </p:sp>
+        </mc:Choice>
+        <mc:Fallback>
+          <p:sp>
+            <p:nvSpPr>
+              <p:cNvPr id="25" name="Hexagon 24">
+                <a:extLst>
+                  <a:ext uri="{FF2B5EF4-FFF2-40B4-BE49-F238E27FC236}">
+                    <a16:creationId xmlns:a16="http://schemas.microsoft.com/office/drawing/2014/main" id="{3DD86210-76CF-4AE7-908C-27AE1EF27EF9}"/>
+                  </a:ext>
+                </a:extLst>
+              </p:cNvPr>
+              <p:cNvSpPr>
+                <a:spLocks noRot="1" noChangeAspect="1" noMove="1" noResize="1" noEditPoints="1" noAdjustHandles="1" noChangeArrowheads="1" noChangeShapeType="1" noTextEdit="1"/>
+              </p:cNvSpPr>
+              <p:nvPr/>
+            </p:nvSpPr>
+            <p:spPr>
+              <a:xfrm>
+                <a:off x="5895912" y="3449697"/>
+                <a:ext cx="460562" cy="404813"/>
+              </a:xfrm>
+              <a:prstGeom prst="hexagon">
+                <a:avLst/>
+              </a:prstGeom>
+              <a:blipFill>
+                <a:blip r:embed="rId7"/>
+                <a:stretch>
+                  <a:fillRect l="-2500" b="-4412"/>
+                </a:stretch>
+              </a:blipFill>
+            </p:spPr>
+            <p:txBody>
+              <a:bodyPr/>
+              <a:lstStyle/>
+              <a:p>
+                <a:r>
+                  <a:rPr lang="en-US">
+                    <a:noFill/>
+                  </a:rPr>
+                  <a:t> </a:t>
+                </a:r>
+              </a:p>
+            </p:txBody>
+          </p:sp>
+        </mc:Fallback>
+      </mc:AlternateContent>
+      <mc:AlternateContent xmlns:mc="http://schemas.openxmlformats.org/markup-compatibility/2006">
+        <mc:Choice xmlns:a14="http://schemas.microsoft.com/office/drawing/2010/main" Requires="a14">
+          <p:sp>
+            <p:nvSpPr>
+              <p:cNvPr id="26" name="Hexagon 25">
+                <a:extLst>
+                  <a:ext uri="{FF2B5EF4-FFF2-40B4-BE49-F238E27FC236}">
+                    <a16:creationId xmlns:a16="http://schemas.microsoft.com/office/drawing/2014/main" id="{6001479A-A224-4DAC-A292-62D24779A37F}"/>
+                  </a:ext>
+                </a:extLst>
+              </p:cNvPr>
+              <p:cNvSpPr/>
+              <p:nvPr/>
+            </p:nvSpPr>
+            <p:spPr>
+              <a:xfrm>
+                <a:off x="5895912" y="2429472"/>
+                <a:ext cx="460562" cy="404813"/>
+              </a:xfrm>
+              <a:prstGeom prst="hexagon">
+                <a:avLst/>
+              </a:prstGeom>
+              <a:solidFill>
+                <a:schemeClr val="accent5"/>
+              </a:solidFill>
+            </p:spPr>
+            <p:style>
+              <a:lnRef idx="2">
+                <a:schemeClr val="accent1">
+                  <a:shade val="50000"/>
+                </a:schemeClr>
+              </a:lnRef>
+              <a:fillRef idx="1">
+                <a:schemeClr val="accent1"/>
+              </a:fillRef>
+              <a:effectRef idx="0">
+                <a:schemeClr val="accent1"/>
+              </a:effectRef>
+              <a:fontRef idx="minor">
+                <a:schemeClr val="lt1"/>
+              </a:fontRef>
+            </p:style>
+            <p:txBody>
+              <a:bodyPr rtlCol="0" anchor="ctr"/>
+              <a:lstStyle/>
+              <a:p>
+                <a:pPr algn="ctr"/>
+                <a14:m>
+                  <m:oMathPara xmlns:m="http://schemas.openxmlformats.org/officeDocument/2006/math">
+                    <m:oMathParaPr>
+                      <m:jc m:val="centerGroup"/>
+                    </m:oMathParaPr>
+                    <m:oMath xmlns:m="http://schemas.openxmlformats.org/officeDocument/2006/math">
+                      <m:sSub>
+                        <m:sSubPr>
+                          <m:ctrlPr>
+                            <a:rPr lang="en-US" b="0" i="1" smtClean="0">
+                              <a:latin typeface="Cambria Math" panose="02040503050406030204" pitchFamily="18" charset="0"/>
+                            </a:rPr>
+                          </m:ctrlPr>
+                        </m:sSubPr>
+                        <m:e>
+                          <m:r>
+                            <a:rPr lang="en-US" b="0" i="1" smtClean="0">
+                              <a:latin typeface="Cambria Math" panose="02040503050406030204" pitchFamily="18" charset="0"/>
+                            </a:rPr>
+                            <m:t>𝑄</m:t>
+                          </m:r>
+                        </m:e>
+                        <m:sub>
+                          <m:r>
+                            <a:rPr lang="en-US" b="0" i="1" smtClean="0">
+                              <a:latin typeface="Cambria Math" panose="02040503050406030204" pitchFamily="18" charset="0"/>
+                            </a:rPr>
+                            <m:t>1</m:t>
+                          </m:r>
+                        </m:sub>
+                      </m:sSub>
+                    </m:oMath>
+                  </m:oMathPara>
+                </a14:m>
+                <a:endParaRPr lang="en-US" dirty="0"/>
+              </a:p>
+            </p:txBody>
+          </p:sp>
+        </mc:Choice>
+        <mc:Fallback>
+          <p:sp>
+            <p:nvSpPr>
+              <p:cNvPr id="26" name="Hexagon 25">
+                <a:extLst>
+                  <a:ext uri="{FF2B5EF4-FFF2-40B4-BE49-F238E27FC236}">
+                    <a16:creationId xmlns:a16="http://schemas.microsoft.com/office/drawing/2014/main" id="{6001479A-A224-4DAC-A292-62D24779A37F}"/>
+                  </a:ext>
+                </a:extLst>
+              </p:cNvPr>
+              <p:cNvSpPr>
+                <a:spLocks noRot="1" noChangeAspect="1" noMove="1" noResize="1" noEditPoints="1" noAdjustHandles="1" noChangeArrowheads="1" noChangeShapeType="1" noTextEdit="1"/>
+              </p:cNvSpPr>
+              <p:nvPr/>
+            </p:nvSpPr>
+            <p:spPr>
+              <a:xfrm>
+                <a:off x="5895912" y="2429472"/>
+                <a:ext cx="460562" cy="404813"/>
+              </a:xfrm>
+              <a:prstGeom prst="hexagon">
+                <a:avLst/>
+              </a:prstGeom>
+              <a:blipFill>
+                <a:blip r:embed="rId8"/>
+                <a:stretch>
+                  <a:fillRect l="-2500" b="-2941"/>
+                </a:stretch>
+              </a:blipFill>
+            </p:spPr>
+            <p:txBody>
+              <a:bodyPr/>
+              <a:lstStyle/>
+              <a:p>
+                <a:r>
+                  <a:rPr lang="en-US">
+                    <a:noFill/>
+                  </a:rPr>
+                  <a:t> </a:t>
+                </a:r>
+              </a:p>
+            </p:txBody>
+          </p:sp>
+        </mc:Fallback>
+      </mc:AlternateContent>
+      <p:cxnSp>
+        <p:nvCxnSpPr>
+          <p:cNvPr id="28" name="Straight Arrow Connector 27">
+            <a:extLst>
+              <a:ext uri="{FF2B5EF4-FFF2-40B4-BE49-F238E27FC236}">
+                <a16:creationId xmlns:a16="http://schemas.microsoft.com/office/drawing/2014/main" id="{ABDA26FD-9F92-4537-8A74-A9E7188A233B}"/>
+              </a:ext>
+            </a:extLst>
+          </p:cNvPr>
+          <p:cNvCxnSpPr>
+            <a:cxnSpLocks/>
+            <a:stCxn id="5" idx="6"/>
+            <a:endCxn id="26" idx="3"/>
+          </p:cNvCxnSpPr>
+          <p:nvPr/>
+        </p:nvCxnSpPr>
+        <p:spPr>
+          <a:xfrm flipV="1">
+            <a:off x="5444317" y="2631879"/>
+            <a:ext cx="451595" cy="510671"/>
+          </a:xfrm>
+          <a:prstGeom prst="straightConnector1">
+            <a:avLst/>
+          </a:prstGeom>
+          <a:ln w="25400" cmpd="sng">
+            <a:tailEnd type="triangle"/>
+          </a:ln>
+        </p:spPr>
+        <p:style>
+          <a:lnRef idx="1">
+            <a:schemeClr val="accent1"/>
+          </a:lnRef>
+          <a:fillRef idx="0">
+            <a:schemeClr val="accent1"/>
+          </a:fillRef>
+          <a:effectRef idx="0">
+            <a:schemeClr val="accent1"/>
+          </a:effectRef>
+          <a:fontRef idx="minor">
+            <a:schemeClr val="tx1"/>
+          </a:fontRef>
+        </p:style>
+      </p:cxnSp>
+      <p:cxnSp>
+        <p:nvCxnSpPr>
+          <p:cNvPr id="31" name="Straight Arrow Connector 30">
+            <a:extLst>
+              <a:ext uri="{FF2B5EF4-FFF2-40B4-BE49-F238E27FC236}">
+                <a16:creationId xmlns:a16="http://schemas.microsoft.com/office/drawing/2014/main" id="{97D5C605-6B56-4648-9B1D-C23FF2679D69}"/>
+              </a:ext>
+            </a:extLst>
+          </p:cNvPr>
+          <p:cNvCxnSpPr>
+            <a:cxnSpLocks/>
+            <a:stCxn id="5" idx="6"/>
+            <a:endCxn id="25" idx="3"/>
+          </p:cNvCxnSpPr>
+          <p:nvPr/>
+        </p:nvCxnSpPr>
+        <p:spPr>
+          <a:xfrm>
+            <a:off x="5444317" y="3142550"/>
+            <a:ext cx="451595" cy="509554"/>
+          </a:xfrm>
+          <a:prstGeom prst="straightConnector1">
+            <a:avLst/>
+          </a:prstGeom>
+          <a:ln w="25400" cmpd="sng">
+            <a:tailEnd type="triangle"/>
+          </a:ln>
+        </p:spPr>
+        <p:style>
+          <a:lnRef idx="1">
+            <a:schemeClr val="accent1"/>
+          </a:lnRef>
+          <a:fillRef idx="0">
+            <a:schemeClr val="accent1"/>
+          </a:fillRef>
+          <a:effectRef idx="0">
+            <a:schemeClr val="accent1"/>
+          </a:effectRef>
+          <a:fontRef idx="minor">
+            <a:schemeClr val="tx1"/>
+          </a:fontRef>
+        </p:style>
+      </p:cxnSp>
+      <mc:AlternateContent xmlns:mc="http://schemas.openxmlformats.org/markup-compatibility/2006">
+        <mc:Choice xmlns:a14="http://schemas.microsoft.com/office/drawing/2010/main" Requires="a14">
+          <p:sp>
+            <p:nvSpPr>
+              <p:cNvPr id="35" name="TextBox 34">
+                <a:extLst>
+                  <a:ext uri="{FF2B5EF4-FFF2-40B4-BE49-F238E27FC236}">
+                    <a16:creationId xmlns:a16="http://schemas.microsoft.com/office/drawing/2014/main" id="{FF6A7BCB-E1AF-47FA-BE69-4FF2C1E072FE}"/>
+                  </a:ext>
+                </a:extLst>
+              </p:cNvPr>
+              <p:cNvSpPr txBox="1"/>
+              <p:nvPr/>
+            </p:nvSpPr>
+            <p:spPr>
+              <a:xfrm rot="18739933">
+                <a:off x="5458282" y="2695572"/>
+                <a:ext cx="371166" cy="277424"/>
+              </a:xfrm>
+              <a:prstGeom prst="rect">
+                <a:avLst/>
+              </a:prstGeom>
+              <a:noFill/>
+            </p:spPr>
+            <p:txBody>
+              <a:bodyPr wrap="none" lIns="0" tIns="0" rIns="0" bIns="0" rtlCol="0">
+                <a:normAutofit fontScale="55000" lnSpcReduction="20000"/>
+              </a:bodyPr>
+              <a:lstStyle/>
+              <a:p>
+                <a14:m>
+                  <m:oMathPara xmlns:m="http://schemas.openxmlformats.org/officeDocument/2006/math">
+                    <m:oMathParaPr>
+                      <m:jc m:val="centerGroup"/>
+                    </m:oMathParaPr>
+                    <m:oMath xmlns:m="http://schemas.openxmlformats.org/officeDocument/2006/math">
+                      <m:r>
+                        <a:rPr lang="en-US" b="0" i="1" smtClean="0">
+                          <a:latin typeface="Cambria Math" panose="02040503050406030204" pitchFamily="18" charset="0"/>
+                        </a:rPr>
+                        <m:t>𝑎</m:t>
+                      </m:r>
+                      <m:r>
+                        <a:rPr lang="en-US" b="0" i="1" smtClean="0">
+                          <a:latin typeface="Cambria Math" panose="02040503050406030204" pitchFamily="18" charset="0"/>
+                        </a:rPr>
+                        <m:t>=1</m:t>
+                      </m:r>
+                    </m:oMath>
+                  </m:oMathPara>
+                </a14:m>
+                <a:endParaRPr lang="en-US" dirty="0"/>
+              </a:p>
+            </p:txBody>
+          </p:sp>
+        </mc:Choice>
+        <mc:Fallback>
+          <p:sp>
+            <p:nvSpPr>
+              <p:cNvPr id="35" name="TextBox 34">
+                <a:extLst>
+                  <a:ext uri="{FF2B5EF4-FFF2-40B4-BE49-F238E27FC236}">
+                    <a16:creationId xmlns:a16="http://schemas.microsoft.com/office/drawing/2014/main" id="{FF6A7BCB-E1AF-47FA-BE69-4FF2C1E072FE}"/>
+                  </a:ext>
+                </a:extLst>
+              </p:cNvPr>
+              <p:cNvSpPr txBox="1">
+                <a:spLocks noRot="1" noChangeAspect="1" noMove="1" noResize="1" noEditPoints="1" noAdjustHandles="1" noChangeArrowheads="1" noChangeShapeType="1" noTextEdit="1"/>
+              </p:cNvSpPr>
+              <p:nvPr/>
+            </p:nvSpPr>
+            <p:spPr>
+              <a:xfrm rot="18739933">
+                <a:off x="5458282" y="2695572"/>
+                <a:ext cx="371166" cy="277424"/>
+              </a:xfrm>
+              <a:prstGeom prst="rect">
+                <a:avLst/>
+              </a:prstGeom>
+              <a:blipFill>
+                <a:blip r:embed="rId9"/>
+                <a:stretch>
+                  <a:fillRect/>
+                </a:stretch>
+              </a:blipFill>
+            </p:spPr>
+            <p:txBody>
+              <a:bodyPr/>
+              <a:lstStyle/>
+              <a:p>
+                <a:r>
+                  <a:rPr lang="en-US">
+                    <a:noFill/>
+                  </a:rPr>
+                  <a:t> </a:t>
+                </a:r>
+              </a:p>
+            </p:txBody>
+          </p:sp>
+        </mc:Fallback>
+      </mc:AlternateContent>
+      <mc:AlternateContent xmlns:mc="http://schemas.openxmlformats.org/markup-compatibility/2006">
+        <mc:Choice xmlns:a14="http://schemas.microsoft.com/office/drawing/2010/main" Requires="a14">
+          <p:sp>
+            <p:nvSpPr>
+              <p:cNvPr id="36" name="TextBox 35">
+                <a:extLst>
+                  <a:ext uri="{FF2B5EF4-FFF2-40B4-BE49-F238E27FC236}">
+                    <a16:creationId xmlns:a16="http://schemas.microsoft.com/office/drawing/2014/main" id="{030A2478-8023-47CC-B8A7-8CF1A7BFCCFC}"/>
+                  </a:ext>
+                </a:extLst>
+              </p:cNvPr>
+              <p:cNvSpPr txBox="1"/>
+              <p:nvPr/>
+            </p:nvSpPr>
+            <p:spPr>
+              <a:xfrm rot="2817198">
+                <a:off x="5533131" y="3262275"/>
+                <a:ext cx="371166" cy="277424"/>
+              </a:xfrm>
+              <a:prstGeom prst="rect">
+                <a:avLst/>
+              </a:prstGeom>
+              <a:noFill/>
+            </p:spPr>
+            <p:txBody>
+              <a:bodyPr wrap="none" lIns="0" tIns="0" rIns="0" bIns="0" rtlCol="0">
+                <a:normAutofit fontScale="55000" lnSpcReduction="20000"/>
+              </a:bodyPr>
+              <a:lstStyle/>
+              <a:p>
+                <a14:m>
+                  <m:oMathPara xmlns:m="http://schemas.openxmlformats.org/officeDocument/2006/math">
+                    <m:oMathParaPr>
+                      <m:jc m:val="centerGroup"/>
+                    </m:oMathParaPr>
+                    <m:oMath xmlns:m="http://schemas.openxmlformats.org/officeDocument/2006/math">
+                      <m:r>
+                        <a:rPr lang="en-US" b="0" i="1" smtClean="0">
+                          <a:latin typeface="Cambria Math" panose="02040503050406030204" pitchFamily="18" charset="0"/>
+                        </a:rPr>
+                        <m:t>𝑎</m:t>
+                      </m:r>
+                      <m:r>
+                        <a:rPr lang="en-US" b="0" i="1" smtClean="0">
+                          <a:latin typeface="Cambria Math" panose="02040503050406030204" pitchFamily="18" charset="0"/>
+                        </a:rPr>
+                        <m:t>=3</m:t>
+                      </m:r>
+                    </m:oMath>
+                  </m:oMathPara>
+                </a14:m>
+                <a:endParaRPr lang="en-US" dirty="0"/>
+              </a:p>
+            </p:txBody>
+          </p:sp>
+        </mc:Choice>
+        <mc:Fallback>
+          <p:sp>
+            <p:nvSpPr>
+              <p:cNvPr id="36" name="TextBox 35">
+                <a:extLst>
+                  <a:ext uri="{FF2B5EF4-FFF2-40B4-BE49-F238E27FC236}">
+                    <a16:creationId xmlns:a16="http://schemas.microsoft.com/office/drawing/2014/main" id="{030A2478-8023-47CC-B8A7-8CF1A7BFCCFC}"/>
+                  </a:ext>
+                </a:extLst>
+              </p:cNvPr>
+              <p:cNvSpPr txBox="1">
+                <a:spLocks noRot="1" noChangeAspect="1" noMove="1" noResize="1" noEditPoints="1" noAdjustHandles="1" noChangeArrowheads="1" noChangeShapeType="1" noTextEdit="1"/>
+              </p:cNvSpPr>
+              <p:nvPr/>
+            </p:nvSpPr>
+            <p:spPr>
+              <a:xfrm rot="2817198">
+                <a:off x="5533131" y="3262275"/>
+                <a:ext cx="371166" cy="277424"/>
+              </a:xfrm>
+              <a:prstGeom prst="rect">
+                <a:avLst/>
+              </a:prstGeom>
+              <a:blipFill>
+                <a:blip r:embed="rId10"/>
+                <a:stretch>
+                  <a:fillRect/>
+                </a:stretch>
+              </a:blipFill>
+            </p:spPr>
+            <p:txBody>
+              <a:bodyPr/>
+              <a:lstStyle/>
+              <a:p>
+                <a:r>
+                  <a:rPr lang="en-US">
+                    <a:noFill/>
+                  </a:rPr>
+                  <a:t> </a:t>
+                </a:r>
+              </a:p>
+            </p:txBody>
+          </p:sp>
+        </mc:Fallback>
+      </mc:AlternateContent>
+      <p:sp>
+        <p:nvSpPr>
+          <p:cNvPr id="39" name="Rectangle: Rounded Corners 38">
+            <a:extLst>
+              <a:ext uri="{FF2B5EF4-FFF2-40B4-BE49-F238E27FC236}">
+                <a16:creationId xmlns:a16="http://schemas.microsoft.com/office/drawing/2014/main" id="{95AD16C6-A56B-4589-B768-42E487B7DFCE}"/>
+              </a:ext>
+            </a:extLst>
+          </p:cNvPr>
+          <p:cNvSpPr/>
+          <p:nvPr/>
+        </p:nvSpPr>
+        <p:spPr>
+          <a:xfrm>
+            <a:off x="5925491" y="3575492"/>
+            <a:ext cx="1492623" cy="1879226"/>
+          </a:xfrm>
+          <a:prstGeom prst="roundRect">
+            <a:avLst/>
+          </a:prstGeom>
+          <a:solidFill>
+            <a:schemeClr val="accent2"/>
+          </a:solidFill>
+          <a:ln>
+            <a:solidFill>
+              <a:schemeClr val="accent5"/>
+            </a:solidFill>
+          </a:ln>
+        </p:spPr>
+        <p:style>
+          <a:lnRef idx="2">
+            <a:schemeClr val="accent5"/>
+          </a:lnRef>
+          <a:fillRef idx="1">
+            <a:schemeClr val="lt1"/>
+          </a:fillRef>
+          <a:effectRef idx="0">
+            <a:schemeClr val="accent5"/>
+          </a:effectRef>
+          <a:fontRef idx="minor">
+            <a:schemeClr val="dk1"/>
+          </a:fontRef>
+        </p:style>
+        <p:txBody>
+          <a:bodyPr rtlCol="0" anchor="ctr"/>
+          <a:lstStyle/>
+          <a:p>
+            <a:pPr algn="ctr"/>
+            <a:endParaRPr lang="en-US"/>
+          </a:p>
+        </p:txBody>
+      </p:sp>
+      <mc:AlternateContent xmlns:mc="http://schemas.openxmlformats.org/markup-compatibility/2006">
+        <mc:Choice xmlns:a14="http://schemas.microsoft.com/office/drawing/2010/main" Requires="a14">
+          <p:sp>
+            <p:nvSpPr>
+              <p:cNvPr id="40" name="Flowchart: Connector 39">
+                <a:extLst>
+                  <a:ext uri="{FF2B5EF4-FFF2-40B4-BE49-F238E27FC236}">
+                    <a16:creationId xmlns:a16="http://schemas.microsoft.com/office/drawing/2014/main" id="{608DE868-BD64-44F6-993B-608BC4816F90}"/>
+                  </a:ext>
+                </a:extLst>
+              </p:cNvPr>
+              <p:cNvSpPr/>
+              <p:nvPr/>
+            </p:nvSpPr>
+            <p:spPr>
+              <a:xfrm>
+                <a:off x="5966830" y="4310317"/>
+                <a:ext cx="415117" cy="404813"/>
+              </a:xfrm>
+              <a:prstGeom prst="flowChartConnector">
+                <a:avLst/>
+              </a:prstGeom>
+              <a:solidFill>
+                <a:schemeClr val="accent6"/>
+              </a:solidFill>
+            </p:spPr>
+            <p:style>
+              <a:lnRef idx="2">
+                <a:schemeClr val="accent5">
+                  <a:shade val="50000"/>
+                </a:schemeClr>
+              </a:lnRef>
+              <a:fillRef idx="1">
+                <a:schemeClr val="accent5"/>
+              </a:fillRef>
+              <a:effectRef idx="0">
+                <a:schemeClr val="accent5"/>
+              </a:effectRef>
+              <a:fontRef idx="minor">
+                <a:schemeClr val="lt1"/>
+              </a:fontRef>
+            </p:style>
+            <p:txBody>
+              <a:bodyPr lIns="182880" bIns="182880" rtlCol="0" anchor="ctr"/>
+              <a:lstStyle/>
+              <a:p>
+                <a:pPr algn="ctr"/>
+                <a14:m>
+                  <m:oMathPara xmlns:m="http://schemas.openxmlformats.org/officeDocument/2006/math">
+                    <m:oMathParaPr>
+                      <m:jc m:val="centerGroup"/>
+                    </m:oMathParaPr>
+                    <m:oMath xmlns:m="http://schemas.openxmlformats.org/officeDocument/2006/math">
+                      <m:sSub>
+                        <m:sSubPr>
+                          <m:ctrlPr>
+                            <a:rPr lang="en-US" b="0" i="1" smtClean="0">
+                              <a:latin typeface="Cambria Math" panose="02040503050406030204" pitchFamily="18" charset="0"/>
+                            </a:rPr>
+                          </m:ctrlPr>
+                        </m:sSubPr>
+                        <m:e>
+                          <m:r>
+                            <a:rPr lang="en-US" b="0" i="1" smtClean="0">
+                              <a:latin typeface="Cambria Math" panose="02040503050406030204" pitchFamily="18" charset="0"/>
+                            </a:rPr>
+                            <m:t>𝑠</m:t>
+                          </m:r>
+                        </m:e>
+                        <m:sub>
+                          <m:r>
+                            <a:rPr lang="en-US" b="0" i="1" smtClean="0">
+                              <a:latin typeface="Cambria Math" panose="02040503050406030204" pitchFamily="18" charset="0"/>
+                            </a:rPr>
+                            <m:t>𝑡</m:t>
+                          </m:r>
+                          <m:r>
+                            <a:rPr lang="en-US" b="0" i="1" smtClean="0">
+                              <a:latin typeface="Cambria Math" panose="02040503050406030204" pitchFamily="18" charset="0"/>
+                            </a:rPr>
+                            <m:t>+1</m:t>
+                          </m:r>
+                        </m:sub>
+                      </m:sSub>
+                    </m:oMath>
+                  </m:oMathPara>
+                </a14:m>
+                <a:endParaRPr lang="en-US" dirty="0"/>
+              </a:p>
+            </p:txBody>
+          </p:sp>
+        </mc:Choice>
+        <mc:Fallback>
+          <p:sp>
+            <p:nvSpPr>
+              <p:cNvPr id="40" name="Flowchart: Connector 39">
+                <a:extLst>
+                  <a:ext uri="{FF2B5EF4-FFF2-40B4-BE49-F238E27FC236}">
+                    <a16:creationId xmlns:a16="http://schemas.microsoft.com/office/drawing/2014/main" id="{608DE868-BD64-44F6-993B-608BC4816F90}"/>
+                  </a:ext>
+                </a:extLst>
+              </p:cNvPr>
+              <p:cNvSpPr>
+                <a:spLocks noRot="1" noChangeAspect="1" noMove="1" noResize="1" noEditPoints="1" noAdjustHandles="1" noChangeArrowheads="1" noChangeShapeType="1" noTextEdit="1"/>
+              </p:cNvSpPr>
+              <p:nvPr/>
+            </p:nvSpPr>
+            <p:spPr>
+              <a:xfrm>
+                <a:off x="5966830" y="4310317"/>
+                <a:ext cx="415117" cy="404813"/>
+              </a:xfrm>
+              <a:prstGeom prst="flowChartConnector">
+                <a:avLst/>
+              </a:prstGeom>
+              <a:blipFill>
+                <a:blip r:embed="rId11"/>
+                <a:stretch>
+                  <a:fillRect l="-7143" r="-12857"/>
+                </a:stretch>
+              </a:blipFill>
+            </p:spPr>
+            <p:txBody>
+              <a:bodyPr/>
+              <a:lstStyle/>
+              <a:p>
+                <a:r>
+                  <a:rPr lang="en-US">
+                    <a:noFill/>
+                  </a:rPr>
+                  <a:t> </a:t>
+                </a:r>
+              </a:p>
+            </p:txBody>
+          </p:sp>
+        </mc:Fallback>
+      </mc:AlternateContent>
+      <p:cxnSp>
+        <p:nvCxnSpPr>
+          <p:cNvPr id="41" name="Straight Arrow Connector 40">
+            <a:extLst>
+              <a:ext uri="{FF2B5EF4-FFF2-40B4-BE49-F238E27FC236}">
+                <a16:creationId xmlns:a16="http://schemas.microsoft.com/office/drawing/2014/main" id="{B3A1F055-4FDD-4B56-AC78-B764C4031861}"/>
+              </a:ext>
+            </a:extLst>
+          </p:cNvPr>
+          <p:cNvCxnSpPr>
+            <a:cxnSpLocks/>
+            <a:stCxn id="40" idx="6"/>
+            <a:endCxn id="43" idx="3"/>
+          </p:cNvCxnSpPr>
+          <p:nvPr/>
+        </p:nvCxnSpPr>
+        <p:spPr>
+          <a:xfrm flipV="1">
+            <a:off x="6381947" y="4511676"/>
+            <a:ext cx="451596" cy="1048"/>
+          </a:xfrm>
+          <a:prstGeom prst="straightConnector1">
+            <a:avLst/>
+          </a:prstGeom>
+          <a:ln w="25400" cmpd="sng">
+            <a:tailEnd type="triangle"/>
+          </a:ln>
+        </p:spPr>
+        <p:style>
+          <a:lnRef idx="1">
+            <a:schemeClr val="accent1"/>
+          </a:lnRef>
+          <a:fillRef idx="0">
+            <a:schemeClr val="accent1"/>
+          </a:fillRef>
+          <a:effectRef idx="0">
+            <a:schemeClr val="accent1"/>
+          </a:effectRef>
+          <a:fontRef idx="minor">
+            <a:schemeClr val="tx1"/>
+          </a:fontRef>
+        </p:style>
+      </p:cxnSp>
+      <mc:AlternateContent xmlns:mc="http://schemas.openxmlformats.org/markup-compatibility/2006">
+        <mc:Choice xmlns:a14="http://schemas.microsoft.com/office/drawing/2010/main" Requires="a14">
+          <p:sp>
+            <p:nvSpPr>
+              <p:cNvPr id="42" name="TextBox 41">
+                <a:extLst>
+                  <a:ext uri="{FF2B5EF4-FFF2-40B4-BE49-F238E27FC236}">
+                    <a16:creationId xmlns:a16="http://schemas.microsoft.com/office/drawing/2014/main" id="{634115EC-92E6-46AC-AB93-A42EB8E5C11D}"/>
+                  </a:ext>
+                </a:extLst>
+              </p:cNvPr>
+              <p:cNvSpPr txBox="1"/>
+              <p:nvPr/>
+            </p:nvSpPr>
+            <p:spPr>
+              <a:xfrm>
+                <a:off x="6462377" y="4335979"/>
+                <a:ext cx="371166" cy="277424"/>
+              </a:xfrm>
+              <a:prstGeom prst="rect">
+                <a:avLst/>
+              </a:prstGeom>
+              <a:noFill/>
+            </p:spPr>
+            <p:txBody>
+              <a:bodyPr wrap="none" lIns="0" tIns="0" rIns="0" bIns="0" rtlCol="0">
+                <a:normAutofit fontScale="55000" lnSpcReduction="20000"/>
+              </a:bodyPr>
+              <a:lstStyle/>
+              <a:p>
+                <a14:m>
+                  <m:oMathPara xmlns:m="http://schemas.openxmlformats.org/officeDocument/2006/math">
+                    <m:oMathParaPr>
+                      <m:jc m:val="centerGroup"/>
+                    </m:oMathParaPr>
+                    <m:oMath xmlns:m="http://schemas.openxmlformats.org/officeDocument/2006/math">
+                      <m:r>
+                        <a:rPr lang="en-US" b="0" i="1" smtClean="0">
+                          <a:latin typeface="Cambria Math" panose="02040503050406030204" pitchFamily="18" charset="0"/>
+                        </a:rPr>
+                        <m:t>𝑎</m:t>
+                      </m:r>
+                      <m:r>
+                        <a:rPr lang="en-US" b="0" i="1" smtClean="0">
+                          <a:latin typeface="Cambria Math" panose="02040503050406030204" pitchFamily="18" charset="0"/>
+                        </a:rPr>
+                        <m:t>=2</m:t>
+                      </m:r>
+                    </m:oMath>
+                  </m:oMathPara>
+                </a14:m>
+                <a:endParaRPr lang="en-US" dirty="0"/>
+              </a:p>
+            </p:txBody>
+          </p:sp>
+        </mc:Choice>
+        <mc:Fallback>
+          <p:sp>
+            <p:nvSpPr>
+              <p:cNvPr id="42" name="TextBox 41">
+                <a:extLst>
+                  <a:ext uri="{FF2B5EF4-FFF2-40B4-BE49-F238E27FC236}">
+                    <a16:creationId xmlns:a16="http://schemas.microsoft.com/office/drawing/2014/main" id="{634115EC-92E6-46AC-AB93-A42EB8E5C11D}"/>
+                  </a:ext>
+                </a:extLst>
+              </p:cNvPr>
+              <p:cNvSpPr txBox="1">
+                <a:spLocks noRot="1" noChangeAspect="1" noMove="1" noResize="1" noEditPoints="1" noAdjustHandles="1" noChangeArrowheads="1" noChangeShapeType="1" noTextEdit="1"/>
+              </p:cNvSpPr>
+              <p:nvPr/>
+            </p:nvSpPr>
+            <p:spPr>
+              <a:xfrm>
+                <a:off x="6462377" y="4335979"/>
+                <a:ext cx="371166" cy="277424"/>
+              </a:xfrm>
+              <a:prstGeom prst="rect">
+                <a:avLst/>
+              </a:prstGeom>
+              <a:blipFill>
+                <a:blip r:embed="rId12"/>
+                <a:stretch>
+                  <a:fillRect r="-4918"/>
+                </a:stretch>
+              </a:blipFill>
+            </p:spPr>
+            <p:txBody>
+              <a:bodyPr/>
+              <a:lstStyle/>
+              <a:p>
+                <a:r>
+                  <a:rPr lang="en-US">
+                    <a:noFill/>
+                  </a:rPr>
+                  <a:t> </a:t>
+                </a:r>
+              </a:p>
+            </p:txBody>
+          </p:sp>
+        </mc:Fallback>
+      </mc:AlternateContent>
+      <mc:AlternateContent xmlns:mc="http://schemas.openxmlformats.org/markup-compatibility/2006">
+        <mc:Choice xmlns:a14="http://schemas.microsoft.com/office/drawing/2010/main" Requires="a14">
+          <p:sp>
+            <p:nvSpPr>
+              <p:cNvPr id="43" name="Hexagon 42">
+                <a:extLst>
+                  <a:ext uri="{FF2B5EF4-FFF2-40B4-BE49-F238E27FC236}">
+                    <a16:creationId xmlns:a16="http://schemas.microsoft.com/office/drawing/2014/main" id="{BF275DF2-7966-4AFD-AD06-726E44B81C93}"/>
+                  </a:ext>
+                </a:extLst>
+              </p:cNvPr>
+              <p:cNvSpPr/>
+              <p:nvPr/>
+            </p:nvSpPr>
+            <p:spPr>
+              <a:xfrm>
+                <a:off x="6833543" y="4309269"/>
+                <a:ext cx="460562" cy="404813"/>
+              </a:xfrm>
+              <a:prstGeom prst="hexagon">
+                <a:avLst/>
+              </a:prstGeom>
+              <a:solidFill>
+                <a:schemeClr val="accent5"/>
+              </a:solidFill>
+            </p:spPr>
+            <p:style>
+              <a:lnRef idx="2">
+                <a:schemeClr val="accent1">
+                  <a:shade val="50000"/>
+                </a:schemeClr>
+              </a:lnRef>
+              <a:fillRef idx="1">
+                <a:schemeClr val="accent1"/>
+              </a:fillRef>
+              <a:effectRef idx="0">
+                <a:schemeClr val="accent1"/>
+              </a:effectRef>
+              <a:fontRef idx="minor">
+                <a:schemeClr val="lt1"/>
+              </a:fontRef>
+            </p:style>
+            <p:txBody>
+              <a:bodyPr rtlCol="0" anchor="ctr"/>
+              <a:lstStyle/>
+              <a:p>
+                <a:pPr algn="ctr"/>
+                <a14:m>
+                  <m:oMathPara xmlns:m="http://schemas.openxmlformats.org/officeDocument/2006/math">
+                    <m:oMathParaPr>
+                      <m:jc m:val="centerGroup"/>
+                    </m:oMathParaPr>
+                    <m:oMath xmlns:m="http://schemas.openxmlformats.org/officeDocument/2006/math">
+                      <m:sSub>
+                        <m:sSubPr>
+                          <m:ctrlPr>
+                            <a:rPr lang="en-US" b="0" i="1" smtClean="0">
+                              <a:latin typeface="Cambria Math" panose="02040503050406030204" pitchFamily="18" charset="0"/>
+                            </a:rPr>
+                          </m:ctrlPr>
+                        </m:sSubPr>
+                        <m:e>
+                          <m:r>
+                            <a:rPr lang="en-US" b="0" i="1" smtClean="0">
+                              <a:latin typeface="Cambria Math" panose="02040503050406030204" pitchFamily="18" charset="0"/>
+                            </a:rPr>
+                            <m:t>𝑄</m:t>
+                          </m:r>
+                        </m:e>
+                        <m:sub>
+                          <m:r>
+                            <a:rPr lang="en-US" b="0" i="1" smtClean="0">
+                              <a:latin typeface="Cambria Math" panose="02040503050406030204" pitchFamily="18" charset="0"/>
+                            </a:rPr>
+                            <m:t>2</m:t>
+                          </m:r>
+                        </m:sub>
+                      </m:sSub>
+                    </m:oMath>
+                  </m:oMathPara>
+                </a14:m>
+                <a:endParaRPr lang="en-US" dirty="0"/>
+              </a:p>
+            </p:txBody>
+          </p:sp>
+        </mc:Choice>
+        <mc:Fallback>
+          <p:sp>
+            <p:nvSpPr>
+              <p:cNvPr id="43" name="Hexagon 42">
+                <a:extLst>
+                  <a:ext uri="{FF2B5EF4-FFF2-40B4-BE49-F238E27FC236}">
+                    <a16:creationId xmlns:a16="http://schemas.microsoft.com/office/drawing/2014/main" id="{BF275DF2-7966-4AFD-AD06-726E44B81C93}"/>
+                  </a:ext>
+                </a:extLst>
+              </p:cNvPr>
+              <p:cNvSpPr>
+                <a:spLocks noRot="1" noChangeAspect="1" noMove="1" noResize="1" noEditPoints="1" noAdjustHandles="1" noChangeArrowheads="1" noChangeShapeType="1" noTextEdit="1"/>
+              </p:cNvSpPr>
+              <p:nvPr/>
+            </p:nvSpPr>
+            <p:spPr>
+              <a:xfrm>
+                <a:off x="6833543" y="4309269"/>
+                <a:ext cx="460562" cy="404813"/>
+              </a:xfrm>
+              <a:prstGeom prst="hexagon">
+                <a:avLst/>
+              </a:prstGeom>
+              <a:blipFill>
+                <a:blip r:embed="rId13"/>
+                <a:stretch>
+                  <a:fillRect l="-2500" b="-4412"/>
+                </a:stretch>
+              </a:blipFill>
+            </p:spPr>
+            <p:txBody>
+              <a:bodyPr/>
+              <a:lstStyle/>
+              <a:p>
+                <a:r>
+                  <a:rPr lang="en-US">
+                    <a:noFill/>
+                  </a:rPr>
+                  <a:t> </a:t>
+                </a:r>
+              </a:p>
+            </p:txBody>
+          </p:sp>
+        </mc:Fallback>
+      </mc:AlternateContent>
+      <mc:AlternateContent xmlns:mc="http://schemas.openxmlformats.org/markup-compatibility/2006">
+        <mc:Choice xmlns:a14="http://schemas.microsoft.com/office/drawing/2010/main" Requires="a14">
+          <p:sp>
+            <p:nvSpPr>
+              <p:cNvPr id="44" name="Hexagon 43">
+                <a:extLst>
+                  <a:ext uri="{FF2B5EF4-FFF2-40B4-BE49-F238E27FC236}">
+                    <a16:creationId xmlns:a16="http://schemas.microsoft.com/office/drawing/2014/main" id="{8AF92E17-80F4-4835-B98F-67F038E3F12D}"/>
+                  </a:ext>
+                </a:extLst>
+              </p:cNvPr>
+              <p:cNvSpPr/>
+              <p:nvPr/>
+            </p:nvSpPr>
+            <p:spPr>
+              <a:xfrm>
+                <a:off x="6833542" y="4819871"/>
+                <a:ext cx="460562" cy="404813"/>
+              </a:xfrm>
+              <a:prstGeom prst="hexagon">
+                <a:avLst/>
+              </a:prstGeom>
+              <a:solidFill>
+                <a:srgbClr val="C00000"/>
+              </a:solidFill>
+            </p:spPr>
+            <p:style>
+              <a:lnRef idx="2">
+                <a:schemeClr val="accent1">
+                  <a:shade val="50000"/>
+                </a:schemeClr>
+              </a:lnRef>
+              <a:fillRef idx="1">
+                <a:schemeClr val="accent1"/>
+              </a:fillRef>
+              <a:effectRef idx="0">
+                <a:schemeClr val="accent1"/>
+              </a:effectRef>
+              <a:fontRef idx="minor">
+                <a:schemeClr val="lt1"/>
+              </a:fontRef>
+            </p:style>
+            <p:txBody>
+              <a:bodyPr rtlCol="0" anchor="ctr"/>
+              <a:lstStyle/>
+              <a:p>
+                <a:pPr algn="ctr"/>
+                <a14:m>
+                  <m:oMathPara xmlns:m="http://schemas.openxmlformats.org/officeDocument/2006/math">
+                    <m:oMathParaPr>
+                      <m:jc m:val="centerGroup"/>
+                    </m:oMathParaPr>
+                    <m:oMath xmlns:m="http://schemas.openxmlformats.org/officeDocument/2006/math">
+                      <m:sSub>
+                        <m:sSubPr>
+                          <m:ctrlPr>
+                            <a:rPr lang="en-US" b="0" i="1" smtClean="0">
+                              <a:latin typeface="Cambria Math" panose="02040503050406030204" pitchFamily="18" charset="0"/>
+                            </a:rPr>
+                          </m:ctrlPr>
+                        </m:sSubPr>
+                        <m:e>
+                          <m:r>
+                            <a:rPr lang="en-US" b="0" i="1" smtClean="0">
+                              <a:latin typeface="Cambria Math" panose="02040503050406030204" pitchFamily="18" charset="0"/>
+                            </a:rPr>
+                            <m:t>𝑄</m:t>
+                          </m:r>
+                        </m:e>
+                        <m:sub>
+                          <m:r>
+                            <a:rPr lang="en-US" b="0" i="1" smtClean="0">
+                              <a:latin typeface="Cambria Math" panose="02040503050406030204" pitchFamily="18" charset="0"/>
+                            </a:rPr>
+                            <m:t>3</m:t>
+                          </m:r>
+                        </m:sub>
+                      </m:sSub>
+                    </m:oMath>
+                  </m:oMathPara>
+                </a14:m>
+                <a:endParaRPr lang="en-US" dirty="0"/>
+              </a:p>
+            </p:txBody>
+          </p:sp>
+        </mc:Choice>
+        <mc:Fallback>
+          <p:sp>
+            <p:nvSpPr>
+              <p:cNvPr id="44" name="Hexagon 43">
+                <a:extLst>
+                  <a:ext uri="{FF2B5EF4-FFF2-40B4-BE49-F238E27FC236}">
+                    <a16:creationId xmlns:a16="http://schemas.microsoft.com/office/drawing/2014/main" id="{8AF92E17-80F4-4835-B98F-67F038E3F12D}"/>
+                  </a:ext>
+                </a:extLst>
+              </p:cNvPr>
+              <p:cNvSpPr>
+                <a:spLocks noRot="1" noChangeAspect="1" noMove="1" noResize="1" noEditPoints="1" noAdjustHandles="1" noChangeArrowheads="1" noChangeShapeType="1" noTextEdit="1"/>
+              </p:cNvSpPr>
+              <p:nvPr/>
+            </p:nvSpPr>
+            <p:spPr>
+              <a:xfrm>
+                <a:off x="6833542" y="4819871"/>
+                <a:ext cx="460562" cy="404813"/>
+              </a:xfrm>
+              <a:prstGeom prst="hexagon">
+                <a:avLst/>
+              </a:prstGeom>
+              <a:blipFill>
+                <a:blip r:embed="rId14"/>
+                <a:stretch>
+                  <a:fillRect l="-2500" b="-2941"/>
+                </a:stretch>
+              </a:blipFill>
+            </p:spPr>
+            <p:txBody>
+              <a:bodyPr/>
+              <a:lstStyle/>
+              <a:p>
+                <a:r>
+                  <a:rPr lang="en-US">
+                    <a:noFill/>
+                  </a:rPr>
+                  <a:t> </a:t>
+                </a:r>
+              </a:p>
+            </p:txBody>
+          </p:sp>
+        </mc:Fallback>
+      </mc:AlternateContent>
+      <mc:AlternateContent xmlns:mc="http://schemas.openxmlformats.org/markup-compatibility/2006">
+        <mc:Choice xmlns:a14="http://schemas.microsoft.com/office/drawing/2010/main" Requires="a14">
+          <p:sp>
+            <p:nvSpPr>
+              <p:cNvPr id="45" name="Hexagon 44">
+                <a:extLst>
+                  <a:ext uri="{FF2B5EF4-FFF2-40B4-BE49-F238E27FC236}">
+                    <a16:creationId xmlns:a16="http://schemas.microsoft.com/office/drawing/2014/main" id="{26C417D1-D554-4A12-A9A2-0F2F4699FC47}"/>
+                  </a:ext>
+                </a:extLst>
+              </p:cNvPr>
+              <p:cNvSpPr/>
+              <p:nvPr/>
+            </p:nvSpPr>
+            <p:spPr>
+              <a:xfrm>
+                <a:off x="6833542" y="3799646"/>
+                <a:ext cx="460562" cy="404813"/>
+              </a:xfrm>
+              <a:prstGeom prst="hexagon">
+                <a:avLst/>
+              </a:prstGeom>
+              <a:solidFill>
+                <a:schemeClr val="accent5"/>
+              </a:solidFill>
+            </p:spPr>
+            <p:style>
+              <a:lnRef idx="2">
+                <a:schemeClr val="accent1">
+                  <a:shade val="50000"/>
+                </a:schemeClr>
+              </a:lnRef>
+              <a:fillRef idx="1">
+                <a:schemeClr val="accent1"/>
+              </a:fillRef>
+              <a:effectRef idx="0">
+                <a:schemeClr val="accent1"/>
+              </a:effectRef>
+              <a:fontRef idx="minor">
+                <a:schemeClr val="lt1"/>
+              </a:fontRef>
+            </p:style>
+            <p:txBody>
+              <a:bodyPr rtlCol="0" anchor="ctr"/>
+              <a:lstStyle/>
+              <a:p>
+                <a:pPr algn="ctr"/>
+                <a14:m>
+                  <m:oMathPara xmlns:m="http://schemas.openxmlformats.org/officeDocument/2006/math">
+                    <m:oMathParaPr>
+                      <m:jc m:val="centerGroup"/>
+                    </m:oMathParaPr>
+                    <m:oMath xmlns:m="http://schemas.openxmlformats.org/officeDocument/2006/math">
+                      <m:sSub>
+                        <m:sSubPr>
+                          <m:ctrlPr>
+                            <a:rPr lang="en-US" b="0" i="1" smtClean="0">
+                              <a:latin typeface="Cambria Math" panose="02040503050406030204" pitchFamily="18" charset="0"/>
+                            </a:rPr>
+                          </m:ctrlPr>
+                        </m:sSubPr>
+                        <m:e>
+                          <m:r>
+                            <a:rPr lang="en-US" b="0" i="1" smtClean="0">
+                              <a:latin typeface="Cambria Math" panose="02040503050406030204" pitchFamily="18" charset="0"/>
+                            </a:rPr>
+                            <m:t>𝑄</m:t>
+                          </m:r>
+                        </m:e>
+                        <m:sub>
+                          <m:r>
+                            <a:rPr lang="en-US" b="0" i="1" smtClean="0">
+                              <a:latin typeface="Cambria Math" panose="02040503050406030204" pitchFamily="18" charset="0"/>
+                            </a:rPr>
+                            <m:t>1</m:t>
+                          </m:r>
+                        </m:sub>
+                      </m:sSub>
+                    </m:oMath>
+                  </m:oMathPara>
+                </a14:m>
+                <a:endParaRPr lang="en-US" dirty="0"/>
+              </a:p>
+            </p:txBody>
+          </p:sp>
+        </mc:Choice>
+        <mc:Fallback>
+          <p:sp>
+            <p:nvSpPr>
+              <p:cNvPr id="45" name="Hexagon 44">
+                <a:extLst>
+                  <a:ext uri="{FF2B5EF4-FFF2-40B4-BE49-F238E27FC236}">
+                    <a16:creationId xmlns:a16="http://schemas.microsoft.com/office/drawing/2014/main" id="{26C417D1-D554-4A12-A9A2-0F2F4699FC47}"/>
+                  </a:ext>
+                </a:extLst>
+              </p:cNvPr>
+              <p:cNvSpPr>
+                <a:spLocks noRot="1" noChangeAspect="1" noMove="1" noResize="1" noEditPoints="1" noAdjustHandles="1" noChangeArrowheads="1" noChangeShapeType="1" noTextEdit="1"/>
+              </p:cNvSpPr>
+              <p:nvPr/>
+            </p:nvSpPr>
+            <p:spPr>
+              <a:xfrm>
+                <a:off x="6833542" y="3799646"/>
+                <a:ext cx="460562" cy="404813"/>
+              </a:xfrm>
+              <a:prstGeom prst="hexagon">
+                <a:avLst/>
+              </a:prstGeom>
+              <a:blipFill>
+                <a:blip r:embed="rId15"/>
+                <a:stretch>
+                  <a:fillRect l="-2500" b="-2899"/>
+                </a:stretch>
+              </a:blipFill>
+            </p:spPr>
+            <p:txBody>
+              <a:bodyPr/>
+              <a:lstStyle/>
+              <a:p>
+                <a:r>
+                  <a:rPr lang="en-US">
+                    <a:noFill/>
+                  </a:rPr>
+                  <a:t> </a:t>
+                </a:r>
+              </a:p>
+            </p:txBody>
+          </p:sp>
+        </mc:Fallback>
+      </mc:AlternateContent>
+      <p:cxnSp>
+        <p:nvCxnSpPr>
+          <p:cNvPr id="46" name="Straight Arrow Connector 45">
+            <a:extLst>
+              <a:ext uri="{FF2B5EF4-FFF2-40B4-BE49-F238E27FC236}">
+                <a16:creationId xmlns:a16="http://schemas.microsoft.com/office/drawing/2014/main" id="{E4B73FA9-75DB-4490-8024-EC91A94A7434}"/>
+              </a:ext>
+            </a:extLst>
+          </p:cNvPr>
+          <p:cNvCxnSpPr>
+            <a:cxnSpLocks/>
+            <a:stCxn id="40" idx="6"/>
+            <a:endCxn id="45" idx="3"/>
+          </p:cNvCxnSpPr>
+          <p:nvPr/>
+        </p:nvCxnSpPr>
+        <p:spPr>
+          <a:xfrm flipV="1">
+            <a:off x="6381947" y="4002053"/>
+            <a:ext cx="451595" cy="510671"/>
+          </a:xfrm>
+          <a:prstGeom prst="straightConnector1">
+            <a:avLst/>
+          </a:prstGeom>
+          <a:ln w="25400" cmpd="sng">
+            <a:tailEnd type="triangle"/>
+          </a:ln>
+        </p:spPr>
+        <p:style>
+          <a:lnRef idx="1">
+            <a:schemeClr val="accent1"/>
+          </a:lnRef>
+          <a:fillRef idx="0">
+            <a:schemeClr val="accent1"/>
+          </a:fillRef>
+          <a:effectRef idx="0">
+            <a:schemeClr val="accent1"/>
+          </a:effectRef>
+          <a:fontRef idx="minor">
+            <a:schemeClr val="tx1"/>
+          </a:fontRef>
+        </p:style>
+      </p:cxnSp>
+      <p:cxnSp>
+        <p:nvCxnSpPr>
+          <p:cNvPr id="47" name="Straight Arrow Connector 46">
+            <a:extLst>
+              <a:ext uri="{FF2B5EF4-FFF2-40B4-BE49-F238E27FC236}">
+                <a16:creationId xmlns:a16="http://schemas.microsoft.com/office/drawing/2014/main" id="{06370973-EAE4-4628-8EDD-43A9494D9318}"/>
+              </a:ext>
+            </a:extLst>
+          </p:cNvPr>
+          <p:cNvCxnSpPr>
+            <a:cxnSpLocks/>
+            <a:stCxn id="40" idx="6"/>
+            <a:endCxn id="44" idx="3"/>
+          </p:cNvCxnSpPr>
+          <p:nvPr/>
+        </p:nvCxnSpPr>
+        <p:spPr>
+          <a:xfrm>
+            <a:off x="6381947" y="4512724"/>
+            <a:ext cx="451595" cy="509554"/>
+          </a:xfrm>
+          <a:prstGeom prst="straightConnector1">
+            <a:avLst/>
+          </a:prstGeom>
+          <a:ln w="25400" cmpd="sng">
+            <a:tailEnd type="triangle"/>
+          </a:ln>
+        </p:spPr>
+        <p:style>
+          <a:lnRef idx="1">
+            <a:schemeClr val="accent1"/>
+          </a:lnRef>
+          <a:fillRef idx="0">
+            <a:schemeClr val="accent1"/>
+          </a:fillRef>
+          <a:effectRef idx="0">
+            <a:schemeClr val="accent1"/>
+          </a:effectRef>
+          <a:fontRef idx="minor">
+            <a:schemeClr val="tx1"/>
+          </a:fontRef>
+        </p:style>
+      </p:cxnSp>
+      <mc:AlternateContent xmlns:mc="http://schemas.openxmlformats.org/markup-compatibility/2006">
+        <mc:Choice xmlns:a14="http://schemas.microsoft.com/office/drawing/2010/main" Requires="a14">
+          <p:sp>
+            <p:nvSpPr>
+              <p:cNvPr id="48" name="TextBox 47">
+                <a:extLst>
+                  <a:ext uri="{FF2B5EF4-FFF2-40B4-BE49-F238E27FC236}">
+                    <a16:creationId xmlns:a16="http://schemas.microsoft.com/office/drawing/2014/main" id="{D0DE291B-FEFE-4B46-AAA3-E37BB68AE406}"/>
+                  </a:ext>
+                </a:extLst>
+              </p:cNvPr>
+              <p:cNvSpPr txBox="1"/>
+              <p:nvPr/>
+            </p:nvSpPr>
+            <p:spPr>
+              <a:xfrm rot="18739933">
+                <a:off x="6395912" y="4065746"/>
+                <a:ext cx="371166" cy="277424"/>
+              </a:xfrm>
+              <a:prstGeom prst="rect">
+                <a:avLst/>
+              </a:prstGeom>
+              <a:noFill/>
+            </p:spPr>
+            <p:txBody>
+              <a:bodyPr wrap="none" lIns="0" tIns="0" rIns="0" bIns="0" rtlCol="0">
+                <a:normAutofit fontScale="55000" lnSpcReduction="20000"/>
+              </a:bodyPr>
+              <a:lstStyle/>
+              <a:p>
+                <a14:m>
+                  <m:oMathPara xmlns:m="http://schemas.openxmlformats.org/officeDocument/2006/math">
+                    <m:oMathParaPr>
+                      <m:jc m:val="centerGroup"/>
+                    </m:oMathParaPr>
+                    <m:oMath xmlns:m="http://schemas.openxmlformats.org/officeDocument/2006/math">
+                      <m:r>
+                        <a:rPr lang="en-US" b="0" i="1" smtClean="0">
+                          <a:latin typeface="Cambria Math" panose="02040503050406030204" pitchFamily="18" charset="0"/>
+                        </a:rPr>
+                        <m:t>𝑎</m:t>
+                      </m:r>
+                      <m:r>
+                        <a:rPr lang="en-US" b="0" i="1" smtClean="0">
+                          <a:latin typeface="Cambria Math" panose="02040503050406030204" pitchFamily="18" charset="0"/>
+                        </a:rPr>
+                        <m:t>=1</m:t>
+                      </m:r>
+                    </m:oMath>
+                  </m:oMathPara>
+                </a14:m>
+                <a:endParaRPr lang="en-US" dirty="0"/>
+              </a:p>
+            </p:txBody>
+          </p:sp>
+        </mc:Choice>
+        <mc:Fallback>
+          <p:sp>
+            <p:nvSpPr>
+              <p:cNvPr id="48" name="TextBox 47">
+                <a:extLst>
+                  <a:ext uri="{FF2B5EF4-FFF2-40B4-BE49-F238E27FC236}">
+                    <a16:creationId xmlns:a16="http://schemas.microsoft.com/office/drawing/2014/main" id="{D0DE291B-FEFE-4B46-AAA3-E37BB68AE406}"/>
+                  </a:ext>
+                </a:extLst>
+              </p:cNvPr>
+              <p:cNvSpPr txBox="1">
+                <a:spLocks noRot="1" noChangeAspect="1" noMove="1" noResize="1" noEditPoints="1" noAdjustHandles="1" noChangeArrowheads="1" noChangeShapeType="1" noTextEdit="1"/>
+              </p:cNvSpPr>
+              <p:nvPr/>
+            </p:nvSpPr>
+            <p:spPr>
+              <a:xfrm rot="18739933">
+                <a:off x="6395912" y="4065746"/>
+                <a:ext cx="371166" cy="277424"/>
+              </a:xfrm>
+              <a:prstGeom prst="rect">
+                <a:avLst/>
+              </a:prstGeom>
+              <a:blipFill>
+                <a:blip r:embed="rId16"/>
+                <a:stretch>
+                  <a:fillRect/>
+                </a:stretch>
+              </a:blipFill>
+            </p:spPr>
+            <p:txBody>
+              <a:bodyPr/>
+              <a:lstStyle/>
+              <a:p>
+                <a:r>
+                  <a:rPr lang="en-US">
+                    <a:noFill/>
+                  </a:rPr>
+                  <a:t> </a:t>
+                </a:r>
+              </a:p>
+            </p:txBody>
+          </p:sp>
+        </mc:Fallback>
+      </mc:AlternateContent>
+      <mc:AlternateContent xmlns:mc="http://schemas.openxmlformats.org/markup-compatibility/2006">
+        <mc:Choice xmlns:a14="http://schemas.microsoft.com/office/drawing/2010/main" Requires="a14">
+          <p:sp>
+            <p:nvSpPr>
+              <p:cNvPr id="49" name="TextBox 48">
+                <a:extLst>
+                  <a:ext uri="{FF2B5EF4-FFF2-40B4-BE49-F238E27FC236}">
+                    <a16:creationId xmlns:a16="http://schemas.microsoft.com/office/drawing/2014/main" id="{BF00CD38-07C6-43A1-BA73-6A57D2132EFF}"/>
+                  </a:ext>
+                </a:extLst>
+              </p:cNvPr>
+              <p:cNvSpPr txBox="1"/>
+              <p:nvPr/>
+            </p:nvSpPr>
+            <p:spPr>
+              <a:xfrm rot="2817198">
+                <a:off x="6470761" y="4632449"/>
+                <a:ext cx="371166" cy="277424"/>
+              </a:xfrm>
+              <a:prstGeom prst="rect">
+                <a:avLst/>
+              </a:prstGeom>
+              <a:noFill/>
+            </p:spPr>
+            <p:txBody>
+              <a:bodyPr wrap="none" lIns="0" tIns="0" rIns="0" bIns="0" rtlCol="0">
+                <a:normAutofit fontScale="55000" lnSpcReduction="20000"/>
+              </a:bodyPr>
+              <a:lstStyle/>
+              <a:p>
+                <a14:m>
+                  <m:oMathPara xmlns:m="http://schemas.openxmlformats.org/officeDocument/2006/math">
+                    <m:oMathParaPr>
+                      <m:jc m:val="centerGroup"/>
+                    </m:oMathParaPr>
+                    <m:oMath xmlns:m="http://schemas.openxmlformats.org/officeDocument/2006/math">
+                      <m:r>
+                        <a:rPr lang="en-US" b="0" i="1" smtClean="0">
+                          <a:latin typeface="Cambria Math" panose="02040503050406030204" pitchFamily="18" charset="0"/>
+                        </a:rPr>
+                        <m:t>𝑎</m:t>
+                      </m:r>
+                      <m:r>
+                        <a:rPr lang="en-US" b="0" i="1" smtClean="0">
+                          <a:latin typeface="Cambria Math" panose="02040503050406030204" pitchFamily="18" charset="0"/>
+                        </a:rPr>
+                        <m:t>=3</m:t>
+                      </m:r>
+                    </m:oMath>
+                  </m:oMathPara>
+                </a14:m>
+                <a:endParaRPr lang="en-US" dirty="0"/>
+              </a:p>
+            </p:txBody>
+          </p:sp>
+        </mc:Choice>
+        <mc:Fallback>
+          <p:sp>
+            <p:nvSpPr>
+              <p:cNvPr id="49" name="TextBox 48">
+                <a:extLst>
+                  <a:ext uri="{FF2B5EF4-FFF2-40B4-BE49-F238E27FC236}">
+                    <a16:creationId xmlns:a16="http://schemas.microsoft.com/office/drawing/2014/main" id="{BF00CD38-07C6-43A1-BA73-6A57D2132EFF}"/>
+                  </a:ext>
+                </a:extLst>
+              </p:cNvPr>
+              <p:cNvSpPr txBox="1">
+                <a:spLocks noRot="1" noChangeAspect="1" noMove="1" noResize="1" noEditPoints="1" noAdjustHandles="1" noChangeArrowheads="1" noChangeShapeType="1" noTextEdit="1"/>
+              </p:cNvSpPr>
+              <p:nvPr/>
+            </p:nvSpPr>
+            <p:spPr>
+              <a:xfrm rot="2817198">
+                <a:off x="6470761" y="4632449"/>
+                <a:ext cx="371166" cy="277424"/>
+              </a:xfrm>
+              <a:prstGeom prst="rect">
+                <a:avLst/>
+              </a:prstGeom>
+              <a:blipFill>
+                <a:blip r:embed="rId17"/>
+                <a:stretch>
+                  <a:fillRect/>
+                </a:stretch>
+              </a:blipFill>
+            </p:spPr>
+            <p:txBody>
+              <a:bodyPr/>
+              <a:lstStyle/>
+              <a:p>
+                <a:r>
+                  <a:rPr lang="en-US">
+                    <a:noFill/>
+                  </a:rPr>
+                  <a:t> </a:t>
+                </a:r>
+              </a:p>
+            </p:txBody>
+          </p:sp>
+        </mc:Fallback>
+      </mc:AlternateContent>
+    </p:spTree>
+    <p:extLst>
+      <p:ext uri="{BB962C8B-B14F-4D97-AF65-F5344CB8AC3E}">
+        <p14:creationId xmlns:p14="http://schemas.microsoft.com/office/powerpoint/2010/main" val="1920829979"/>
+      </p:ext>
+    </p:extLst>
+  </p:cSld>
+  <p:clrMapOvr>
+    <a:masterClrMapping/>
+  </p:clrMapOvr>
+</p:sld>
+</file>
+
 <file path=ppt/theme/theme1.xml><?xml version="1.0" encoding="utf-8"?>
 <a:theme xmlns:a="http://schemas.openxmlformats.org/drawingml/2006/main" name="Office Theme">
   <a:themeElements>

--- a/doc/figures.pptx
+++ b/doc/figures.pptx
@@ -6,9 +6,10 @@
   </p:sldMasterIdLst>
   <p:sldIdLst>
     <p:sldId id="256" r:id="rId2"/>
-    <p:sldId id="257" r:id="rId3"/>
-    <p:sldId id="258" r:id="rId4"/>
-    <p:sldId id="259" r:id="rId5"/>
+    <p:sldId id="260" r:id="rId3"/>
+    <p:sldId id="257" r:id="rId4"/>
+    <p:sldId id="258" r:id="rId5"/>
+    <p:sldId id="259" r:id="rId6"/>
   </p:sldIdLst>
   <p:sldSz cx="12192000" cy="6858000"/>
   <p:notesSz cx="6858000" cy="9144000"/>
@@ -107,6 +108,11 @@
       </a:defRPr>
     </a:lvl9pPr>
   </p:defaultTextStyle>
+  <p:extLst>
+    <p:ext uri="{EFAFB233-063F-42B5-8137-9DF3F51BA10A}">
+      <p15:sldGuideLst xmlns:p15="http://schemas.microsoft.com/office/powerpoint/2012/main"/>
+    </p:ext>
+  </p:extLst>
 </p:presentation>
 </file>
 
@@ -257,7 +263,7 @@
           <a:p>
             <a:fld id="{FB48240C-9481-4CF5-BD6D-059F358F8DFD}" type="datetimeFigureOut">
               <a:rPr lang="en-US" smtClean="0"/>
-              <a:t>1/3/2021</a:t>
+              <a:t>1/5/2021</a:t>
             </a:fld>
             <a:endParaRPr lang="en-US"/>
           </a:p>
@@ -455,7 +461,7 @@
           <a:p>
             <a:fld id="{FB48240C-9481-4CF5-BD6D-059F358F8DFD}" type="datetimeFigureOut">
               <a:rPr lang="en-US" smtClean="0"/>
-              <a:t>1/3/2021</a:t>
+              <a:t>1/5/2021</a:t>
             </a:fld>
             <a:endParaRPr lang="en-US"/>
           </a:p>
@@ -663,7 +669,7 @@
           <a:p>
             <a:fld id="{FB48240C-9481-4CF5-BD6D-059F358F8DFD}" type="datetimeFigureOut">
               <a:rPr lang="en-US" smtClean="0"/>
-              <a:t>1/3/2021</a:t>
+              <a:t>1/5/2021</a:t>
             </a:fld>
             <a:endParaRPr lang="en-US"/>
           </a:p>
@@ -861,7 +867,7 @@
           <a:p>
             <a:fld id="{FB48240C-9481-4CF5-BD6D-059F358F8DFD}" type="datetimeFigureOut">
               <a:rPr lang="en-US" smtClean="0"/>
-              <a:t>1/3/2021</a:t>
+              <a:t>1/5/2021</a:t>
             </a:fld>
             <a:endParaRPr lang="en-US"/>
           </a:p>
@@ -1136,7 +1142,7 @@
           <a:p>
             <a:fld id="{FB48240C-9481-4CF5-BD6D-059F358F8DFD}" type="datetimeFigureOut">
               <a:rPr lang="en-US" smtClean="0"/>
-              <a:t>1/3/2021</a:t>
+              <a:t>1/5/2021</a:t>
             </a:fld>
             <a:endParaRPr lang="en-US"/>
           </a:p>
@@ -1401,7 +1407,7 @@
           <a:p>
             <a:fld id="{FB48240C-9481-4CF5-BD6D-059F358F8DFD}" type="datetimeFigureOut">
               <a:rPr lang="en-US" smtClean="0"/>
-              <a:t>1/3/2021</a:t>
+              <a:t>1/5/2021</a:t>
             </a:fld>
             <a:endParaRPr lang="en-US"/>
           </a:p>
@@ -1813,7 +1819,7 @@
           <a:p>
             <a:fld id="{FB48240C-9481-4CF5-BD6D-059F358F8DFD}" type="datetimeFigureOut">
               <a:rPr lang="en-US" smtClean="0"/>
-              <a:t>1/3/2021</a:t>
+              <a:t>1/5/2021</a:t>
             </a:fld>
             <a:endParaRPr lang="en-US"/>
           </a:p>
@@ -1954,7 +1960,7 @@
           <a:p>
             <a:fld id="{FB48240C-9481-4CF5-BD6D-059F358F8DFD}" type="datetimeFigureOut">
               <a:rPr lang="en-US" smtClean="0"/>
-              <a:t>1/3/2021</a:t>
+              <a:t>1/5/2021</a:t>
             </a:fld>
             <a:endParaRPr lang="en-US"/>
           </a:p>
@@ -2067,7 +2073,7 @@
           <a:p>
             <a:fld id="{FB48240C-9481-4CF5-BD6D-059F358F8DFD}" type="datetimeFigureOut">
               <a:rPr lang="en-US" smtClean="0"/>
-              <a:t>1/3/2021</a:t>
+              <a:t>1/5/2021</a:t>
             </a:fld>
             <a:endParaRPr lang="en-US"/>
           </a:p>
@@ -2378,7 +2384,7 @@
           <a:p>
             <a:fld id="{FB48240C-9481-4CF5-BD6D-059F358F8DFD}" type="datetimeFigureOut">
               <a:rPr lang="en-US" smtClean="0"/>
-              <a:t>1/3/2021</a:t>
+              <a:t>1/5/2021</a:t>
             </a:fld>
             <a:endParaRPr lang="en-US"/>
           </a:p>
@@ -2666,7 +2672,7 @@
           <a:p>
             <a:fld id="{FB48240C-9481-4CF5-BD6D-059F358F8DFD}" type="datetimeFigureOut">
               <a:rPr lang="en-US" smtClean="0"/>
-              <a:t>1/3/2021</a:t>
+              <a:t>1/5/2021</a:t>
             </a:fld>
             <a:endParaRPr lang="en-US"/>
           </a:p>
@@ -2907,7 +2913,7 @@
           <a:p>
             <a:fld id="{FB48240C-9481-4CF5-BD6D-059F358F8DFD}" type="datetimeFigureOut">
               <a:rPr lang="en-US" smtClean="0"/>
-              <a:t>1/3/2021</a:t>
+              <a:t>1/5/2021</a:t>
             </a:fld>
             <a:endParaRPr lang="en-US"/>
           </a:p>
@@ -3340,8 +3346,8 @@
             </p:nvSpPr>
             <p:spPr>
               <a:xfrm>
-                <a:off x="5582359" y="2144472"/>
-                <a:ext cx="1178976" cy="345992"/>
+                <a:off x="8011234" y="3577606"/>
+                <a:ext cx="1682961" cy="342401"/>
               </a:xfrm>
               <a:prstGeom prst="rect">
                 <a:avLst/>
@@ -3354,6 +3360,7 @@
               </a:bodyPr>
               <a:lstStyle/>
               <a:p>
+                <a:pPr/>
                 <a14:m>
                   <m:oMathPara xmlns:m="http://schemas.openxmlformats.org/officeDocument/2006/math">
                     <m:oMathParaPr>
@@ -3385,14 +3392,54 @@
                           </m:r>
                         </m:sub>
                         <m:sup>
-                          <m:r>
-                            <a:rPr lang="en-US" b="0" i="1" smtClean="0">
-                              <a:latin typeface="Cambria Math" panose="02040503050406030204" pitchFamily="18" charset="0"/>
-                            </a:rPr>
-                            <m:t>(0)</m:t>
-                          </m:r>
+                          <m:d>
+                            <m:dPr>
+                              <m:ctrlPr>
+                                <a:rPr lang="en-US" b="0" i="1" smtClean="0">
+                                  <a:latin typeface="Cambria Math" panose="02040503050406030204" pitchFamily="18" charset="0"/>
+                                </a:rPr>
+                              </m:ctrlPr>
+                            </m:dPr>
+                            <m:e>
+                              <m:r>
+                                <a:rPr lang="en-US" b="0" i="1" smtClean="0">
+                                  <a:latin typeface="Cambria Math" panose="02040503050406030204" pitchFamily="18" charset="0"/>
+                                </a:rPr>
+                                <m:t>0</m:t>
+                              </m:r>
+                            </m:e>
+                          </m:d>
                         </m:sup>
                       </m:sSubSup>
+                      <m:d>
+                        <m:dPr>
+                          <m:ctrlPr>
+                            <a:rPr lang="en-US" b="0" i="1" smtClean="0">
+                              <a:latin typeface="Cambria Math" panose="02040503050406030204" pitchFamily="18" charset="0"/>
+                            </a:rPr>
+                          </m:ctrlPr>
+                        </m:dPr>
+                        <m:e>
+                          <m:r>
+                            <a:rPr lang="en-US" b="0" i="1" smtClean="0">
+                              <a:latin typeface="Cambria Math" panose="02040503050406030204" pitchFamily="18" charset="0"/>
+                            </a:rPr>
+                            <m:t>𝑠</m:t>
+                          </m:r>
+                          <m:r>
+                            <a:rPr lang="en-US" b="0" i="1" smtClean="0">
+                              <a:latin typeface="Cambria Math" panose="02040503050406030204" pitchFamily="18" charset="0"/>
+                            </a:rPr>
+                            <m:t>,</m:t>
+                          </m:r>
+                          <m:r>
+                            <a:rPr lang="en-US" b="0" i="1" smtClean="0">
+                              <a:latin typeface="Cambria Math" panose="02040503050406030204" pitchFamily="18" charset="0"/>
+                            </a:rPr>
+                            <m:t>𝑟</m:t>
+                          </m:r>
+                        </m:e>
+                      </m:d>
                       <m:r>
                         <a:rPr lang="en-US" b="0" i="1" smtClean="0">
                           <a:latin typeface="Cambria Math" panose="02040503050406030204" pitchFamily="18" charset="0"/>
@@ -3475,8 +3522,8 @@
             </p:nvSpPr>
             <p:spPr>
               <a:xfrm>
-                <a:off x="5582359" y="2144472"/>
-                <a:ext cx="1178976" cy="345992"/>
+                <a:off x="8011234" y="3577606"/>
+                <a:ext cx="1682961" cy="342401"/>
               </a:xfrm>
               <a:prstGeom prst="rect">
                 <a:avLst/>
@@ -3484,7 +3531,2651 @@
               <a:blipFill>
                 <a:blip r:embed="rId2"/>
                 <a:stretch>
-                  <a:fillRect l="-6218" t="-3509" r="-1554" b="-21053"/>
+                  <a:fillRect l="-3986" r="-725" b="-23214"/>
+                </a:stretch>
+              </a:blipFill>
+            </p:spPr>
+            <p:txBody>
+              <a:bodyPr/>
+              <a:lstStyle/>
+              <a:p>
+                <a:r>
+                  <a:rPr lang="en-US">
+                    <a:noFill/>
+                  </a:rPr>
+                  <a:t> </a:t>
+                </a:r>
+              </a:p>
+            </p:txBody>
+          </p:sp>
+        </mc:Fallback>
+      </mc:AlternateContent>
+      <mc:AlternateContent xmlns:mc="http://schemas.openxmlformats.org/markup-compatibility/2006">
+        <mc:Choice xmlns:a14="http://schemas.microsoft.com/office/drawing/2010/main" Requires="a14">
+          <p:sp>
+            <p:nvSpPr>
+              <p:cNvPr id="5" name="TextBox 4">
+                <a:extLst>
+                  <a:ext uri="{FF2B5EF4-FFF2-40B4-BE49-F238E27FC236}">
+                    <a16:creationId xmlns:a16="http://schemas.microsoft.com/office/drawing/2014/main" id="{75BD52F2-A558-4F29-BE10-2E71A0A6FA23}"/>
+                  </a:ext>
+                </a:extLst>
+              </p:cNvPr>
+              <p:cNvSpPr txBox="1"/>
+              <p:nvPr/>
+            </p:nvSpPr>
+            <p:spPr>
+              <a:xfrm>
+                <a:off x="8007519" y="3975415"/>
+                <a:ext cx="2032159" cy="345992"/>
+              </a:xfrm>
+              <a:prstGeom prst="rect">
+                <a:avLst/>
+              </a:prstGeom>
+              <a:noFill/>
+            </p:spPr>
+            <p:txBody>
+              <a:bodyPr wrap="none" lIns="0" tIns="0" rIns="0" bIns="0" rtlCol="0">
+                <a:spAutoFit/>
+              </a:bodyPr>
+              <a:lstStyle/>
+              <a:p>
+                <a14:m>
+                  <m:oMath xmlns:m="http://schemas.openxmlformats.org/officeDocument/2006/math">
+                    <m:sSubSup>
+                      <m:sSubSupPr>
+                        <m:ctrlPr>
+                          <a:rPr lang="en-US" b="0" i="1" smtClean="0">
+                            <a:latin typeface="Cambria Math" panose="02040503050406030204" pitchFamily="18" charset="0"/>
+                          </a:rPr>
+                        </m:ctrlPr>
+                      </m:sSubSupPr>
+                      <m:e>
+                        <m:r>
+                          <a:rPr lang="en-US" b="0" i="1" smtClean="0">
+                            <a:latin typeface="Cambria Math" panose="02040503050406030204" pitchFamily="18" charset="0"/>
+                          </a:rPr>
+                          <m:t>𝑄</m:t>
+                        </m:r>
+                      </m:e>
+                      <m:sub>
+                        <m:r>
+                          <a:rPr lang="en-US" b="0" i="1" smtClean="0">
+                            <a:latin typeface="Cambria Math" panose="02040503050406030204" pitchFamily="18" charset="0"/>
+                          </a:rPr>
+                          <m:t>𝑡</m:t>
+                        </m:r>
+                      </m:sub>
+                      <m:sup>
+                        <m:r>
+                          <a:rPr lang="en-US" b="0" i="1" smtClean="0">
+                            <a:latin typeface="Cambria Math" panose="02040503050406030204" pitchFamily="18" charset="0"/>
+                          </a:rPr>
+                          <m:t>(1)</m:t>
+                        </m:r>
+                      </m:sup>
+                    </m:sSubSup>
+                    <m:r>
+                      <a:rPr lang="en-US" b="0" i="1" smtClean="0">
+                        <a:latin typeface="Cambria Math" panose="02040503050406030204" pitchFamily="18" charset="0"/>
+                      </a:rPr>
+                      <m:t>=</m:t>
+                    </m:r>
+                    <m:sSub>
+                      <m:sSubPr>
+                        <m:ctrlPr>
+                          <a:rPr lang="en-US" b="0" i="1" smtClean="0">
+                            <a:latin typeface="Cambria Math" panose="02040503050406030204" pitchFamily="18" charset="0"/>
+                          </a:rPr>
+                        </m:ctrlPr>
+                      </m:sSubPr>
+                      <m:e>
+                        <m:sSup>
+                          <m:sSupPr>
+                            <m:ctrlPr>
+                              <a:rPr lang="en-US" b="0" i="1" smtClean="0">
+                                <a:latin typeface="Cambria Math" panose="02040503050406030204" pitchFamily="18" charset="0"/>
+                              </a:rPr>
+                            </m:ctrlPr>
+                          </m:sSupPr>
+                          <m:e>
+                            <m:r>
+                              <a:rPr lang="en-US" b="0" i="1" smtClean="0">
+                                <a:latin typeface="Cambria Math" panose="02040503050406030204" pitchFamily="18" charset="0"/>
+                                <a:ea typeface="Cambria Math" panose="02040503050406030204" pitchFamily="18" charset="0"/>
+                              </a:rPr>
+                              <m:t>𝛾</m:t>
+                            </m:r>
+                          </m:e>
+                          <m:sup>
+                            <m:r>
+                              <a:rPr lang="en-US" b="0" i="1" smtClean="0">
+                                <a:latin typeface="Cambria Math" panose="02040503050406030204" pitchFamily="18" charset="0"/>
+                              </a:rPr>
+                              <m:t>0</m:t>
+                            </m:r>
+                          </m:sup>
+                        </m:sSup>
+                        <m:r>
+                          <a:rPr lang="en-US" b="0" i="1" smtClean="0">
+                            <a:latin typeface="Cambria Math" panose="02040503050406030204" pitchFamily="18" charset="0"/>
+                          </a:rPr>
+                          <m:t>𝑟</m:t>
+                        </m:r>
+                      </m:e>
+                      <m:sub>
+                        <m:r>
+                          <a:rPr lang="en-US" b="0" i="1" smtClean="0">
+                            <a:latin typeface="Cambria Math" panose="02040503050406030204" pitchFamily="18" charset="0"/>
+                          </a:rPr>
+                          <m:t>𝑡</m:t>
+                        </m:r>
+                      </m:sub>
+                    </m:sSub>
+                    <m:r>
+                      <a:rPr lang="en-US" b="0" i="1" smtClean="0">
+                        <a:latin typeface="Cambria Math" panose="02040503050406030204" pitchFamily="18" charset="0"/>
+                      </a:rPr>
+                      <m:t>+</m:t>
+                    </m:r>
+                  </m:oMath>
+                </a14:m>
+                <a:r>
+                  <a:rPr lang="en-US" b="0" dirty="0"/>
+                  <a:t> </a:t>
+                </a:r>
+                <a14:m>
+                  <m:oMath xmlns:m="http://schemas.openxmlformats.org/officeDocument/2006/math">
+                    <m:sSub>
+                      <m:sSubPr>
+                        <m:ctrlPr>
+                          <a:rPr lang="en-US" b="0" i="1" smtClean="0">
+                            <a:latin typeface="Cambria Math" panose="02040503050406030204" pitchFamily="18" charset="0"/>
+                          </a:rPr>
+                        </m:ctrlPr>
+                      </m:sSubPr>
+                      <m:e>
+                        <m:sSup>
+                          <m:sSupPr>
+                            <m:ctrlPr>
+                              <a:rPr lang="en-US" b="0" i="1" smtClean="0">
+                                <a:latin typeface="Cambria Math" panose="02040503050406030204" pitchFamily="18" charset="0"/>
+                              </a:rPr>
+                            </m:ctrlPr>
+                          </m:sSupPr>
+                          <m:e>
+                            <m:r>
+                              <a:rPr lang="en-US" b="0" i="1" smtClean="0">
+                                <a:latin typeface="Cambria Math" panose="02040503050406030204" pitchFamily="18" charset="0"/>
+                                <a:ea typeface="Cambria Math" panose="02040503050406030204" pitchFamily="18" charset="0"/>
+                              </a:rPr>
+                              <m:t>𝛾</m:t>
+                            </m:r>
+                          </m:e>
+                          <m:sup>
+                            <m:r>
+                              <a:rPr lang="en-US" b="0" i="1" smtClean="0">
+                                <a:latin typeface="Cambria Math" panose="02040503050406030204" pitchFamily="18" charset="0"/>
+                              </a:rPr>
+                              <m:t>1</m:t>
+                            </m:r>
+                          </m:sup>
+                        </m:sSup>
+                        <m:r>
+                          <a:rPr lang="en-US" b="0" i="1" smtClean="0">
+                            <a:latin typeface="Cambria Math" panose="02040503050406030204" pitchFamily="18" charset="0"/>
+                          </a:rPr>
+                          <m:t>𝑟</m:t>
+                        </m:r>
+                      </m:e>
+                      <m:sub>
+                        <m:r>
+                          <a:rPr lang="en-US" b="0" i="1" smtClean="0">
+                            <a:latin typeface="Cambria Math" panose="02040503050406030204" pitchFamily="18" charset="0"/>
+                          </a:rPr>
+                          <m:t>𝑡</m:t>
+                        </m:r>
+                        <m:r>
+                          <a:rPr lang="en-US" b="0" i="1" smtClean="0">
+                            <a:latin typeface="Cambria Math" panose="02040503050406030204" pitchFamily="18" charset="0"/>
+                          </a:rPr>
+                          <m:t>+1</m:t>
+                        </m:r>
+                      </m:sub>
+                    </m:sSub>
+                  </m:oMath>
+                </a14:m>
+                <a:endParaRPr lang="en-US" dirty="0"/>
+              </a:p>
+            </p:txBody>
+          </p:sp>
+        </mc:Choice>
+        <mc:Fallback>
+          <p:sp>
+            <p:nvSpPr>
+              <p:cNvPr id="5" name="TextBox 4">
+                <a:extLst>
+                  <a:ext uri="{FF2B5EF4-FFF2-40B4-BE49-F238E27FC236}">
+                    <a16:creationId xmlns:a16="http://schemas.microsoft.com/office/drawing/2014/main" id="{75BD52F2-A558-4F29-BE10-2E71A0A6FA23}"/>
+                  </a:ext>
+                </a:extLst>
+              </p:cNvPr>
+              <p:cNvSpPr txBox="1">
+                <a:spLocks noRot="1" noChangeAspect="1" noMove="1" noResize="1" noEditPoints="1" noAdjustHandles="1" noChangeArrowheads="1" noChangeShapeType="1" noTextEdit="1"/>
+              </p:cNvSpPr>
+              <p:nvPr/>
+            </p:nvSpPr>
+            <p:spPr>
+              <a:xfrm>
+                <a:off x="8007519" y="3975415"/>
+                <a:ext cx="2032159" cy="345992"/>
+              </a:xfrm>
+              <a:prstGeom prst="rect">
+                <a:avLst/>
+              </a:prstGeom>
+              <a:blipFill>
+                <a:blip r:embed="rId3"/>
+                <a:stretch>
+                  <a:fillRect l="-5105" t="-3509" r="-1502" b="-21053"/>
+                </a:stretch>
+              </a:blipFill>
+            </p:spPr>
+            <p:txBody>
+              <a:bodyPr/>
+              <a:lstStyle/>
+              <a:p>
+                <a:r>
+                  <a:rPr lang="en-US">
+                    <a:noFill/>
+                  </a:rPr>
+                  <a:t> </a:t>
+                </a:r>
+              </a:p>
+            </p:txBody>
+          </p:sp>
+        </mc:Fallback>
+      </mc:AlternateContent>
+      <mc:AlternateContent xmlns:mc="http://schemas.openxmlformats.org/markup-compatibility/2006">
+        <mc:Choice xmlns:a14="http://schemas.microsoft.com/office/drawing/2010/main" Requires="a14">
+          <p:sp>
+            <p:nvSpPr>
+              <p:cNvPr id="6" name="TextBox 5">
+                <a:extLst>
+                  <a:ext uri="{FF2B5EF4-FFF2-40B4-BE49-F238E27FC236}">
+                    <a16:creationId xmlns:a16="http://schemas.microsoft.com/office/drawing/2014/main" id="{210CEE0E-A5A3-4B4B-AD9A-5D66B08DA0DC}"/>
+                  </a:ext>
+                </a:extLst>
+              </p:cNvPr>
+              <p:cNvSpPr txBox="1"/>
+              <p:nvPr/>
+            </p:nvSpPr>
+            <p:spPr>
+              <a:xfrm>
+                <a:off x="8003804" y="4373224"/>
+                <a:ext cx="2936638" cy="345992"/>
+              </a:xfrm>
+              <a:prstGeom prst="rect">
+                <a:avLst/>
+              </a:prstGeom>
+              <a:noFill/>
+            </p:spPr>
+            <p:txBody>
+              <a:bodyPr wrap="none" lIns="0" tIns="0" rIns="0" bIns="0" rtlCol="0">
+                <a:spAutoFit/>
+              </a:bodyPr>
+              <a:lstStyle/>
+              <a:p>
+                <a14:m>
+                  <m:oMath xmlns:m="http://schemas.openxmlformats.org/officeDocument/2006/math">
+                    <m:sSubSup>
+                      <m:sSubSupPr>
+                        <m:ctrlPr>
+                          <a:rPr lang="en-US" b="0" i="1" smtClean="0">
+                            <a:latin typeface="Cambria Math" panose="02040503050406030204" pitchFamily="18" charset="0"/>
+                          </a:rPr>
+                        </m:ctrlPr>
+                      </m:sSubSupPr>
+                      <m:e>
+                        <m:r>
+                          <a:rPr lang="en-US" b="0" i="1" smtClean="0">
+                            <a:latin typeface="Cambria Math" panose="02040503050406030204" pitchFamily="18" charset="0"/>
+                          </a:rPr>
+                          <m:t>𝑄</m:t>
+                        </m:r>
+                      </m:e>
+                      <m:sub>
+                        <m:r>
+                          <a:rPr lang="en-US" b="0" i="1" smtClean="0">
+                            <a:latin typeface="Cambria Math" panose="02040503050406030204" pitchFamily="18" charset="0"/>
+                          </a:rPr>
+                          <m:t>𝑡</m:t>
+                        </m:r>
+                      </m:sub>
+                      <m:sup>
+                        <m:r>
+                          <a:rPr lang="en-US" b="0" i="1" smtClean="0">
+                            <a:latin typeface="Cambria Math" panose="02040503050406030204" pitchFamily="18" charset="0"/>
+                          </a:rPr>
+                          <m:t>(2)</m:t>
+                        </m:r>
+                      </m:sup>
+                    </m:sSubSup>
+                    <m:r>
+                      <a:rPr lang="en-US" b="0" i="1" smtClean="0">
+                        <a:latin typeface="Cambria Math" panose="02040503050406030204" pitchFamily="18" charset="0"/>
+                      </a:rPr>
+                      <m:t>=</m:t>
+                    </m:r>
+                    <m:sSub>
+                      <m:sSubPr>
+                        <m:ctrlPr>
+                          <a:rPr lang="en-US" b="0" i="1" smtClean="0">
+                            <a:latin typeface="Cambria Math" panose="02040503050406030204" pitchFamily="18" charset="0"/>
+                          </a:rPr>
+                        </m:ctrlPr>
+                      </m:sSubPr>
+                      <m:e>
+                        <m:sSup>
+                          <m:sSupPr>
+                            <m:ctrlPr>
+                              <a:rPr lang="en-US" b="0" i="1" smtClean="0">
+                                <a:latin typeface="Cambria Math" panose="02040503050406030204" pitchFamily="18" charset="0"/>
+                              </a:rPr>
+                            </m:ctrlPr>
+                          </m:sSupPr>
+                          <m:e>
+                            <m:r>
+                              <a:rPr lang="en-US" b="0" i="1" smtClean="0">
+                                <a:latin typeface="Cambria Math" panose="02040503050406030204" pitchFamily="18" charset="0"/>
+                                <a:ea typeface="Cambria Math" panose="02040503050406030204" pitchFamily="18" charset="0"/>
+                              </a:rPr>
+                              <m:t>𝛾</m:t>
+                            </m:r>
+                          </m:e>
+                          <m:sup>
+                            <m:r>
+                              <a:rPr lang="en-US" b="0" i="1" smtClean="0">
+                                <a:latin typeface="Cambria Math" panose="02040503050406030204" pitchFamily="18" charset="0"/>
+                              </a:rPr>
+                              <m:t>0</m:t>
+                            </m:r>
+                          </m:sup>
+                        </m:sSup>
+                        <m:r>
+                          <a:rPr lang="en-US" b="0" i="1" smtClean="0">
+                            <a:latin typeface="Cambria Math" panose="02040503050406030204" pitchFamily="18" charset="0"/>
+                          </a:rPr>
+                          <m:t>𝑟</m:t>
+                        </m:r>
+                      </m:e>
+                      <m:sub>
+                        <m:r>
+                          <a:rPr lang="en-US" b="0" i="1" smtClean="0">
+                            <a:latin typeface="Cambria Math" panose="02040503050406030204" pitchFamily="18" charset="0"/>
+                          </a:rPr>
+                          <m:t>𝑡</m:t>
+                        </m:r>
+                      </m:sub>
+                    </m:sSub>
+                    <m:r>
+                      <a:rPr lang="en-US" b="0" i="1" smtClean="0">
+                        <a:latin typeface="Cambria Math" panose="02040503050406030204" pitchFamily="18" charset="0"/>
+                      </a:rPr>
+                      <m:t>+</m:t>
+                    </m:r>
+                  </m:oMath>
+                </a14:m>
+                <a:r>
+                  <a:rPr lang="en-US" b="0" dirty="0"/>
+                  <a:t> </a:t>
+                </a:r>
+                <a14:m>
+                  <m:oMath xmlns:m="http://schemas.openxmlformats.org/officeDocument/2006/math">
+                    <m:sSub>
+                      <m:sSubPr>
+                        <m:ctrlPr>
+                          <a:rPr lang="en-US" b="0" i="1" smtClean="0">
+                            <a:latin typeface="Cambria Math" panose="02040503050406030204" pitchFamily="18" charset="0"/>
+                          </a:rPr>
+                        </m:ctrlPr>
+                      </m:sSubPr>
+                      <m:e>
+                        <m:sSup>
+                          <m:sSupPr>
+                            <m:ctrlPr>
+                              <a:rPr lang="en-US" b="0" i="1" smtClean="0">
+                                <a:latin typeface="Cambria Math" panose="02040503050406030204" pitchFamily="18" charset="0"/>
+                              </a:rPr>
+                            </m:ctrlPr>
+                          </m:sSupPr>
+                          <m:e>
+                            <m:r>
+                              <a:rPr lang="en-US" b="0" i="1" smtClean="0">
+                                <a:latin typeface="Cambria Math" panose="02040503050406030204" pitchFamily="18" charset="0"/>
+                                <a:ea typeface="Cambria Math" panose="02040503050406030204" pitchFamily="18" charset="0"/>
+                              </a:rPr>
+                              <m:t>𝛾</m:t>
+                            </m:r>
+                          </m:e>
+                          <m:sup>
+                            <m:r>
+                              <a:rPr lang="en-US" b="0" i="1" smtClean="0">
+                                <a:latin typeface="Cambria Math" panose="02040503050406030204" pitchFamily="18" charset="0"/>
+                              </a:rPr>
+                              <m:t>1</m:t>
+                            </m:r>
+                          </m:sup>
+                        </m:sSup>
+                        <m:r>
+                          <a:rPr lang="en-US" b="0" i="1" smtClean="0">
+                            <a:latin typeface="Cambria Math" panose="02040503050406030204" pitchFamily="18" charset="0"/>
+                          </a:rPr>
+                          <m:t>𝑟</m:t>
+                        </m:r>
+                      </m:e>
+                      <m:sub>
+                        <m:r>
+                          <a:rPr lang="en-US" b="0" i="1" smtClean="0">
+                            <a:latin typeface="Cambria Math" panose="02040503050406030204" pitchFamily="18" charset="0"/>
+                          </a:rPr>
+                          <m:t>𝑡</m:t>
+                        </m:r>
+                        <m:r>
+                          <a:rPr lang="en-US" b="0" i="1" smtClean="0">
+                            <a:latin typeface="Cambria Math" panose="02040503050406030204" pitchFamily="18" charset="0"/>
+                          </a:rPr>
+                          <m:t>+1</m:t>
+                        </m:r>
+                      </m:sub>
+                    </m:sSub>
+                    <m:r>
+                      <a:rPr lang="en-US" b="0" i="1" smtClean="0">
+                        <a:latin typeface="Cambria Math" panose="02040503050406030204" pitchFamily="18" charset="0"/>
+                      </a:rPr>
+                      <m:t>+</m:t>
+                    </m:r>
+                    <m:sSub>
+                      <m:sSubPr>
+                        <m:ctrlPr>
+                          <a:rPr lang="en-US" b="0" i="1" smtClean="0">
+                            <a:latin typeface="Cambria Math" panose="02040503050406030204" pitchFamily="18" charset="0"/>
+                          </a:rPr>
+                        </m:ctrlPr>
+                      </m:sSubPr>
+                      <m:e>
+                        <m:sSup>
+                          <m:sSupPr>
+                            <m:ctrlPr>
+                              <a:rPr lang="en-US" b="0" i="1" smtClean="0">
+                                <a:latin typeface="Cambria Math" panose="02040503050406030204" pitchFamily="18" charset="0"/>
+                              </a:rPr>
+                            </m:ctrlPr>
+                          </m:sSupPr>
+                          <m:e>
+                            <m:r>
+                              <a:rPr lang="en-US" b="0" i="1" smtClean="0">
+                                <a:latin typeface="Cambria Math" panose="02040503050406030204" pitchFamily="18" charset="0"/>
+                                <a:ea typeface="Cambria Math" panose="02040503050406030204" pitchFamily="18" charset="0"/>
+                              </a:rPr>
+                              <m:t>𝛾</m:t>
+                            </m:r>
+                          </m:e>
+                          <m:sup>
+                            <m:r>
+                              <a:rPr lang="en-US" b="0" i="1" smtClean="0">
+                                <a:latin typeface="Cambria Math" panose="02040503050406030204" pitchFamily="18" charset="0"/>
+                              </a:rPr>
+                              <m:t>2</m:t>
+                            </m:r>
+                          </m:sup>
+                        </m:sSup>
+                        <m:r>
+                          <a:rPr lang="en-US" b="0" i="1" smtClean="0">
+                            <a:latin typeface="Cambria Math" panose="02040503050406030204" pitchFamily="18" charset="0"/>
+                          </a:rPr>
+                          <m:t>𝑟</m:t>
+                        </m:r>
+                      </m:e>
+                      <m:sub>
+                        <m:r>
+                          <a:rPr lang="en-US" b="0" i="1" smtClean="0">
+                            <a:latin typeface="Cambria Math" panose="02040503050406030204" pitchFamily="18" charset="0"/>
+                          </a:rPr>
+                          <m:t>𝑡</m:t>
+                        </m:r>
+                        <m:r>
+                          <a:rPr lang="en-US" b="0" i="1" smtClean="0">
+                            <a:latin typeface="Cambria Math" panose="02040503050406030204" pitchFamily="18" charset="0"/>
+                          </a:rPr>
+                          <m:t>+2</m:t>
+                        </m:r>
+                      </m:sub>
+                    </m:sSub>
+                  </m:oMath>
+                </a14:m>
+                <a:endParaRPr lang="en-US" dirty="0"/>
+              </a:p>
+            </p:txBody>
+          </p:sp>
+        </mc:Choice>
+        <mc:Fallback>
+          <p:sp>
+            <p:nvSpPr>
+              <p:cNvPr id="6" name="TextBox 5">
+                <a:extLst>
+                  <a:ext uri="{FF2B5EF4-FFF2-40B4-BE49-F238E27FC236}">
+                    <a16:creationId xmlns:a16="http://schemas.microsoft.com/office/drawing/2014/main" id="{210CEE0E-A5A3-4B4B-AD9A-5D66B08DA0DC}"/>
+                  </a:ext>
+                </a:extLst>
+              </p:cNvPr>
+              <p:cNvSpPr txBox="1">
+                <a:spLocks noRot="1" noChangeAspect="1" noMove="1" noResize="1" noEditPoints="1" noAdjustHandles="1" noChangeArrowheads="1" noChangeShapeType="1" noTextEdit="1"/>
+              </p:cNvSpPr>
+              <p:nvPr/>
+            </p:nvSpPr>
+            <p:spPr>
+              <a:xfrm>
+                <a:off x="8003804" y="4373224"/>
+                <a:ext cx="2936638" cy="345992"/>
+              </a:xfrm>
+              <a:prstGeom prst="rect">
+                <a:avLst/>
+              </a:prstGeom>
+              <a:blipFill>
+                <a:blip r:embed="rId4"/>
+                <a:stretch>
+                  <a:fillRect l="-3527" t="-3509" r="-830" b="-21053"/>
+                </a:stretch>
+              </a:blipFill>
+            </p:spPr>
+            <p:txBody>
+              <a:bodyPr/>
+              <a:lstStyle/>
+              <a:p>
+                <a:r>
+                  <a:rPr lang="en-US">
+                    <a:noFill/>
+                  </a:rPr>
+                  <a:t> </a:t>
+                </a:r>
+              </a:p>
+            </p:txBody>
+          </p:sp>
+        </mc:Fallback>
+      </mc:AlternateContent>
+      <mc:AlternateContent xmlns:mc="http://schemas.openxmlformats.org/markup-compatibility/2006">
+        <mc:Choice xmlns:a14="http://schemas.microsoft.com/office/drawing/2010/main" Requires="a14">
+          <p:sp>
+            <p:nvSpPr>
+              <p:cNvPr id="7" name="TextBox 6">
+                <a:extLst>
+                  <a:ext uri="{FF2B5EF4-FFF2-40B4-BE49-F238E27FC236}">
+                    <a16:creationId xmlns:a16="http://schemas.microsoft.com/office/drawing/2014/main" id="{A04610FE-E058-49ED-AFA6-870DF45B80E7}"/>
+                  </a:ext>
+                </a:extLst>
+              </p:cNvPr>
+              <p:cNvSpPr txBox="1"/>
+              <p:nvPr/>
+            </p:nvSpPr>
+            <p:spPr>
+              <a:xfrm>
+                <a:off x="8003804" y="5139205"/>
+                <a:ext cx="1705403" cy="784767"/>
+              </a:xfrm>
+              <a:prstGeom prst="rect">
+                <a:avLst/>
+              </a:prstGeom>
+              <a:noFill/>
+            </p:spPr>
+            <p:txBody>
+              <a:bodyPr wrap="none" lIns="0" tIns="0" rIns="0" bIns="0" rtlCol="0">
+                <a:spAutoFit/>
+              </a:bodyPr>
+              <a:lstStyle/>
+              <a:p>
+                <a:pPr/>
+                <a14:m>
+                  <m:oMathPara xmlns:m="http://schemas.openxmlformats.org/officeDocument/2006/math">
+                    <m:oMathParaPr>
+                      <m:jc m:val="centerGroup"/>
+                    </m:oMathParaPr>
+                    <m:oMath xmlns:m="http://schemas.openxmlformats.org/officeDocument/2006/math">
+                      <m:sSubSup>
+                        <m:sSubSupPr>
+                          <m:ctrlPr>
+                            <a:rPr lang="en-US" b="0" i="1" smtClean="0">
+                              <a:latin typeface="Cambria Math" panose="02040503050406030204" pitchFamily="18" charset="0"/>
+                            </a:rPr>
+                          </m:ctrlPr>
+                        </m:sSubSupPr>
+                        <m:e>
+                          <m:r>
+                            <a:rPr lang="en-US" b="0" i="1" smtClean="0">
+                              <a:latin typeface="Cambria Math" panose="02040503050406030204" pitchFamily="18" charset="0"/>
+                            </a:rPr>
+                            <m:t>𝑄</m:t>
+                          </m:r>
+                        </m:e>
+                        <m:sub>
+                          <m:r>
+                            <a:rPr lang="en-US" b="0" i="1" smtClean="0">
+                              <a:latin typeface="Cambria Math" panose="02040503050406030204" pitchFamily="18" charset="0"/>
+                            </a:rPr>
+                            <m:t>𝑡</m:t>
+                          </m:r>
+                        </m:sub>
+                        <m:sup>
+                          <m:r>
+                            <a:rPr lang="en-US" b="0" i="1" smtClean="0">
+                              <a:latin typeface="Cambria Math" panose="02040503050406030204" pitchFamily="18" charset="0"/>
+                            </a:rPr>
+                            <m:t>(</m:t>
+                          </m:r>
+                          <m:r>
+                            <a:rPr lang="en-US" b="0" i="1" smtClean="0">
+                              <a:latin typeface="Cambria Math" panose="02040503050406030204" pitchFamily="18" charset="0"/>
+                            </a:rPr>
+                            <m:t>𝑙</m:t>
+                          </m:r>
+                          <m:r>
+                            <a:rPr lang="en-US" b="0" i="1" smtClean="0">
+                              <a:latin typeface="Cambria Math" panose="02040503050406030204" pitchFamily="18" charset="0"/>
+                            </a:rPr>
+                            <m:t>)</m:t>
+                          </m:r>
+                        </m:sup>
+                      </m:sSubSup>
+                      <m:r>
+                        <a:rPr lang="en-US" b="0" i="1" smtClean="0">
+                          <a:latin typeface="Cambria Math" panose="02040503050406030204" pitchFamily="18" charset="0"/>
+                        </a:rPr>
+                        <m:t>=</m:t>
+                      </m:r>
+                      <m:nary>
+                        <m:naryPr>
+                          <m:chr m:val="∑"/>
+                          <m:ctrlPr>
+                            <a:rPr lang="en-US" b="0" i="1" smtClean="0">
+                              <a:latin typeface="Cambria Math" panose="02040503050406030204" pitchFamily="18" charset="0"/>
+                            </a:rPr>
+                          </m:ctrlPr>
+                        </m:naryPr>
+                        <m:sub>
+                          <m:r>
+                            <m:rPr>
+                              <m:brk m:alnAt="23"/>
+                            </m:rPr>
+                            <a:rPr lang="en-US" b="0" i="1" smtClean="0">
+                              <a:latin typeface="Cambria Math" panose="02040503050406030204" pitchFamily="18" charset="0"/>
+                            </a:rPr>
+                            <m:t>𝑖</m:t>
+                          </m:r>
+                          <m:r>
+                            <a:rPr lang="en-US" b="0" i="1" smtClean="0">
+                              <a:latin typeface="Cambria Math" panose="02040503050406030204" pitchFamily="18" charset="0"/>
+                            </a:rPr>
+                            <m:t>=0</m:t>
+                          </m:r>
+                        </m:sub>
+                        <m:sup>
+                          <m:r>
+                            <a:rPr lang="en-US" b="0" i="1" smtClean="0">
+                              <a:latin typeface="Cambria Math" panose="02040503050406030204" pitchFamily="18" charset="0"/>
+                            </a:rPr>
+                            <m:t>𝑙</m:t>
+                          </m:r>
+                        </m:sup>
+                        <m:e>
+                          <m:sSub>
+                            <m:sSubPr>
+                              <m:ctrlPr>
+                                <a:rPr lang="en-US" b="0" i="1" smtClean="0">
+                                  <a:latin typeface="Cambria Math" panose="02040503050406030204" pitchFamily="18" charset="0"/>
+                                </a:rPr>
+                              </m:ctrlPr>
+                            </m:sSubPr>
+                            <m:e>
+                              <m:sSup>
+                                <m:sSupPr>
+                                  <m:ctrlPr>
+                                    <a:rPr lang="en-US" b="0" i="1" smtClean="0">
+                                      <a:latin typeface="Cambria Math" panose="02040503050406030204" pitchFamily="18" charset="0"/>
+                                    </a:rPr>
+                                  </m:ctrlPr>
+                                </m:sSupPr>
+                                <m:e>
+                                  <m:r>
+                                    <a:rPr lang="en-US" b="0" i="1" smtClean="0">
+                                      <a:latin typeface="Cambria Math" panose="02040503050406030204" pitchFamily="18" charset="0"/>
+                                      <a:ea typeface="Cambria Math" panose="02040503050406030204" pitchFamily="18" charset="0"/>
+                                    </a:rPr>
+                                    <m:t>𝛾</m:t>
+                                  </m:r>
+                                </m:e>
+                                <m:sup>
+                                  <m:r>
+                                    <a:rPr lang="en-US" b="0" i="1" smtClean="0">
+                                      <a:latin typeface="Cambria Math" panose="02040503050406030204" pitchFamily="18" charset="0"/>
+                                    </a:rPr>
+                                    <m:t>𝑖</m:t>
+                                  </m:r>
+                                </m:sup>
+                              </m:sSup>
+                              <m:r>
+                                <a:rPr lang="en-US" b="0" i="1" smtClean="0">
+                                  <a:latin typeface="Cambria Math" panose="02040503050406030204" pitchFamily="18" charset="0"/>
+                                </a:rPr>
+                                <m:t>𝑟</m:t>
+                              </m:r>
+                            </m:e>
+                            <m:sub>
+                              <m:r>
+                                <a:rPr lang="en-US" b="0" i="1" smtClean="0">
+                                  <a:latin typeface="Cambria Math" panose="02040503050406030204" pitchFamily="18" charset="0"/>
+                                </a:rPr>
+                                <m:t>𝑡</m:t>
+                              </m:r>
+                              <m:r>
+                                <a:rPr lang="en-US" b="0" i="1" smtClean="0">
+                                  <a:latin typeface="Cambria Math" panose="02040503050406030204" pitchFamily="18" charset="0"/>
+                                </a:rPr>
+                                <m:t>+</m:t>
+                              </m:r>
+                              <m:r>
+                                <a:rPr lang="en-US" b="0" i="1" smtClean="0">
+                                  <a:latin typeface="Cambria Math" panose="02040503050406030204" pitchFamily="18" charset="0"/>
+                                </a:rPr>
+                                <m:t>𝑖</m:t>
+                              </m:r>
+                            </m:sub>
+                          </m:sSub>
+                        </m:e>
+                      </m:nary>
+                    </m:oMath>
+                  </m:oMathPara>
+                </a14:m>
+                <a:endParaRPr lang="en-US" dirty="0"/>
+              </a:p>
+            </p:txBody>
+          </p:sp>
+        </mc:Choice>
+        <mc:Fallback>
+          <p:sp>
+            <p:nvSpPr>
+              <p:cNvPr id="7" name="TextBox 6">
+                <a:extLst>
+                  <a:ext uri="{FF2B5EF4-FFF2-40B4-BE49-F238E27FC236}">
+                    <a16:creationId xmlns:a16="http://schemas.microsoft.com/office/drawing/2014/main" id="{A04610FE-E058-49ED-AFA6-870DF45B80E7}"/>
+                  </a:ext>
+                </a:extLst>
+              </p:cNvPr>
+              <p:cNvSpPr txBox="1">
+                <a:spLocks noRot="1" noChangeAspect="1" noMove="1" noResize="1" noEditPoints="1" noAdjustHandles="1" noChangeArrowheads="1" noChangeShapeType="1" noTextEdit="1"/>
+              </p:cNvSpPr>
+              <p:nvPr/>
+            </p:nvSpPr>
+            <p:spPr>
+              <a:xfrm>
+                <a:off x="8003804" y="5139205"/>
+                <a:ext cx="1705403" cy="784767"/>
+              </a:xfrm>
+              <a:prstGeom prst="rect">
+                <a:avLst/>
+              </a:prstGeom>
+              <a:blipFill>
+                <a:blip r:embed="rId5"/>
+                <a:stretch>
+                  <a:fillRect/>
+                </a:stretch>
+              </a:blipFill>
+            </p:spPr>
+            <p:txBody>
+              <a:bodyPr/>
+              <a:lstStyle/>
+              <a:p>
+                <a:r>
+                  <a:rPr lang="en-US">
+                    <a:noFill/>
+                  </a:rPr>
+                  <a:t> </a:t>
+                </a:r>
+              </a:p>
+            </p:txBody>
+          </p:sp>
+        </mc:Fallback>
+      </mc:AlternateContent>
+      <mc:AlternateContent xmlns:mc="http://schemas.openxmlformats.org/markup-compatibility/2006">
+        <mc:Choice xmlns:a14="http://schemas.microsoft.com/office/drawing/2010/main" Requires="a14">
+          <p:sp>
+            <p:nvSpPr>
+              <p:cNvPr id="8" name="TextBox 7">
+                <a:extLst>
+                  <a:ext uri="{FF2B5EF4-FFF2-40B4-BE49-F238E27FC236}">
+                    <a16:creationId xmlns:a16="http://schemas.microsoft.com/office/drawing/2014/main" id="{21654551-663B-489B-95CF-3438CDE08FBA}"/>
+                  </a:ext>
+                </a:extLst>
+              </p:cNvPr>
+              <p:cNvSpPr txBox="1"/>
+              <p:nvPr/>
+            </p:nvSpPr>
+            <p:spPr>
+              <a:xfrm>
+                <a:off x="8011234" y="4862134"/>
+                <a:ext cx="226023" cy="276999"/>
+              </a:xfrm>
+              <a:prstGeom prst="rect">
+                <a:avLst/>
+              </a:prstGeom>
+              <a:noFill/>
+            </p:spPr>
+            <p:txBody>
+              <a:bodyPr wrap="none" lIns="0" tIns="0" rIns="0" bIns="0" rtlCol="0">
+                <a:spAutoFit/>
+              </a:bodyPr>
+              <a:lstStyle/>
+              <a:p>
+                <a:pPr/>
+                <a14:m>
+                  <m:oMathPara xmlns:m="http://schemas.openxmlformats.org/officeDocument/2006/math">
+                    <m:oMathParaPr>
+                      <m:jc m:val="centerGroup"/>
+                    </m:oMathParaPr>
+                    <m:oMath xmlns:m="http://schemas.openxmlformats.org/officeDocument/2006/math">
+                      <m:r>
+                        <a:rPr lang="en-US" b="0" i="1" smtClean="0">
+                          <a:latin typeface="Cambria Math" panose="02040503050406030204" pitchFamily="18" charset="0"/>
+                        </a:rPr>
+                        <m:t>…</m:t>
+                      </m:r>
+                    </m:oMath>
+                  </m:oMathPara>
+                </a14:m>
+                <a:endParaRPr lang="en-US" dirty="0"/>
+              </a:p>
+            </p:txBody>
+          </p:sp>
+        </mc:Choice>
+        <mc:Fallback>
+          <p:sp>
+            <p:nvSpPr>
+              <p:cNvPr id="8" name="TextBox 7">
+                <a:extLst>
+                  <a:ext uri="{FF2B5EF4-FFF2-40B4-BE49-F238E27FC236}">
+                    <a16:creationId xmlns:a16="http://schemas.microsoft.com/office/drawing/2014/main" id="{21654551-663B-489B-95CF-3438CDE08FBA}"/>
+                  </a:ext>
+                </a:extLst>
+              </p:cNvPr>
+              <p:cNvSpPr txBox="1">
+                <a:spLocks noRot="1" noChangeAspect="1" noMove="1" noResize="1" noEditPoints="1" noAdjustHandles="1" noChangeArrowheads="1" noChangeShapeType="1" noTextEdit="1"/>
+              </p:cNvSpPr>
+              <p:nvPr/>
+            </p:nvSpPr>
+            <p:spPr>
+              <a:xfrm>
+                <a:off x="8011234" y="4862134"/>
+                <a:ext cx="226023" cy="276999"/>
+              </a:xfrm>
+              <a:prstGeom prst="rect">
+                <a:avLst/>
+              </a:prstGeom>
+              <a:blipFill>
+                <a:blip r:embed="rId6"/>
+                <a:stretch>
+                  <a:fillRect/>
+                </a:stretch>
+              </a:blipFill>
+            </p:spPr>
+            <p:txBody>
+              <a:bodyPr/>
+              <a:lstStyle/>
+              <a:p>
+                <a:r>
+                  <a:rPr lang="en-US">
+                    <a:noFill/>
+                  </a:rPr>
+                  <a:t> </a:t>
+                </a:r>
+              </a:p>
+            </p:txBody>
+          </p:sp>
+        </mc:Fallback>
+      </mc:AlternateContent>
+      <mc:AlternateContent xmlns:mc="http://schemas.openxmlformats.org/markup-compatibility/2006">
+        <mc:Choice xmlns:a14="http://schemas.microsoft.com/office/drawing/2010/main" Requires="a14">
+          <p:sp>
+            <p:nvSpPr>
+              <p:cNvPr id="9" name="TextBox 8">
+                <a:extLst>
+                  <a:ext uri="{FF2B5EF4-FFF2-40B4-BE49-F238E27FC236}">
+                    <a16:creationId xmlns:a16="http://schemas.microsoft.com/office/drawing/2014/main" id="{98408266-ED95-4013-BCCB-04D8A3BBD5F2}"/>
+                  </a:ext>
+                </a:extLst>
+              </p:cNvPr>
+              <p:cNvSpPr txBox="1"/>
+              <p:nvPr/>
+            </p:nvSpPr>
+            <p:spPr>
+              <a:xfrm>
+                <a:off x="3190455" y="969904"/>
+                <a:ext cx="1854226" cy="347403"/>
+              </a:xfrm>
+              <a:prstGeom prst="rect">
+                <a:avLst/>
+              </a:prstGeom>
+              <a:noFill/>
+            </p:spPr>
+            <p:txBody>
+              <a:bodyPr wrap="none" lIns="0" tIns="0" rIns="0" bIns="0" rtlCol="0">
+                <a:spAutoFit/>
+              </a:bodyPr>
+              <a:lstStyle/>
+              <a:p>
+                <a:pPr/>
+                <a14:m>
+                  <m:oMathPara xmlns:m="http://schemas.openxmlformats.org/officeDocument/2006/math">
+                    <m:oMathParaPr>
+                      <m:jc m:val="centerGroup"/>
+                    </m:oMathParaPr>
+                    <m:oMath xmlns:m="http://schemas.openxmlformats.org/officeDocument/2006/math">
+                      <m:sSubSup>
+                        <m:sSubSupPr>
+                          <m:ctrlPr>
+                            <a:rPr lang="en-US" b="0" i="1" smtClean="0">
+                              <a:latin typeface="Cambria Math" panose="02040503050406030204" pitchFamily="18" charset="0"/>
+                            </a:rPr>
+                          </m:ctrlPr>
+                        </m:sSubSupPr>
+                        <m:e>
+                          <m:r>
+                            <a:rPr lang="en-US" b="0" i="1" smtClean="0">
+                              <a:latin typeface="Cambria Math" panose="02040503050406030204" pitchFamily="18" charset="0"/>
+                            </a:rPr>
+                            <m:t>𝑄</m:t>
+                          </m:r>
+                        </m:e>
+                        <m:sub>
+                          <m:r>
+                            <a:rPr lang="en-US" b="0" i="1" smtClean="0">
+                              <a:latin typeface="Cambria Math" panose="02040503050406030204" pitchFamily="18" charset="0"/>
+                            </a:rPr>
+                            <m:t>𝑡</m:t>
+                          </m:r>
+                        </m:sub>
+                        <m:sup/>
+                      </m:sSubSup>
+                      <m:r>
+                        <a:rPr lang="en-US" b="0" i="1" smtClean="0">
+                          <a:latin typeface="Cambria Math" panose="02040503050406030204" pitchFamily="18" charset="0"/>
+                        </a:rPr>
+                        <m:t>=</m:t>
+                      </m:r>
+                      <m:sSub>
+                        <m:sSubPr>
+                          <m:ctrlPr>
+                            <a:rPr lang="en-US" b="0" i="1" smtClean="0">
+                              <a:latin typeface="Cambria Math" panose="02040503050406030204" pitchFamily="18" charset="0"/>
+                            </a:rPr>
+                          </m:ctrlPr>
+                        </m:sSubPr>
+                        <m:e>
+                          <m:r>
+                            <a:rPr lang="en-US" b="0" i="1" smtClean="0">
+                              <a:latin typeface="Cambria Math" panose="02040503050406030204" pitchFamily="18" charset="0"/>
+                            </a:rPr>
+                            <m:t>𝑟</m:t>
+                          </m:r>
+                        </m:e>
+                        <m:sub>
+                          <m:r>
+                            <a:rPr lang="en-US" b="0" i="1" smtClean="0">
+                              <a:latin typeface="Cambria Math" panose="02040503050406030204" pitchFamily="18" charset="0"/>
+                            </a:rPr>
+                            <m:t>𝑡</m:t>
+                          </m:r>
+                        </m:sub>
+                      </m:sSub>
+                      <m:r>
+                        <a:rPr lang="en-US" b="0" i="1" smtClean="0">
+                          <a:latin typeface="Cambria Math" panose="02040503050406030204" pitchFamily="18" charset="0"/>
+                        </a:rPr>
+                        <m:t>+</m:t>
+                      </m:r>
+                      <m:r>
+                        <a:rPr lang="en-US" b="0" i="1" smtClean="0">
+                          <a:latin typeface="Cambria Math" panose="02040503050406030204" pitchFamily="18" charset="0"/>
+                          <a:ea typeface="Cambria Math" panose="02040503050406030204" pitchFamily="18" charset="0"/>
+                        </a:rPr>
+                        <m:t>𝛾</m:t>
+                      </m:r>
+                      <m:sSubSup>
+                        <m:sSubSupPr>
+                          <m:ctrlPr>
+                            <a:rPr lang="en-US" b="0" i="1" smtClean="0">
+                              <a:latin typeface="Cambria Math" panose="02040503050406030204" pitchFamily="18" charset="0"/>
+                            </a:rPr>
+                          </m:ctrlPr>
+                        </m:sSubSupPr>
+                        <m:e>
+                          <m:r>
+                            <a:rPr lang="en-US" b="0" i="1" smtClean="0">
+                              <a:latin typeface="Cambria Math" panose="02040503050406030204" pitchFamily="18" charset="0"/>
+                            </a:rPr>
+                            <m:t>𝑄</m:t>
+                          </m:r>
+                        </m:e>
+                        <m:sub>
+                          <m:r>
+                            <a:rPr lang="en-US" b="0" i="1" smtClean="0">
+                              <a:latin typeface="Cambria Math" panose="02040503050406030204" pitchFamily="18" charset="0"/>
+                            </a:rPr>
+                            <m:t>𝑡</m:t>
+                          </m:r>
+                          <m:r>
+                            <a:rPr lang="en-US" b="0" i="1" smtClean="0">
+                              <a:latin typeface="Cambria Math" panose="02040503050406030204" pitchFamily="18" charset="0"/>
+                            </a:rPr>
+                            <m:t>+1</m:t>
+                          </m:r>
+                        </m:sub>
+                        <m:sup>
+                          <m:r>
+                            <a:rPr lang="en-US" b="0" i="1" smtClean="0">
+                              <a:latin typeface="Cambria Math" panose="02040503050406030204" pitchFamily="18" charset="0"/>
+                            </a:rPr>
+                            <m:t>(</m:t>
+                          </m:r>
+                          <m:r>
+                            <a:rPr lang="en-US" b="0" i="1" smtClean="0">
+                              <a:latin typeface="Cambria Math" panose="02040503050406030204" pitchFamily="18" charset="0"/>
+                            </a:rPr>
+                            <m:t>𝑙</m:t>
+                          </m:r>
+                          <m:r>
+                            <a:rPr lang="en-US" b="0" i="1" smtClean="0">
+                              <a:latin typeface="Cambria Math" panose="02040503050406030204" pitchFamily="18" charset="0"/>
+                            </a:rPr>
+                            <m:t>−1)</m:t>
+                          </m:r>
+                        </m:sup>
+                      </m:sSubSup>
+                    </m:oMath>
+                  </m:oMathPara>
+                </a14:m>
+                <a:endParaRPr lang="en-US" dirty="0"/>
+              </a:p>
+            </p:txBody>
+          </p:sp>
+        </mc:Choice>
+        <mc:Fallback>
+          <p:sp>
+            <p:nvSpPr>
+              <p:cNvPr id="9" name="TextBox 8">
+                <a:extLst>
+                  <a:ext uri="{FF2B5EF4-FFF2-40B4-BE49-F238E27FC236}">
+                    <a16:creationId xmlns:a16="http://schemas.microsoft.com/office/drawing/2014/main" id="{98408266-ED95-4013-BCCB-04D8A3BBD5F2}"/>
+                  </a:ext>
+                </a:extLst>
+              </p:cNvPr>
+              <p:cNvSpPr txBox="1">
+                <a:spLocks noRot="1" noChangeAspect="1" noMove="1" noResize="1" noEditPoints="1" noAdjustHandles="1" noChangeArrowheads="1" noChangeShapeType="1" noTextEdit="1"/>
+              </p:cNvSpPr>
+              <p:nvPr/>
+            </p:nvSpPr>
+            <p:spPr>
+              <a:xfrm>
+                <a:off x="3190455" y="969904"/>
+                <a:ext cx="1854226" cy="347403"/>
+              </a:xfrm>
+              <a:prstGeom prst="rect">
+                <a:avLst/>
+              </a:prstGeom>
+              <a:blipFill>
+                <a:blip r:embed="rId7"/>
+                <a:stretch>
+                  <a:fillRect l="-3607" t="-3509" r="-2295" b="-21053"/>
+                </a:stretch>
+              </a:blipFill>
+            </p:spPr>
+            <p:txBody>
+              <a:bodyPr/>
+              <a:lstStyle/>
+              <a:p>
+                <a:r>
+                  <a:rPr lang="en-US">
+                    <a:noFill/>
+                  </a:rPr>
+                  <a:t> </a:t>
+                </a:r>
+              </a:p>
+            </p:txBody>
+          </p:sp>
+        </mc:Fallback>
+      </mc:AlternateContent>
+      <mc:AlternateContent xmlns:mc="http://schemas.openxmlformats.org/markup-compatibility/2006">
+        <mc:Choice xmlns:a14="http://schemas.microsoft.com/office/drawing/2010/main" Requires="a14">
+          <p:sp>
+            <p:nvSpPr>
+              <p:cNvPr id="10" name="TextBox 9">
+                <a:extLst>
+                  <a:ext uri="{FF2B5EF4-FFF2-40B4-BE49-F238E27FC236}">
+                    <a16:creationId xmlns:a16="http://schemas.microsoft.com/office/drawing/2014/main" id="{2315739C-2738-4F14-89D3-1DFD6BA4E46A}"/>
+                  </a:ext>
+                </a:extLst>
+              </p:cNvPr>
+              <p:cNvSpPr txBox="1"/>
+              <p:nvPr/>
+            </p:nvSpPr>
+            <p:spPr>
+              <a:xfrm>
+                <a:off x="5994615" y="934028"/>
+                <a:ext cx="6389313" cy="653128"/>
+              </a:xfrm>
+              <a:prstGeom prst="rect">
+                <a:avLst/>
+              </a:prstGeom>
+              <a:noFill/>
+            </p:spPr>
+            <p:txBody>
+              <a:bodyPr wrap="none" lIns="0" tIns="0" rIns="0" bIns="0" rtlCol="0">
+                <a:spAutoFit/>
+              </a:bodyPr>
+              <a:lstStyle/>
+              <a:p>
+                <a:pPr/>
+                <a14:m>
+                  <m:oMathPara xmlns:m="http://schemas.openxmlformats.org/officeDocument/2006/math">
+                    <m:oMathParaPr>
+                      <m:jc m:val="centerGroup"/>
+                    </m:oMathParaPr>
+                    <m:oMath xmlns:m="http://schemas.openxmlformats.org/officeDocument/2006/math">
+                      <m:sSub>
+                        <m:sSubPr>
+                          <m:ctrlPr>
+                            <a:rPr lang="en-US" sz="2400" b="0" i="1" smtClean="0">
+                              <a:latin typeface="Cambria Math" panose="02040503050406030204" pitchFamily="18" charset="0"/>
+                              <a:ea typeface="Cambria Math" panose="02040503050406030204" pitchFamily="18" charset="0"/>
+                            </a:rPr>
+                          </m:ctrlPr>
+                        </m:sSubPr>
+                        <m:e>
+                          <m:r>
+                            <a:rPr lang="en-US" sz="2400" i="1">
+                              <a:latin typeface="Cambria Math" panose="02040503050406030204" pitchFamily="18" charset="0"/>
+                            </a:rPr>
+                            <m:t>𝑄</m:t>
+                          </m:r>
+                          <m:r>
+                            <a:rPr lang="en-US" sz="2400" i="1">
+                              <a:latin typeface="Cambria Math" panose="02040503050406030204" pitchFamily="18" charset="0"/>
+                            </a:rPr>
+                            <m:t>(</m:t>
+                          </m:r>
+                          <m:r>
+                            <a:rPr lang="en-US" sz="2400" i="1">
+                              <a:latin typeface="Cambria Math" panose="02040503050406030204" pitchFamily="18" charset="0"/>
+                            </a:rPr>
+                            <m:t>𝑠</m:t>
+                          </m:r>
+                          <m:r>
+                            <a:rPr lang="en-US" sz="2400" i="1">
+                              <a:latin typeface="Cambria Math" panose="02040503050406030204" pitchFamily="18" charset="0"/>
+                            </a:rPr>
+                            <m:t>,</m:t>
+                          </m:r>
+                          <m:r>
+                            <a:rPr lang="en-US" sz="2400" i="1">
+                              <a:latin typeface="Cambria Math" panose="02040503050406030204" pitchFamily="18" charset="0"/>
+                            </a:rPr>
+                            <m:t>𝑎</m:t>
+                          </m:r>
+                          <m:r>
+                            <a:rPr lang="en-US" sz="2400" i="1" dirty="0">
+                              <a:latin typeface="Cambria Math" panose="02040503050406030204" pitchFamily="18" charset="0"/>
+                            </a:rPr>
+                            <m:t>)</m:t>
+                          </m:r>
+                          <m:r>
+                            <a:rPr lang="en-US" sz="2400" b="0" i="1" dirty="0" smtClean="0">
+                              <a:latin typeface="Cambria Math" panose="02040503050406030204" pitchFamily="18" charset="0"/>
+                            </a:rPr>
+                            <m:t> </m:t>
+                          </m:r>
+                          <m:r>
+                            <a:rPr lang="en-US" sz="2400" i="1" dirty="0">
+                              <a:latin typeface="Cambria Math" panose="02040503050406030204" pitchFamily="18" charset="0"/>
+                            </a:rPr>
+                            <m:t>=</m:t>
+                          </m:r>
+                          <m:r>
+                            <a:rPr lang="en-US" sz="2400" b="0" i="1" dirty="0" smtClean="0">
+                              <a:latin typeface="Cambria Math" panose="02040503050406030204" pitchFamily="18" charset="0"/>
+                            </a:rPr>
+                            <m:t> </m:t>
+                          </m:r>
+                          <m:r>
+                            <a:rPr lang="en-US" sz="2400" b="0" i="1" smtClean="0">
+                              <a:latin typeface="Cambria Math" panose="02040503050406030204" pitchFamily="18" charset="0"/>
+                              <a:ea typeface="Cambria Math" panose="02040503050406030204" pitchFamily="18" charset="0"/>
+                            </a:rPr>
+                            <m:t>𝐸</m:t>
+                          </m:r>
+                        </m:e>
+                        <m:sub>
+                          <m:d>
+                            <m:dPr>
+                              <m:ctrlPr>
+                                <a:rPr lang="en-US" sz="2400" i="1" smtClean="0">
+                                  <a:latin typeface="Cambria Math" panose="02040503050406030204" pitchFamily="18" charset="0"/>
+                                </a:rPr>
+                              </m:ctrlPr>
+                            </m:dPr>
+                            <m:e>
+                              <m:r>
+                                <a:rPr lang="en-US" sz="2400" i="1">
+                                  <a:latin typeface="Cambria Math" panose="02040503050406030204" pitchFamily="18" charset="0"/>
+                                </a:rPr>
+                                <m:t>𝑠</m:t>
+                              </m:r>
+                              <m:r>
+                                <a:rPr lang="en-US" sz="2400" i="1">
+                                  <a:latin typeface="Cambria Math" panose="02040503050406030204" pitchFamily="18" charset="0"/>
+                                </a:rPr>
+                                <m:t>,</m:t>
+                              </m:r>
+                              <m:r>
+                                <a:rPr lang="en-US" sz="2400" i="1">
+                                  <a:latin typeface="Cambria Math" panose="02040503050406030204" pitchFamily="18" charset="0"/>
+                                </a:rPr>
+                                <m:t>𝑎</m:t>
+                              </m:r>
+                              <m:r>
+                                <a:rPr lang="en-US" sz="2400" b="0" i="1" smtClean="0">
+                                  <a:latin typeface="Cambria Math" panose="02040503050406030204" pitchFamily="18" charset="0"/>
+                                </a:rPr>
+                                <m:t> → </m:t>
+                              </m:r>
+                              <m:sSup>
+                                <m:sSupPr>
+                                  <m:ctrlPr>
+                                    <a:rPr lang="en-US" sz="2400" i="1">
+                                      <a:latin typeface="Cambria Math" panose="02040503050406030204" pitchFamily="18" charset="0"/>
+                                    </a:rPr>
+                                  </m:ctrlPr>
+                                </m:sSupPr>
+                                <m:e>
+                                  <m:r>
+                                    <a:rPr lang="en-US" sz="2400" i="1">
+                                      <a:latin typeface="Cambria Math" panose="02040503050406030204" pitchFamily="18" charset="0"/>
+                                    </a:rPr>
+                                    <m:t>𝑠</m:t>
+                                  </m:r>
+                                </m:e>
+                                <m:sup>
+                                  <m:r>
+                                    <a:rPr lang="en-US" sz="2400" i="1">
+                                      <a:latin typeface="Cambria Math" panose="02040503050406030204" pitchFamily="18" charset="0"/>
+                                    </a:rPr>
+                                    <m:t>′</m:t>
+                                  </m:r>
+                                </m:sup>
+                              </m:sSup>
+                              <m:r>
+                                <a:rPr lang="en-US" sz="2400" i="1" dirty="0">
+                                  <a:latin typeface="Cambria Math" panose="02040503050406030204" pitchFamily="18" charset="0"/>
+                                </a:rPr>
+                                <m:t>,</m:t>
+                              </m:r>
+                              <m:r>
+                                <a:rPr lang="en-US" sz="2400" i="1" dirty="0">
+                                  <a:latin typeface="Cambria Math" panose="02040503050406030204" pitchFamily="18" charset="0"/>
+                                </a:rPr>
+                                <m:t>𝑟</m:t>
+                              </m:r>
+                            </m:e>
+                          </m:d>
+                          <m:r>
+                            <a:rPr lang="en-US" sz="2400" b="0" i="1" dirty="0" smtClean="0">
+                              <a:latin typeface="Cambria Math" panose="02040503050406030204" pitchFamily="18" charset="0"/>
+                            </a:rPr>
+                            <m:t>~</m:t>
+                          </m:r>
+                          <m:r>
+                            <a:rPr lang="en-US" sz="2400" b="0" i="1" dirty="0" smtClean="0">
+                              <a:latin typeface="Cambria Math" panose="02040503050406030204" pitchFamily="18" charset="0"/>
+                              <a:ea typeface="Cambria Math" panose="02040503050406030204" pitchFamily="18" charset="0"/>
+                            </a:rPr>
+                            <m:t>ℋ</m:t>
+                          </m:r>
+                        </m:sub>
+                      </m:sSub>
+                      <m:d>
+                        <m:dPr>
+                          <m:ctrlPr>
+                            <a:rPr lang="en-US" sz="2400" b="0" i="1" smtClean="0">
+                              <a:latin typeface="Cambria Math" panose="02040503050406030204" pitchFamily="18" charset="0"/>
+                              <a:ea typeface="Cambria Math" panose="02040503050406030204" pitchFamily="18" charset="0"/>
+                            </a:rPr>
+                          </m:ctrlPr>
+                        </m:dPr>
+                        <m:e>
+                          <m:sSub>
+                            <m:sSubPr>
+                              <m:ctrlPr>
+                                <a:rPr lang="en-US" sz="2400" b="0" i="1" smtClean="0">
+                                  <a:latin typeface="Cambria Math" panose="02040503050406030204" pitchFamily="18" charset="0"/>
+                                  <a:ea typeface="Cambria Math" panose="02040503050406030204" pitchFamily="18" charset="0"/>
+                                </a:rPr>
+                              </m:ctrlPr>
+                            </m:sSubPr>
+                            <m:e>
+                              <m:r>
+                                <a:rPr lang="en-US" sz="2400" b="0" i="1" smtClean="0">
+                                  <a:latin typeface="Cambria Math" panose="02040503050406030204" pitchFamily="18" charset="0"/>
+                                  <a:ea typeface="Cambria Math" panose="02040503050406030204" pitchFamily="18" charset="0"/>
+                                </a:rPr>
+                                <m:t>𝑟</m:t>
+                              </m:r>
+                            </m:e>
+                            <m:sub>
+                              <m:r>
+                                <a:rPr lang="en-US" sz="2400" b="0" i="1" smtClean="0">
+                                  <a:latin typeface="Cambria Math" panose="02040503050406030204" pitchFamily="18" charset="0"/>
+                                  <a:ea typeface="Cambria Math" panose="02040503050406030204" pitchFamily="18" charset="0"/>
+                                </a:rPr>
+                                <m:t>𝑠</m:t>
+                              </m:r>
+                              <m:r>
+                                <a:rPr lang="en-US" sz="2400" b="0" i="1" smtClean="0">
+                                  <a:latin typeface="Cambria Math" panose="02040503050406030204" pitchFamily="18" charset="0"/>
+                                  <a:ea typeface="Cambria Math" panose="02040503050406030204" pitchFamily="18" charset="0"/>
+                                </a:rPr>
+                                <m:t>,</m:t>
+                              </m:r>
+                              <m:r>
+                                <a:rPr lang="en-US" sz="2400" b="0" i="1" smtClean="0">
+                                  <a:latin typeface="Cambria Math" panose="02040503050406030204" pitchFamily="18" charset="0"/>
+                                  <a:ea typeface="Cambria Math" panose="02040503050406030204" pitchFamily="18" charset="0"/>
+                                </a:rPr>
+                                <m:t>𝑎</m:t>
+                              </m:r>
+                            </m:sub>
+                          </m:sSub>
+                          <m:r>
+                            <a:rPr lang="en-US" sz="2400" i="1">
+                              <a:latin typeface="Cambria Math" panose="02040503050406030204" pitchFamily="18" charset="0"/>
+                            </a:rPr>
+                            <m:t>+</m:t>
+                          </m:r>
+                          <m:r>
+                            <a:rPr lang="en-US" sz="2400" i="1">
+                              <a:latin typeface="Cambria Math" panose="02040503050406030204" pitchFamily="18" charset="0"/>
+                              <a:ea typeface="Cambria Math" panose="02040503050406030204" pitchFamily="18" charset="0"/>
+                            </a:rPr>
+                            <m:t>𝛾</m:t>
+                          </m:r>
+                          <m:r>
+                            <m:rPr>
+                              <m:nor/>
+                            </m:rPr>
+                            <a:rPr lang="en-US" sz="2400">
+                              <a:latin typeface="Cambria Math" panose="02040503050406030204" pitchFamily="18" charset="0"/>
+                              <a:ea typeface="Cambria Math" panose="02040503050406030204" pitchFamily="18" charset="0"/>
+                            </a:rPr>
+                            <m:t> </m:t>
+                          </m:r>
+                          <m:func>
+                            <m:funcPr>
+                              <m:ctrlPr>
+                                <a:rPr lang="en-US" sz="2400" i="1">
+                                  <a:latin typeface="Cambria Math" panose="02040503050406030204" pitchFamily="18" charset="0"/>
+                                  <a:ea typeface="Cambria Math" panose="02040503050406030204" pitchFamily="18" charset="0"/>
+                                </a:rPr>
+                              </m:ctrlPr>
+                            </m:funcPr>
+                            <m:fName>
+                              <m:limLow>
+                                <m:limLowPr>
+                                  <m:ctrlPr>
+                                    <a:rPr lang="en-US" sz="2400" i="1">
+                                      <a:latin typeface="Cambria Math" panose="02040503050406030204" pitchFamily="18" charset="0"/>
+                                      <a:ea typeface="Cambria Math" panose="02040503050406030204" pitchFamily="18" charset="0"/>
+                                    </a:rPr>
+                                  </m:ctrlPr>
+                                </m:limLowPr>
+                                <m:e>
+                                  <m:r>
+                                    <m:rPr>
+                                      <m:sty m:val="p"/>
+                                    </m:rPr>
+                                    <a:rPr lang="en-US" sz="2400">
+                                      <a:latin typeface="Cambria Math" panose="02040503050406030204" pitchFamily="18" charset="0"/>
+                                      <a:ea typeface="Cambria Math" panose="02040503050406030204" pitchFamily="18" charset="0"/>
+                                    </a:rPr>
+                                    <m:t>max</m:t>
+                                  </m:r>
+                                </m:e>
+                                <m:lim>
+                                  <m:r>
+                                    <a:rPr lang="en-US" sz="2400" i="1">
+                                      <a:latin typeface="Cambria Math" panose="02040503050406030204" pitchFamily="18" charset="0"/>
+                                      <a:ea typeface="Cambria Math" panose="02040503050406030204" pitchFamily="18" charset="0"/>
+                                    </a:rPr>
+                                    <m:t>𝑎</m:t>
+                                  </m:r>
+                                  <m:r>
+                                    <a:rPr lang="en-US" sz="2400" b="0" i="1" smtClean="0">
+                                      <a:latin typeface="Cambria Math" panose="02040503050406030204" pitchFamily="18" charset="0"/>
+                                      <a:ea typeface="Cambria Math" panose="02040503050406030204" pitchFamily="18" charset="0"/>
+                                    </a:rPr>
+                                    <m:t>′</m:t>
+                                  </m:r>
+                                </m:lim>
+                              </m:limLow>
+                            </m:fName>
+                            <m:e>
+                              <m:r>
+                                <a:rPr lang="en-US" sz="2400" i="1">
+                                  <a:latin typeface="Cambria Math" panose="02040503050406030204" pitchFamily="18" charset="0"/>
+                                  <a:ea typeface="Cambria Math" panose="02040503050406030204" pitchFamily="18" charset="0"/>
+                                </a:rPr>
+                                <m:t>𝑄</m:t>
+                              </m:r>
+                              <m:r>
+                                <a:rPr lang="en-US" sz="2400" i="1">
+                                  <a:latin typeface="Cambria Math" panose="02040503050406030204" pitchFamily="18" charset="0"/>
+                                  <a:ea typeface="Cambria Math" panose="02040503050406030204" pitchFamily="18" charset="0"/>
+                                </a:rPr>
+                                <m:t>(</m:t>
+                              </m:r>
+                              <m:sSup>
+                                <m:sSupPr>
+                                  <m:ctrlPr>
+                                    <a:rPr lang="en-US" sz="2400" i="1">
+                                      <a:latin typeface="Cambria Math" panose="02040503050406030204" pitchFamily="18" charset="0"/>
+                                      <a:ea typeface="Cambria Math" panose="02040503050406030204" pitchFamily="18" charset="0"/>
+                                    </a:rPr>
+                                  </m:ctrlPr>
+                                </m:sSupPr>
+                                <m:e>
+                                  <m:r>
+                                    <a:rPr lang="en-US" sz="2400" i="1">
+                                      <a:latin typeface="Cambria Math" panose="02040503050406030204" pitchFamily="18" charset="0"/>
+                                      <a:ea typeface="Cambria Math" panose="02040503050406030204" pitchFamily="18" charset="0"/>
+                                    </a:rPr>
+                                    <m:t>𝑠</m:t>
+                                  </m:r>
+                                </m:e>
+                                <m:sup>
+                                  <m:r>
+                                    <a:rPr lang="en-US" sz="2400" i="1">
+                                      <a:latin typeface="Cambria Math" panose="02040503050406030204" pitchFamily="18" charset="0"/>
+                                      <a:ea typeface="Cambria Math" panose="02040503050406030204" pitchFamily="18" charset="0"/>
+                                    </a:rPr>
+                                    <m:t>′</m:t>
+                                  </m:r>
+                                </m:sup>
+                              </m:sSup>
+                              <m:r>
+                                <a:rPr lang="en-US" sz="2400" i="1">
+                                  <a:latin typeface="Cambria Math" panose="02040503050406030204" pitchFamily="18" charset="0"/>
+                                  <a:ea typeface="Cambria Math" panose="02040503050406030204" pitchFamily="18" charset="0"/>
+                                </a:rPr>
+                                <m:t>,</m:t>
+                              </m:r>
+                              <m:r>
+                                <a:rPr lang="en-US" sz="2400" i="1">
+                                  <a:latin typeface="Cambria Math" panose="02040503050406030204" pitchFamily="18" charset="0"/>
+                                  <a:ea typeface="Cambria Math" panose="02040503050406030204" pitchFamily="18" charset="0"/>
+                                </a:rPr>
+                                <m:t>𝑎</m:t>
+                              </m:r>
+                              <m:r>
+                                <a:rPr lang="en-US" sz="2400" i="1">
+                                  <a:latin typeface="Cambria Math" panose="02040503050406030204" pitchFamily="18" charset="0"/>
+                                  <a:ea typeface="Cambria Math" panose="02040503050406030204" pitchFamily="18" charset="0"/>
+                                </a:rPr>
+                                <m:t>′)</m:t>
+                              </m:r>
+                            </m:e>
+                          </m:func>
+                        </m:e>
+                      </m:d>
+                    </m:oMath>
+                  </m:oMathPara>
+                </a14:m>
+                <a:endParaRPr lang="en-US" dirty="0"/>
+              </a:p>
+            </p:txBody>
+          </p:sp>
+        </mc:Choice>
+        <mc:Fallback>
+          <p:sp>
+            <p:nvSpPr>
+              <p:cNvPr id="10" name="TextBox 9">
+                <a:extLst>
+                  <a:ext uri="{FF2B5EF4-FFF2-40B4-BE49-F238E27FC236}">
+                    <a16:creationId xmlns:a16="http://schemas.microsoft.com/office/drawing/2014/main" id="{2315739C-2738-4F14-89D3-1DFD6BA4E46A}"/>
+                  </a:ext>
+                </a:extLst>
+              </p:cNvPr>
+              <p:cNvSpPr txBox="1">
+                <a:spLocks noRot="1" noChangeAspect="1" noMove="1" noResize="1" noEditPoints="1" noAdjustHandles="1" noChangeArrowheads="1" noChangeShapeType="1" noTextEdit="1"/>
+              </p:cNvSpPr>
+              <p:nvPr/>
+            </p:nvSpPr>
+            <p:spPr>
+              <a:xfrm>
+                <a:off x="5994615" y="934028"/>
+                <a:ext cx="6389313" cy="653128"/>
+              </a:xfrm>
+              <a:prstGeom prst="rect">
+                <a:avLst/>
+              </a:prstGeom>
+              <a:blipFill>
+                <a:blip r:embed="rId8"/>
+                <a:stretch>
+                  <a:fillRect/>
+                </a:stretch>
+              </a:blipFill>
+            </p:spPr>
+            <p:txBody>
+              <a:bodyPr/>
+              <a:lstStyle/>
+              <a:p>
+                <a:r>
+                  <a:rPr lang="en-US">
+                    <a:noFill/>
+                  </a:rPr>
+                  <a:t> </a:t>
+                </a:r>
+              </a:p>
+            </p:txBody>
+          </p:sp>
+        </mc:Fallback>
+      </mc:AlternateContent>
+      <mc:AlternateContent xmlns:mc="http://schemas.openxmlformats.org/markup-compatibility/2006">
+        <mc:Choice xmlns:a14="http://schemas.microsoft.com/office/drawing/2010/main" Requires="a14">
+          <p:sp>
+            <p:nvSpPr>
+              <p:cNvPr id="11" name="TextBox 10">
+                <a:extLst>
+                  <a:ext uri="{FF2B5EF4-FFF2-40B4-BE49-F238E27FC236}">
+                    <a16:creationId xmlns:a16="http://schemas.microsoft.com/office/drawing/2014/main" id="{BF76D6F0-4513-4875-859E-79E7703CA62D}"/>
+                  </a:ext>
+                </a:extLst>
+              </p:cNvPr>
+              <p:cNvSpPr txBox="1"/>
+              <p:nvPr/>
+            </p:nvSpPr>
+            <p:spPr>
+              <a:xfrm>
+                <a:off x="2412165" y="4272809"/>
+                <a:ext cx="2122376" cy="784767"/>
+              </a:xfrm>
+              <a:prstGeom prst="rect">
+                <a:avLst/>
+              </a:prstGeom>
+              <a:noFill/>
+            </p:spPr>
+            <p:txBody>
+              <a:bodyPr wrap="none" lIns="0" tIns="0" rIns="0" bIns="0" rtlCol="0">
+                <a:spAutoFit/>
+              </a:bodyPr>
+              <a:lstStyle/>
+              <a:p>
+                <a:pPr/>
+                <a14:m>
+                  <m:oMathPara xmlns:m="http://schemas.openxmlformats.org/officeDocument/2006/math">
+                    <m:oMathParaPr>
+                      <m:jc m:val="centerGroup"/>
+                    </m:oMathParaPr>
+                    <m:oMath xmlns:m="http://schemas.openxmlformats.org/officeDocument/2006/math">
+                      <m:nary>
+                        <m:naryPr>
+                          <m:chr m:val="∑"/>
+                          <m:ctrlPr>
+                            <a:rPr lang="en-US" b="0" i="1" smtClean="0">
+                              <a:latin typeface="Cambria Math" panose="02040503050406030204" pitchFamily="18" charset="0"/>
+                            </a:rPr>
+                          </m:ctrlPr>
+                        </m:naryPr>
+                        <m:sub>
+                          <m:r>
+                            <m:rPr>
+                              <m:brk m:alnAt="23"/>
+                            </m:rPr>
+                            <a:rPr lang="en-US" b="0" i="1" smtClean="0">
+                              <a:latin typeface="Cambria Math" panose="02040503050406030204" pitchFamily="18" charset="0"/>
+                            </a:rPr>
+                            <m:t>𝑖</m:t>
+                          </m:r>
+                          <m:r>
+                            <a:rPr lang="en-US" b="0" i="1" smtClean="0">
+                              <a:latin typeface="Cambria Math" panose="02040503050406030204" pitchFamily="18" charset="0"/>
+                            </a:rPr>
+                            <m:t>=0</m:t>
+                          </m:r>
+                        </m:sub>
+                        <m:sup>
+                          <m:r>
+                            <a:rPr lang="en-US" b="0" i="1" smtClean="0">
+                              <a:latin typeface="Cambria Math" panose="02040503050406030204" pitchFamily="18" charset="0"/>
+                            </a:rPr>
+                            <m:t>𝑙</m:t>
+                          </m:r>
+                        </m:sup>
+                        <m:e>
+                          <m:sSub>
+                            <m:sSubPr>
+                              <m:ctrlPr>
+                                <a:rPr lang="en-US" b="0" i="1" smtClean="0">
+                                  <a:latin typeface="Cambria Math" panose="02040503050406030204" pitchFamily="18" charset="0"/>
+                                </a:rPr>
+                              </m:ctrlPr>
+                            </m:sSubPr>
+                            <m:e>
+                              <m:sSup>
+                                <m:sSupPr>
+                                  <m:ctrlPr>
+                                    <a:rPr lang="en-US" b="0" i="1" smtClean="0">
+                                      <a:latin typeface="Cambria Math" panose="02040503050406030204" pitchFamily="18" charset="0"/>
+                                    </a:rPr>
+                                  </m:ctrlPr>
+                                </m:sSupPr>
+                                <m:e>
+                                  <m:r>
+                                    <a:rPr lang="en-US" b="0" i="1" smtClean="0">
+                                      <a:latin typeface="Cambria Math" panose="02040503050406030204" pitchFamily="18" charset="0"/>
+                                      <a:ea typeface="Cambria Math" panose="02040503050406030204" pitchFamily="18" charset="0"/>
+                                    </a:rPr>
+                                    <m:t>𝛾</m:t>
+                                  </m:r>
+                                </m:e>
+                                <m:sup>
+                                  <m:r>
+                                    <a:rPr lang="en-US" b="0" i="1" smtClean="0">
+                                      <a:latin typeface="Cambria Math" panose="02040503050406030204" pitchFamily="18" charset="0"/>
+                                    </a:rPr>
+                                    <m:t>𝑖</m:t>
+                                  </m:r>
+                                </m:sup>
+                              </m:sSup>
+                              <m:r>
+                                <a:rPr lang="en-US" b="0" i="1" smtClean="0">
+                                  <a:latin typeface="Cambria Math" panose="02040503050406030204" pitchFamily="18" charset="0"/>
+                                </a:rPr>
+                                <m:t>𝑟</m:t>
+                              </m:r>
+                            </m:e>
+                            <m:sub>
+                              <m:r>
+                                <a:rPr lang="en-US" b="0" i="1" smtClean="0">
+                                  <a:latin typeface="Cambria Math" panose="02040503050406030204" pitchFamily="18" charset="0"/>
+                                </a:rPr>
+                                <m:t>𝑡</m:t>
+                              </m:r>
+                              <m:r>
+                                <a:rPr lang="en-US" b="0" i="1" smtClean="0">
+                                  <a:latin typeface="Cambria Math" panose="02040503050406030204" pitchFamily="18" charset="0"/>
+                                </a:rPr>
+                                <m:t>+</m:t>
+                              </m:r>
+                              <m:r>
+                                <a:rPr lang="en-US" b="0" i="1" smtClean="0">
+                                  <a:latin typeface="Cambria Math" panose="02040503050406030204" pitchFamily="18" charset="0"/>
+                                </a:rPr>
+                                <m:t>𝑖</m:t>
+                              </m:r>
+                            </m:sub>
+                          </m:sSub>
+                        </m:e>
+                      </m:nary>
+                      <m:r>
+                        <a:rPr lang="en-US" b="0" i="1" smtClean="0">
+                          <a:latin typeface="Cambria Math" panose="02040503050406030204" pitchFamily="18" charset="0"/>
+                        </a:rPr>
+                        <m:t>=</m:t>
+                      </m:r>
+                      <m:r>
+                        <a:rPr lang="en-US" b="0" i="1" smtClean="0">
+                          <a:latin typeface="Cambria Math" panose="02040503050406030204" pitchFamily="18" charset="0"/>
+                        </a:rPr>
+                        <m:t>𝑟</m:t>
+                      </m:r>
+                      <m:nary>
+                        <m:naryPr>
+                          <m:chr m:val="∑"/>
+                          <m:ctrlPr>
+                            <a:rPr lang="en-US" i="1">
+                              <a:latin typeface="Cambria Math" panose="02040503050406030204" pitchFamily="18" charset="0"/>
+                            </a:rPr>
+                          </m:ctrlPr>
+                        </m:naryPr>
+                        <m:sub>
+                          <m:r>
+                            <m:rPr>
+                              <m:brk m:alnAt="23"/>
+                            </m:rPr>
+                            <a:rPr lang="en-US" i="1">
+                              <a:latin typeface="Cambria Math" panose="02040503050406030204" pitchFamily="18" charset="0"/>
+                            </a:rPr>
+                            <m:t>𝑖</m:t>
+                          </m:r>
+                          <m:r>
+                            <a:rPr lang="en-US" i="1">
+                              <a:latin typeface="Cambria Math" panose="02040503050406030204" pitchFamily="18" charset="0"/>
+                            </a:rPr>
+                            <m:t>=0</m:t>
+                          </m:r>
+                        </m:sub>
+                        <m:sup>
+                          <m:r>
+                            <a:rPr lang="en-US" i="1">
+                              <a:latin typeface="Cambria Math" panose="02040503050406030204" pitchFamily="18" charset="0"/>
+                            </a:rPr>
+                            <m:t>𝑙</m:t>
+                          </m:r>
+                        </m:sup>
+                        <m:e>
+                          <m:sSub>
+                            <m:sSubPr>
+                              <m:ctrlPr>
+                                <a:rPr lang="en-US" i="1" smtClean="0">
+                                  <a:latin typeface="Cambria Math" panose="02040503050406030204" pitchFamily="18" charset="0"/>
+                                </a:rPr>
+                              </m:ctrlPr>
+                            </m:sSubPr>
+                            <m:e>
+                              <m:sSup>
+                                <m:sSupPr>
+                                  <m:ctrlPr>
+                                    <a:rPr lang="en-US" i="1">
+                                      <a:latin typeface="Cambria Math" panose="02040503050406030204" pitchFamily="18" charset="0"/>
+                                    </a:rPr>
+                                  </m:ctrlPr>
+                                </m:sSupPr>
+                                <m:e>
+                                  <m:r>
+                                    <a:rPr lang="en-US" i="1">
+                                      <a:latin typeface="Cambria Math" panose="02040503050406030204" pitchFamily="18" charset="0"/>
+                                      <a:ea typeface="Cambria Math" panose="02040503050406030204" pitchFamily="18" charset="0"/>
+                                    </a:rPr>
+                                    <m:t>𝛾</m:t>
+                                  </m:r>
+                                </m:e>
+                                <m:sup>
+                                  <m:r>
+                                    <a:rPr lang="en-US" i="1">
+                                      <a:latin typeface="Cambria Math" panose="02040503050406030204" pitchFamily="18" charset="0"/>
+                                    </a:rPr>
+                                    <m:t>𝑖</m:t>
+                                  </m:r>
+                                </m:sup>
+                              </m:sSup>
+                            </m:e>
+                            <m:sub/>
+                          </m:sSub>
+                        </m:e>
+                      </m:nary>
+                    </m:oMath>
+                  </m:oMathPara>
+                </a14:m>
+                <a:endParaRPr lang="en-US" dirty="0"/>
+              </a:p>
+            </p:txBody>
+          </p:sp>
+        </mc:Choice>
+        <mc:Fallback>
+          <p:sp>
+            <p:nvSpPr>
+              <p:cNvPr id="11" name="TextBox 10">
+                <a:extLst>
+                  <a:ext uri="{FF2B5EF4-FFF2-40B4-BE49-F238E27FC236}">
+                    <a16:creationId xmlns:a16="http://schemas.microsoft.com/office/drawing/2014/main" id="{BF76D6F0-4513-4875-859E-79E7703CA62D}"/>
+                  </a:ext>
+                </a:extLst>
+              </p:cNvPr>
+              <p:cNvSpPr txBox="1">
+                <a:spLocks noRot="1" noChangeAspect="1" noMove="1" noResize="1" noEditPoints="1" noAdjustHandles="1" noChangeArrowheads="1" noChangeShapeType="1" noTextEdit="1"/>
+              </p:cNvSpPr>
+              <p:nvPr/>
+            </p:nvSpPr>
+            <p:spPr>
+              <a:xfrm>
+                <a:off x="2412165" y="4272809"/>
+                <a:ext cx="2122376" cy="784767"/>
+              </a:xfrm>
+              <a:prstGeom prst="rect">
+                <a:avLst/>
+              </a:prstGeom>
+              <a:blipFill>
+                <a:blip r:embed="rId9"/>
+                <a:stretch>
+                  <a:fillRect/>
+                </a:stretch>
+              </a:blipFill>
+            </p:spPr>
+            <p:txBody>
+              <a:bodyPr/>
+              <a:lstStyle/>
+              <a:p>
+                <a:r>
+                  <a:rPr lang="en-US">
+                    <a:noFill/>
+                  </a:rPr>
+                  <a:t> </a:t>
+                </a:r>
+              </a:p>
+            </p:txBody>
+          </p:sp>
+        </mc:Fallback>
+      </mc:AlternateContent>
+      <mc:AlternateContent xmlns:mc="http://schemas.openxmlformats.org/markup-compatibility/2006">
+        <mc:Choice xmlns:a14="http://schemas.microsoft.com/office/drawing/2010/main" Requires="a14">
+          <p:sp>
+            <p:nvSpPr>
+              <p:cNvPr id="14" name="TextBox 13">
+                <a:extLst>
+                  <a:ext uri="{FF2B5EF4-FFF2-40B4-BE49-F238E27FC236}">
+                    <a16:creationId xmlns:a16="http://schemas.microsoft.com/office/drawing/2014/main" id="{6109F99A-1D45-4290-8253-AE4B0BBC8345}"/>
+                  </a:ext>
+                </a:extLst>
+              </p:cNvPr>
+              <p:cNvSpPr txBox="1"/>
+              <p:nvPr/>
+            </p:nvSpPr>
+            <p:spPr>
+              <a:xfrm>
+                <a:off x="4307682" y="4989566"/>
+                <a:ext cx="924554" cy="755528"/>
+              </a:xfrm>
+              <a:prstGeom prst="rect">
+                <a:avLst/>
+              </a:prstGeom>
+              <a:noFill/>
+            </p:spPr>
+            <p:txBody>
+              <a:bodyPr wrap="square" lIns="0" tIns="0" rIns="0" bIns="0" rtlCol="0">
+                <a:spAutoFit/>
+              </a:bodyPr>
+              <a:lstStyle/>
+              <a:p>
+                <a:pPr/>
+                <a14:m>
+                  <m:oMathPara xmlns:m="http://schemas.openxmlformats.org/officeDocument/2006/math">
+                    <m:oMathParaPr>
+                      <m:jc m:val="centerGroup"/>
+                    </m:oMathParaPr>
+                    <m:oMath xmlns:m="http://schemas.openxmlformats.org/officeDocument/2006/math">
+                      <m:bar>
+                        <m:barPr>
+                          <m:pos m:val="top"/>
+                          <m:ctrlPr>
+                            <a:rPr lang="en-US" b="0" i="1" smtClean="0">
+                              <a:latin typeface="Cambria Math" panose="02040503050406030204" pitchFamily="18" charset="0"/>
+                            </a:rPr>
+                          </m:ctrlPr>
+                        </m:barPr>
+                        <m:e>
+                          <m:r>
+                            <a:rPr lang="en-US" b="0" i="1" smtClean="0">
+                              <a:latin typeface="Cambria Math" panose="02040503050406030204" pitchFamily="18" charset="0"/>
+                            </a:rPr>
+                            <m:t>𝑟</m:t>
+                          </m:r>
+                        </m:e>
+                      </m:bar>
+                      <m:nary>
+                        <m:naryPr>
+                          <m:chr m:val="∑"/>
+                          <m:ctrlPr>
+                            <a:rPr lang="en-US" i="1">
+                              <a:latin typeface="Cambria Math" panose="02040503050406030204" pitchFamily="18" charset="0"/>
+                            </a:rPr>
+                          </m:ctrlPr>
+                        </m:naryPr>
+                        <m:sub>
+                          <m:r>
+                            <m:rPr>
+                              <m:brk m:alnAt="23"/>
+                            </m:rPr>
+                            <a:rPr lang="en-US" i="1">
+                              <a:latin typeface="Cambria Math" panose="02040503050406030204" pitchFamily="18" charset="0"/>
+                            </a:rPr>
+                            <m:t>𝑖</m:t>
+                          </m:r>
+                          <m:r>
+                            <a:rPr lang="en-US" i="1">
+                              <a:latin typeface="Cambria Math" panose="02040503050406030204" pitchFamily="18" charset="0"/>
+                            </a:rPr>
+                            <m:t>=0</m:t>
+                          </m:r>
+                        </m:sub>
+                        <m:sup>
+                          <m:r>
+                            <a:rPr lang="en-US" i="1" smtClean="0">
+                              <a:latin typeface="Cambria Math" panose="02040503050406030204" pitchFamily="18" charset="0"/>
+                              <a:ea typeface="Cambria Math" panose="02040503050406030204" pitchFamily="18" charset="0"/>
+                            </a:rPr>
+                            <m:t>∞</m:t>
+                          </m:r>
+                        </m:sup>
+                        <m:e>
+                          <m:sSup>
+                            <m:sSupPr>
+                              <m:ctrlPr>
+                                <a:rPr lang="en-US" i="1" smtClean="0">
+                                  <a:latin typeface="Cambria Math" panose="02040503050406030204" pitchFamily="18" charset="0"/>
+                                </a:rPr>
+                              </m:ctrlPr>
+                            </m:sSupPr>
+                            <m:e>
+                              <m:r>
+                                <a:rPr lang="en-US" i="1" smtClean="0">
+                                  <a:latin typeface="Cambria Math" panose="02040503050406030204" pitchFamily="18" charset="0"/>
+                                  <a:ea typeface="Cambria Math" panose="02040503050406030204" pitchFamily="18" charset="0"/>
+                                </a:rPr>
+                                <m:t>𝛾</m:t>
+                              </m:r>
+                            </m:e>
+                            <m:sup>
+                              <m:r>
+                                <a:rPr lang="en-US" b="0" i="1" smtClean="0">
+                                  <a:latin typeface="Cambria Math" panose="02040503050406030204" pitchFamily="18" charset="0"/>
+                                </a:rPr>
+                                <m:t>𝑖</m:t>
+                              </m:r>
+                            </m:sup>
+                          </m:sSup>
+                        </m:e>
+                      </m:nary>
+                    </m:oMath>
+                  </m:oMathPara>
+                </a14:m>
+                <a:endParaRPr lang="en-US" dirty="0"/>
+              </a:p>
+            </p:txBody>
+          </p:sp>
+        </mc:Choice>
+        <mc:Fallback>
+          <p:sp>
+            <p:nvSpPr>
+              <p:cNvPr id="14" name="TextBox 13">
+                <a:extLst>
+                  <a:ext uri="{FF2B5EF4-FFF2-40B4-BE49-F238E27FC236}">
+                    <a16:creationId xmlns:a16="http://schemas.microsoft.com/office/drawing/2014/main" id="{6109F99A-1D45-4290-8253-AE4B0BBC8345}"/>
+                  </a:ext>
+                </a:extLst>
+              </p:cNvPr>
+              <p:cNvSpPr txBox="1">
+                <a:spLocks noRot="1" noChangeAspect="1" noMove="1" noResize="1" noEditPoints="1" noAdjustHandles="1" noChangeArrowheads="1" noChangeShapeType="1" noTextEdit="1"/>
+              </p:cNvSpPr>
+              <p:nvPr/>
+            </p:nvSpPr>
+            <p:spPr>
+              <a:xfrm>
+                <a:off x="4307682" y="4989566"/>
+                <a:ext cx="924554" cy="755528"/>
+              </a:xfrm>
+              <a:prstGeom prst="rect">
+                <a:avLst/>
+              </a:prstGeom>
+              <a:blipFill>
+                <a:blip r:embed="rId10"/>
+                <a:stretch>
+                  <a:fillRect/>
+                </a:stretch>
+              </a:blipFill>
+            </p:spPr>
+            <p:txBody>
+              <a:bodyPr/>
+              <a:lstStyle/>
+              <a:p>
+                <a:r>
+                  <a:rPr lang="en-US">
+                    <a:noFill/>
+                  </a:rPr>
+                  <a:t> </a:t>
+                </a:r>
+              </a:p>
+            </p:txBody>
+          </p:sp>
+        </mc:Fallback>
+      </mc:AlternateContent>
+      <mc:AlternateContent xmlns:mc="http://schemas.openxmlformats.org/markup-compatibility/2006">
+        <mc:Choice xmlns:a14="http://schemas.microsoft.com/office/drawing/2010/main" Requires="a14">
+          <p:sp>
+            <p:nvSpPr>
+              <p:cNvPr id="15" name="TextBox 14">
+                <a:extLst>
+                  <a:ext uri="{FF2B5EF4-FFF2-40B4-BE49-F238E27FC236}">
+                    <a16:creationId xmlns:a16="http://schemas.microsoft.com/office/drawing/2014/main" id="{7FA30BEF-2018-4FE6-8837-849312211BE9}"/>
+                  </a:ext>
+                </a:extLst>
+              </p:cNvPr>
+              <p:cNvSpPr txBox="1"/>
+              <p:nvPr/>
+            </p:nvSpPr>
+            <p:spPr>
+              <a:xfrm>
+                <a:off x="1935749" y="1846430"/>
+                <a:ext cx="2084930" cy="369332"/>
+              </a:xfrm>
+              <a:prstGeom prst="rect">
+                <a:avLst/>
+              </a:prstGeom>
+              <a:noFill/>
+            </p:spPr>
+            <p:txBody>
+              <a:bodyPr wrap="none" lIns="0" tIns="0" rIns="0" bIns="0" rtlCol="0">
+                <a:spAutoFit/>
+              </a:bodyPr>
+              <a:lstStyle/>
+              <a:p>
+                <a:pPr/>
+                <a14:m>
+                  <m:oMathPara xmlns:m="http://schemas.openxmlformats.org/officeDocument/2006/math">
+                    <m:oMathParaPr>
+                      <m:jc m:val="centerGroup"/>
+                    </m:oMathParaPr>
+                    <m:oMath xmlns:m="http://schemas.openxmlformats.org/officeDocument/2006/math">
+                      <m:sSub>
+                        <m:sSubPr>
+                          <m:ctrlPr>
+                            <a:rPr lang="en-US" sz="2400" i="1" smtClean="0">
+                              <a:latin typeface="Cambria Math" panose="02040503050406030204" pitchFamily="18" charset="0"/>
+                            </a:rPr>
+                          </m:ctrlPr>
+                        </m:sSubPr>
+                        <m:e>
+                          <m:r>
+                            <a:rPr lang="en-US" sz="2400" i="1">
+                              <a:latin typeface="Cambria Math" panose="02040503050406030204" pitchFamily="18" charset="0"/>
+                            </a:rPr>
+                            <m:t>𝑄</m:t>
+                          </m:r>
+                        </m:e>
+                        <m:sub>
+                          <m:r>
+                            <a:rPr lang="en-US" sz="2400" i="1">
+                              <a:latin typeface="Cambria Math" panose="02040503050406030204" pitchFamily="18" charset="0"/>
+                            </a:rPr>
+                            <m:t>𝑡</m:t>
+                          </m:r>
+                        </m:sub>
+                      </m:sSub>
+                      <m:r>
+                        <a:rPr lang="en-US" sz="2400" b="0" i="1" smtClean="0">
+                          <a:latin typeface="Cambria Math" panose="02040503050406030204" pitchFamily="18" charset="0"/>
+                        </a:rPr>
+                        <m:t>=</m:t>
+                      </m:r>
+                      <m:bar>
+                        <m:barPr>
+                          <m:pos m:val="top"/>
+                          <m:ctrlPr>
+                            <a:rPr lang="en-US" sz="2400" b="0" i="1" smtClean="0">
+                              <a:latin typeface="Cambria Math" panose="02040503050406030204" pitchFamily="18" charset="0"/>
+                            </a:rPr>
+                          </m:ctrlPr>
+                        </m:barPr>
+                        <m:e>
+                          <m:r>
+                            <a:rPr lang="en-US" sz="2400" i="1">
+                              <a:solidFill>
+                                <a:prstClr val="black"/>
+                              </a:solidFill>
+                              <a:latin typeface="Cambria Math" panose="02040503050406030204" pitchFamily="18" charset="0"/>
+                              <a:ea typeface="Cambria Math" panose="02040503050406030204" pitchFamily="18" charset="0"/>
+                            </a:rPr>
+                            <m:t>𝑟</m:t>
+                          </m:r>
+                        </m:e>
+                      </m:bar>
+                      <m:r>
+                        <a:rPr lang="en-US" sz="2400" i="1">
+                          <a:solidFill>
+                            <a:prstClr val="black"/>
+                          </a:solidFill>
+                          <a:latin typeface="Cambria Math" panose="02040503050406030204" pitchFamily="18" charset="0"/>
+                        </a:rPr>
+                        <m:t>+</m:t>
+                      </m:r>
+                      <m:r>
+                        <a:rPr lang="en-US" sz="2400" i="1">
+                          <a:solidFill>
+                            <a:prstClr val="black"/>
+                          </a:solidFill>
+                          <a:latin typeface="Cambria Math" panose="02040503050406030204" pitchFamily="18" charset="0"/>
+                          <a:ea typeface="Cambria Math" panose="02040503050406030204" pitchFamily="18" charset="0"/>
+                        </a:rPr>
+                        <m:t>𝛾</m:t>
+                      </m:r>
+                      <m:sSub>
+                        <m:sSubPr>
+                          <m:ctrlPr>
+                            <a:rPr lang="en-US" sz="2400" b="0" i="1" smtClean="0">
+                              <a:solidFill>
+                                <a:prstClr val="black"/>
+                              </a:solidFill>
+                              <a:latin typeface="Cambria Math" panose="02040503050406030204" pitchFamily="18" charset="0"/>
+                              <a:ea typeface="Cambria Math" panose="02040503050406030204" pitchFamily="18" charset="0"/>
+                            </a:rPr>
+                          </m:ctrlPr>
+                        </m:sSubPr>
+                        <m:e>
+                          <m:r>
+                            <a:rPr lang="en-US" sz="2400" i="1">
+                              <a:solidFill>
+                                <a:prstClr val="black"/>
+                              </a:solidFill>
+                              <a:latin typeface="Cambria Math" panose="02040503050406030204" pitchFamily="18" charset="0"/>
+                              <a:ea typeface="Cambria Math" panose="02040503050406030204" pitchFamily="18" charset="0"/>
+                            </a:rPr>
+                            <m:t>𝑄</m:t>
+                          </m:r>
+                        </m:e>
+                        <m:sub>
+                          <m:r>
+                            <a:rPr lang="en-US" sz="2400" b="0" i="1" smtClean="0">
+                              <a:solidFill>
+                                <a:prstClr val="black"/>
+                              </a:solidFill>
+                              <a:latin typeface="Cambria Math" panose="02040503050406030204" pitchFamily="18" charset="0"/>
+                              <a:ea typeface="Cambria Math" panose="02040503050406030204" pitchFamily="18" charset="0"/>
+                            </a:rPr>
+                            <m:t>𝑡</m:t>
+                          </m:r>
+                          <m:r>
+                            <a:rPr lang="en-US" sz="2400" b="0" i="1" smtClean="0">
+                              <a:solidFill>
+                                <a:prstClr val="black"/>
+                              </a:solidFill>
+                              <a:latin typeface="Cambria Math" panose="02040503050406030204" pitchFamily="18" charset="0"/>
+                              <a:ea typeface="Cambria Math" panose="02040503050406030204" pitchFamily="18" charset="0"/>
+                            </a:rPr>
+                            <m:t>+1</m:t>
+                          </m:r>
+                        </m:sub>
+                      </m:sSub>
+                    </m:oMath>
+                  </m:oMathPara>
+                </a14:m>
+                <a:endParaRPr lang="en-US" sz="2400" b="0" dirty="0">
+                  <a:solidFill>
+                    <a:prstClr val="black"/>
+                  </a:solidFill>
+                  <a:ea typeface="Cambria Math" panose="02040503050406030204" pitchFamily="18" charset="0"/>
+                </a:endParaRPr>
+              </a:p>
+            </p:txBody>
+          </p:sp>
+        </mc:Choice>
+        <mc:Fallback>
+          <p:sp>
+            <p:nvSpPr>
+              <p:cNvPr id="15" name="TextBox 14">
+                <a:extLst>
+                  <a:ext uri="{FF2B5EF4-FFF2-40B4-BE49-F238E27FC236}">
+                    <a16:creationId xmlns:a16="http://schemas.microsoft.com/office/drawing/2014/main" id="{7FA30BEF-2018-4FE6-8837-849312211BE9}"/>
+                  </a:ext>
+                </a:extLst>
+              </p:cNvPr>
+              <p:cNvSpPr txBox="1">
+                <a:spLocks noRot="1" noChangeAspect="1" noMove="1" noResize="1" noEditPoints="1" noAdjustHandles="1" noChangeArrowheads="1" noChangeShapeType="1" noTextEdit="1"/>
+              </p:cNvSpPr>
+              <p:nvPr/>
+            </p:nvSpPr>
+            <p:spPr>
+              <a:xfrm>
+                <a:off x="1935749" y="1846430"/>
+                <a:ext cx="2084930" cy="369332"/>
+              </a:xfrm>
+              <a:prstGeom prst="rect">
+                <a:avLst/>
+              </a:prstGeom>
+              <a:blipFill>
+                <a:blip r:embed="rId11"/>
+                <a:stretch>
+                  <a:fillRect l="-4386" r="-877" b="-30000"/>
+                </a:stretch>
+              </a:blipFill>
+            </p:spPr>
+            <p:txBody>
+              <a:bodyPr/>
+              <a:lstStyle/>
+              <a:p>
+                <a:r>
+                  <a:rPr lang="en-US">
+                    <a:noFill/>
+                  </a:rPr>
+                  <a:t> </a:t>
+                </a:r>
+              </a:p>
+            </p:txBody>
+          </p:sp>
+        </mc:Fallback>
+      </mc:AlternateContent>
+      <mc:AlternateContent xmlns:mc="http://schemas.openxmlformats.org/markup-compatibility/2006">
+        <mc:Choice xmlns:a14="http://schemas.microsoft.com/office/drawing/2010/main" Requires="a14">
+          <p:sp>
+            <p:nvSpPr>
+              <p:cNvPr id="16" name="TextBox 15">
+                <a:extLst>
+                  <a:ext uri="{FF2B5EF4-FFF2-40B4-BE49-F238E27FC236}">
+                    <a16:creationId xmlns:a16="http://schemas.microsoft.com/office/drawing/2014/main" id="{A141CE36-C350-4D87-B489-B6F898E5E1B8}"/>
+                  </a:ext>
+                </a:extLst>
+              </p:cNvPr>
+              <p:cNvSpPr txBox="1"/>
+              <p:nvPr/>
+            </p:nvSpPr>
+            <p:spPr>
+              <a:xfrm>
+                <a:off x="2032638" y="2585191"/>
+                <a:ext cx="2162579" cy="369332"/>
+              </a:xfrm>
+              <a:prstGeom prst="rect">
+                <a:avLst/>
+              </a:prstGeom>
+              <a:noFill/>
+            </p:spPr>
+            <p:txBody>
+              <a:bodyPr wrap="none" lIns="0" tIns="0" rIns="0" bIns="0" rtlCol="0">
+                <a:spAutoFit/>
+              </a:bodyPr>
+              <a:lstStyle/>
+              <a:p>
+                <a:pPr/>
+                <a14:m>
+                  <m:oMathPara xmlns:m="http://schemas.openxmlformats.org/officeDocument/2006/math">
+                    <m:oMathParaPr>
+                      <m:jc m:val="centerGroup"/>
+                    </m:oMathParaPr>
+                    <m:oMath xmlns:m="http://schemas.openxmlformats.org/officeDocument/2006/math">
+                      <m:sSub>
+                        <m:sSubPr>
+                          <m:ctrlPr>
+                            <a:rPr lang="en-US" sz="2400" i="1" smtClean="0">
+                              <a:latin typeface="Cambria Math" panose="02040503050406030204" pitchFamily="18" charset="0"/>
+                            </a:rPr>
+                          </m:ctrlPr>
+                        </m:sSubPr>
+                        <m:e>
+                          <m:r>
+                            <a:rPr lang="en-US" sz="2400" i="1">
+                              <a:latin typeface="Cambria Math" panose="02040503050406030204" pitchFamily="18" charset="0"/>
+                            </a:rPr>
+                            <m:t>𝑄</m:t>
+                          </m:r>
+                        </m:e>
+                        <m:sub>
+                          <m:r>
+                            <a:rPr lang="en-US" sz="2400" i="1">
+                              <a:latin typeface="Cambria Math" panose="02040503050406030204" pitchFamily="18" charset="0"/>
+                            </a:rPr>
+                            <m:t>𝑡</m:t>
+                          </m:r>
+                        </m:sub>
+                      </m:sSub>
+                      <m:r>
+                        <a:rPr lang="en-US" sz="2400" b="0" i="1" smtClean="0">
+                          <a:latin typeface="Cambria Math" panose="02040503050406030204" pitchFamily="18" charset="0"/>
+                        </a:rPr>
+                        <m:t>=</m:t>
+                      </m:r>
+                      <m:sSub>
+                        <m:sSubPr>
+                          <m:ctrlPr>
+                            <a:rPr lang="en-US" sz="2400" b="0" i="1" smtClean="0">
+                              <a:latin typeface="Cambria Math" panose="02040503050406030204" pitchFamily="18" charset="0"/>
+                            </a:rPr>
+                          </m:ctrlPr>
+                        </m:sSubPr>
+                        <m:e>
+                          <m:r>
+                            <a:rPr lang="en-US" sz="2400" b="0" i="1" smtClean="0">
+                              <a:latin typeface="Cambria Math" panose="02040503050406030204" pitchFamily="18" charset="0"/>
+                            </a:rPr>
+                            <m:t>𝑟</m:t>
+                          </m:r>
+                        </m:e>
+                        <m:sub>
+                          <m:r>
+                            <a:rPr lang="en-US" sz="2400" b="0" i="1" smtClean="0">
+                              <a:latin typeface="Cambria Math" panose="02040503050406030204" pitchFamily="18" charset="0"/>
+                            </a:rPr>
+                            <m:t>𝑡</m:t>
+                          </m:r>
+                        </m:sub>
+                      </m:sSub>
+                      <m:r>
+                        <a:rPr lang="en-US" sz="2400" i="1">
+                          <a:solidFill>
+                            <a:prstClr val="black"/>
+                          </a:solidFill>
+                          <a:latin typeface="Cambria Math" panose="02040503050406030204" pitchFamily="18" charset="0"/>
+                        </a:rPr>
+                        <m:t>+</m:t>
+                      </m:r>
+                      <m:r>
+                        <a:rPr lang="en-US" sz="2400" i="1">
+                          <a:solidFill>
+                            <a:prstClr val="black"/>
+                          </a:solidFill>
+                          <a:latin typeface="Cambria Math" panose="02040503050406030204" pitchFamily="18" charset="0"/>
+                          <a:ea typeface="Cambria Math" panose="02040503050406030204" pitchFamily="18" charset="0"/>
+                        </a:rPr>
+                        <m:t>𝛾</m:t>
+                      </m:r>
+                      <m:sSub>
+                        <m:sSubPr>
+                          <m:ctrlPr>
+                            <a:rPr lang="en-US" sz="2400" b="0" i="1" smtClean="0">
+                              <a:solidFill>
+                                <a:prstClr val="black"/>
+                              </a:solidFill>
+                              <a:latin typeface="Cambria Math" panose="02040503050406030204" pitchFamily="18" charset="0"/>
+                              <a:ea typeface="Cambria Math" panose="02040503050406030204" pitchFamily="18" charset="0"/>
+                            </a:rPr>
+                          </m:ctrlPr>
+                        </m:sSubPr>
+                        <m:e>
+                          <m:r>
+                            <a:rPr lang="en-US" sz="2400" i="1">
+                              <a:solidFill>
+                                <a:prstClr val="black"/>
+                              </a:solidFill>
+                              <a:latin typeface="Cambria Math" panose="02040503050406030204" pitchFamily="18" charset="0"/>
+                              <a:ea typeface="Cambria Math" panose="02040503050406030204" pitchFamily="18" charset="0"/>
+                            </a:rPr>
+                            <m:t>𝑄</m:t>
+                          </m:r>
+                        </m:e>
+                        <m:sub>
+                          <m:r>
+                            <a:rPr lang="en-US" sz="2400" b="0" i="1" smtClean="0">
+                              <a:solidFill>
+                                <a:prstClr val="black"/>
+                              </a:solidFill>
+                              <a:latin typeface="Cambria Math" panose="02040503050406030204" pitchFamily="18" charset="0"/>
+                              <a:ea typeface="Cambria Math" panose="02040503050406030204" pitchFamily="18" charset="0"/>
+                            </a:rPr>
+                            <m:t>𝑡</m:t>
+                          </m:r>
+                          <m:r>
+                            <a:rPr lang="en-US" sz="2400" b="0" i="1" smtClean="0">
+                              <a:solidFill>
+                                <a:prstClr val="black"/>
+                              </a:solidFill>
+                              <a:latin typeface="Cambria Math" panose="02040503050406030204" pitchFamily="18" charset="0"/>
+                              <a:ea typeface="Cambria Math" panose="02040503050406030204" pitchFamily="18" charset="0"/>
+                            </a:rPr>
+                            <m:t>+1</m:t>
+                          </m:r>
+                        </m:sub>
+                      </m:sSub>
+                    </m:oMath>
+                  </m:oMathPara>
+                </a14:m>
+                <a:endParaRPr lang="en-US" sz="2400" b="0" dirty="0">
+                  <a:solidFill>
+                    <a:prstClr val="black"/>
+                  </a:solidFill>
+                  <a:ea typeface="Cambria Math" panose="02040503050406030204" pitchFamily="18" charset="0"/>
+                </a:endParaRPr>
+              </a:p>
+            </p:txBody>
+          </p:sp>
+        </mc:Choice>
+        <mc:Fallback>
+          <p:sp>
+            <p:nvSpPr>
+              <p:cNvPr id="16" name="TextBox 15">
+                <a:extLst>
+                  <a:ext uri="{FF2B5EF4-FFF2-40B4-BE49-F238E27FC236}">
+                    <a16:creationId xmlns:a16="http://schemas.microsoft.com/office/drawing/2014/main" id="{A141CE36-C350-4D87-B489-B6F898E5E1B8}"/>
+                  </a:ext>
+                </a:extLst>
+              </p:cNvPr>
+              <p:cNvSpPr txBox="1">
+                <a:spLocks noRot="1" noChangeAspect="1" noMove="1" noResize="1" noEditPoints="1" noAdjustHandles="1" noChangeArrowheads="1" noChangeShapeType="1" noTextEdit="1"/>
+              </p:cNvSpPr>
+              <p:nvPr/>
+            </p:nvSpPr>
+            <p:spPr>
+              <a:xfrm>
+                <a:off x="2032638" y="2585191"/>
+                <a:ext cx="2162579" cy="369332"/>
+              </a:xfrm>
+              <a:prstGeom prst="rect">
+                <a:avLst/>
+              </a:prstGeom>
+              <a:blipFill>
+                <a:blip r:embed="rId12"/>
+                <a:stretch>
+                  <a:fillRect l="-4225" r="-845" b="-27869"/>
+                </a:stretch>
+              </a:blipFill>
+            </p:spPr>
+            <p:txBody>
+              <a:bodyPr/>
+              <a:lstStyle/>
+              <a:p>
+                <a:r>
+                  <a:rPr lang="en-US">
+                    <a:noFill/>
+                  </a:rPr>
+                  <a:t> </a:t>
+                </a:r>
+              </a:p>
+            </p:txBody>
+          </p:sp>
+        </mc:Fallback>
+      </mc:AlternateContent>
+    </p:spTree>
+    <p:extLst>
+      <p:ext uri="{BB962C8B-B14F-4D97-AF65-F5344CB8AC3E}">
+        <p14:creationId xmlns:p14="http://schemas.microsoft.com/office/powerpoint/2010/main" val="3001671062"/>
+      </p:ext>
+    </p:extLst>
+  </p:cSld>
+  <p:clrMapOvr>
+    <a:masterClrMapping/>
+  </p:clrMapOvr>
+</p:sld>
+</file>
+
+<file path=ppt/slides/slide2.xml><?xml version="1.0" encoding="utf-8"?>
+<p:sld xmlns:a="http://schemas.openxmlformats.org/drawingml/2006/main" xmlns:r="http://schemas.openxmlformats.org/officeDocument/2006/relationships" xmlns:p="http://schemas.openxmlformats.org/presentationml/2006/main">
+  <p:cSld>
+    <p:spTree>
+      <p:nvGrpSpPr>
+        <p:cNvPr id="1" name=""/>
+        <p:cNvGrpSpPr/>
+        <p:nvPr/>
+      </p:nvGrpSpPr>
+      <p:grpSpPr>
+        <a:xfrm>
+          <a:off x="0" y="0"/>
+          <a:ext cx="0" cy="0"/>
+          <a:chOff x="0" y="0"/>
+          <a:chExt cx="0" cy="0"/>
+        </a:xfrm>
+      </p:grpSpPr>
+      <mc:AlternateContent xmlns:mc="http://schemas.openxmlformats.org/markup-compatibility/2006">
+        <mc:Choice xmlns:a14="http://schemas.microsoft.com/office/drawing/2010/main" Requires="a14">
+          <p:sp>
+            <p:nvSpPr>
+              <p:cNvPr id="4" name="TextBox 3">
+                <a:extLst>
+                  <a:ext uri="{FF2B5EF4-FFF2-40B4-BE49-F238E27FC236}">
+                    <a16:creationId xmlns:a16="http://schemas.microsoft.com/office/drawing/2014/main" id="{B3B72085-1BCC-41D9-8935-2AAA6CF6DDA9}"/>
+                  </a:ext>
+                </a:extLst>
+              </p:cNvPr>
+              <p:cNvSpPr txBox="1"/>
+              <p:nvPr/>
+            </p:nvSpPr>
+            <p:spPr>
+              <a:xfrm>
+                <a:off x="5582359" y="2144472"/>
+                <a:ext cx="1177823" cy="342401"/>
+              </a:xfrm>
+              <a:prstGeom prst="rect">
+                <a:avLst/>
+              </a:prstGeom>
+              <a:noFill/>
+            </p:spPr>
+            <p:txBody>
+              <a:bodyPr wrap="none" lIns="0" tIns="0" rIns="0" bIns="0" rtlCol="0">
+                <a:spAutoFit/>
+              </a:bodyPr>
+              <a:lstStyle/>
+              <a:p>
+                <a:pPr/>
+                <a14:m>
+                  <m:oMathPara xmlns:m="http://schemas.openxmlformats.org/officeDocument/2006/math">
+                    <m:oMathParaPr>
+                      <m:jc m:val="centerGroup"/>
+                    </m:oMathParaPr>
+                    <m:oMath xmlns:m="http://schemas.openxmlformats.org/officeDocument/2006/math">
+                      <m:sSubSup>
+                        <m:sSubSupPr>
+                          <m:ctrlPr>
+                            <a:rPr lang="en-US" b="0" i="1" smtClean="0">
+                              <a:latin typeface="Cambria Math" panose="02040503050406030204" pitchFamily="18" charset="0"/>
+                            </a:rPr>
+                          </m:ctrlPr>
+                        </m:sSubSupPr>
+                        <m:e>
+                          <m:r>
+                            <a:rPr lang="en-US" b="0" i="1" smtClean="0">
+                              <a:latin typeface="Cambria Math" panose="02040503050406030204" pitchFamily="18" charset="0"/>
+                            </a:rPr>
+                            <m:t>𝑄</m:t>
+                          </m:r>
+                        </m:e>
+                        <m:sub>
+                          <m:r>
+                            <a:rPr lang="en-US" b="0" i="1" smtClean="0">
+                              <a:latin typeface="Cambria Math" panose="02040503050406030204" pitchFamily="18" charset="0"/>
+                            </a:rPr>
+                            <m:t>𝑡</m:t>
+                          </m:r>
+                        </m:sub>
+                        <m:sup>
+                          <m:d>
+                            <m:dPr>
+                              <m:ctrlPr>
+                                <a:rPr lang="en-US" b="0" i="1" smtClean="0">
+                                  <a:latin typeface="Cambria Math" panose="02040503050406030204" pitchFamily="18" charset="0"/>
+                                </a:rPr>
+                              </m:ctrlPr>
+                            </m:dPr>
+                            <m:e>
+                              <m:r>
+                                <a:rPr lang="en-US" b="0" i="1" smtClean="0">
+                                  <a:latin typeface="Cambria Math" panose="02040503050406030204" pitchFamily="18" charset="0"/>
+                                </a:rPr>
+                                <m:t>0</m:t>
+                              </m:r>
+                            </m:e>
+                          </m:d>
+                        </m:sup>
+                      </m:sSubSup>
+                      <m:r>
+                        <a:rPr lang="en-US" b="0" i="1" smtClean="0">
+                          <a:latin typeface="Cambria Math" panose="02040503050406030204" pitchFamily="18" charset="0"/>
+                        </a:rPr>
+                        <m:t>=</m:t>
+                      </m:r>
+                      <m:sSub>
+                        <m:sSubPr>
+                          <m:ctrlPr>
+                            <a:rPr lang="en-US" b="0" i="1" smtClean="0">
+                              <a:latin typeface="Cambria Math" panose="02040503050406030204" pitchFamily="18" charset="0"/>
+                            </a:rPr>
+                          </m:ctrlPr>
+                        </m:sSubPr>
+                        <m:e>
+                          <m:sSup>
+                            <m:sSupPr>
+                              <m:ctrlPr>
+                                <a:rPr lang="en-US" b="0" i="1" smtClean="0">
+                                  <a:latin typeface="Cambria Math" panose="02040503050406030204" pitchFamily="18" charset="0"/>
+                                </a:rPr>
+                              </m:ctrlPr>
+                            </m:sSupPr>
+                            <m:e>
+                              <m:r>
+                                <a:rPr lang="en-US" b="0" i="1" smtClean="0">
+                                  <a:latin typeface="Cambria Math" panose="02040503050406030204" pitchFamily="18" charset="0"/>
+                                  <a:ea typeface="Cambria Math" panose="02040503050406030204" pitchFamily="18" charset="0"/>
+                                </a:rPr>
+                                <m:t>𝛾</m:t>
+                              </m:r>
+                            </m:e>
+                            <m:sup>
+                              <m:r>
+                                <a:rPr lang="en-US" b="0" i="1" smtClean="0">
+                                  <a:latin typeface="Cambria Math" panose="02040503050406030204" pitchFamily="18" charset="0"/>
+                                </a:rPr>
+                                <m:t>0</m:t>
+                              </m:r>
+                            </m:sup>
+                          </m:sSup>
+                          <m:r>
+                            <a:rPr lang="en-US" b="0" i="1" smtClean="0">
+                              <a:latin typeface="Cambria Math" panose="02040503050406030204" pitchFamily="18" charset="0"/>
+                            </a:rPr>
+                            <m:t>𝑟</m:t>
+                          </m:r>
+                        </m:e>
+                        <m:sub>
+                          <m:r>
+                            <a:rPr lang="en-US" b="0" i="1" smtClean="0">
+                              <a:latin typeface="Cambria Math" panose="02040503050406030204" pitchFamily="18" charset="0"/>
+                            </a:rPr>
+                            <m:t>𝑡</m:t>
+                          </m:r>
+                        </m:sub>
+                      </m:sSub>
+                    </m:oMath>
+                  </m:oMathPara>
+                </a14:m>
+                <a:endParaRPr lang="en-US" dirty="0"/>
+              </a:p>
+            </p:txBody>
+          </p:sp>
+        </mc:Choice>
+        <mc:Fallback>
+          <p:sp>
+            <p:nvSpPr>
+              <p:cNvPr id="4" name="TextBox 3">
+                <a:extLst>
+                  <a:ext uri="{FF2B5EF4-FFF2-40B4-BE49-F238E27FC236}">
+                    <a16:creationId xmlns:a16="http://schemas.microsoft.com/office/drawing/2014/main" id="{B3B72085-1BCC-41D9-8935-2AAA6CF6DDA9}"/>
+                  </a:ext>
+                </a:extLst>
+              </p:cNvPr>
+              <p:cNvSpPr txBox="1">
+                <a:spLocks noRot="1" noChangeAspect="1" noMove="1" noResize="1" noEditPoints="1" noAdjustHandles="1" noChangeArrowheads="1" noChangeShapeType="1" noTextEdit="1"/>
+              </p:cNvSpPr>
+              <p:nvPr/>
+            </p:nvSpPr>
+            <p:spPr>
+              <a:xfrm>
+                <a:off x="5582359" y="2144472"/>
+                <a:ext cx="1177823" cy="342401"/>
+              </a:xfrm>
+              <a:prstGeom prst="rect">
+                <a:avLst/>
+              </a:prstGeom>
+              <a:blipFill>
+                <a:blip r:embed="rId2"/>
+                <a:stretch>
+                  <a:fillRect l="-6218" r="-1554" b="-23214"/>
                 </a:stretch>
               </a:blipFill>
             </p:spPr>
@@ -4086,6 +6777,7 @@
               </a:bodyPr>
               <a:lstStyle/>
               <a:p>
+                <a:pPr/>
                 <a14:m>
                   <m:oMathPara xmlns:m="http://schemas.openxmlformats.org/officeDocument/2006/math">
                     <m:oMathParaPr>
@@ -4326,937 +7018,6 @@
               </a:bodyPr>
               <a:lstStyle/>
               <a:p>
-                <a14:m>
-                  <m:oMathPara xmlns:m="http://schemas.openxmlformats.org/officeDocument/2006/math">
-                    <m:oMathParaPr>
-                      <m:jc m:val="centerGroup"/>
-                    </m:oMathParaPr>
-                    <m:oMath xmlns:m="http://schemas.openxmlformats.org/officeDocument/2006/math">
-                      <m:r>
-                        <a:rPr lang="en-US" b="0" i="1" smtClean="0">
-                          <a:latin typeface="Cambria Math" panose="02040503050406030204" pitchFamily="18" charset="0"/>
-                        </a:rPr>
-                        <m:t>…</m:t>
-                      </m:r>
-                    </m:oMath>
-                  </m:oMathPara>
-                </a14:m>
-                <a:endParaRPr lang="en-US" dirty="0"/>
-              </a:p>
-            </p:txBody>
-          </p:sp>
-        </mc:Choice>
-        <mc:Fallback>
-          <p:sp>
-            <p:nvSpPr>
-              <p:cNvPr id="8" name="TextBox 7">
-                <a:extLst>
-                  <a:ext uri="{FF2B5EF4-FFF2-40B4-BE49-F238E27FC236}">
-                    <a16:creationId xmlns:a16="http://schemas.microsoft.com/office/drawing/2014/main" id="{21654551-663B-489B-95CF-3438CDE08FBA}"/>
-                  </a:ext>
-                </a:extLst>
-              </p:cNvPr>
-              <p:cNvSpPr txBox="1">
-                <a:spLocks noRot="1" noChangeAspect="1" noMove="1" noResize="1" noEditPoints="1" noAdjustHandles="1" noChangeArrowheads="1" noChangeShapeType="1" noTextEdit="1"/>
-              </p:cNvSpPr>
-              <p:nvPr/>
-            </p:nvSpPr>
-            <p:spPr>
-              <a:xfrm>
-                <a:off x="5582359" y="3429000"/>
-                <a:ext cx="226023" cy="276999"/>
-              </a:xfrm>
-              <a:prstGeom prst="rect">
-                <a:avLst/>
-              </a:prstGeom>
-              <a:blipFill>
-                <a:blip r:embed="rId6"/>
-                <a:stretch>
-                  <a:fillRect/>
-                </a:stretch>
-              </a:blipFill>
-            </p:spPr>
-            <p:txBody>
-              <a:bodyPr/>
-              <a:lstStyle/>
-              <a:p>
-                <a:r>
-                  <a:rPr lang="en-US">
-                    <a:noFill/>
-                  </a:rPr>
-                  <a:t> </a:t>
-                </a:r>
-              </a:p>
-            </p:txBody>
-          </p:sp>
-        </mc:Fallback>
-      </mc:AlternateContent>
-    </p:spTree>
-    <p:extLst>
-      <p:ext uri="{BB962C8B-B14F-4D97-AF65-F5344CB8AC3E}">
-        <p14:creationId xmlns:p14="http://schemas.microsoft.com/office/powerpoint/2010/main" val="3001671062"/>
-      </p:ext>
-    </p:extLst>
-  </p:cSld>
-  <p:clrMapOvr>
-    <a:masterClrMapping/>
-  </p:clrMapOvr>
-</p:sld>
-</file>
-
-<file path=ppt/slides/slide2.xml><?xml version="1.0" encoding="utf-8"?>
-<p:sld xmlns:a="http://schemas.openxmlformats.org/drawingml/2006/main" xmlns:r="http://schemas.openxmlformats.org/officeDocument/2006/relationships" xmlns:p="http://schemas.openxmlformats.org/presentationml/2006/main">
-  <p:cSld>
-    <p:spTree>
-      <p:nvGrpSpPr>
-        <p:cNvPr id="1" name=""/>
-        <p:cNvGrpSpPr/>
-        <p:nvPr/>
-      </p:nvGrpSpPr>
-      <p:grpSpPr>
-        <a:xfrm>
-          <a:off x="0" y="0"/>
-          <a:ext cx="0" cy="0"/>
-          <a:chOff x="0" y="0"/>
-          <a:chExt cx="0" cy="0"/>
-        </a:xfrm>
-      </p:grpSpPr>
-      <mc:AlternateContent xmlns:mc="http://schemas.openxmlformats.org/markup-compatibility/2006">
-        <mc:Choice xmlns:a14="http://schemas.microsoft.com/office/drawing/2010/main" Requires="a14">
-          <p:sp>
-            <p:nvSpPr>
-              <p:cNvPr id="4" name="TextBox 3">
-                <a:extLst>
-                  <a:ext uri="{FF2B5EF4-FFF2-40B4-BE49-F238E27FC236}">
-                    <a16:creationId xmlns:a16="http://schemas.microsoft.com/office/drawing/2014/main" id="{B3B72085-1BCC-41D9-8935-2AAA6CF6DDA9}"/>
-                  </a:ext>
-                </a:extLst>
-              </p:cNvPr>
-              <p:cNvSpPr txBox="1"/>
-              <p:nvPr/>
-            </p:nvSpPr>
-            <p:spPr>
-              <a:xfrm>
-                <a:off x="5582359" y="2144472"/>
-                <a:ext cx="936282" cy="345992"/>
-              </a:xfrm>
-              <a:prstGeom prst="rect">
-                <a:avLst/>
-              </a:prstGeom>
-              <a:noFill/>
-            </p:spPr>
-            <p:txBody>
-              <a:bodyPr wrap="none" lIns="0" tIns="0" rIns="0" bIns="0" rtlCol="0">
-                <a:spAutoFit/>
-              </a:bodyPr>
-              <a:lstStyle/>
-              <a:p>
-                <a:pPr/>
-                <a14:m>
-                  <m:oMathPara xmlns:m="http://schemas.openxmlformats.org/officeDocument/2006/math">
-                    <m:oMathParaPr>
-                      <m:jc m:val="centerGroup"/>
-                    </m:oMathParaPr>
-                    <m:oMath xmlns:m="http://schemas.openxmlformats.org/officeDocument/2006/math">
-                      <m:sSubSup>
-                        <m:sSubSupPr>
-                          <m:ctrlPr>
-                            <a:rPr lang="en-US" b="0" i="1" smtClean="0">
-                              <a:latin typeface="Cambria Math" panose="02040503050406030204" pitchFamily="18" charset="0"/>
-                            </a:rPr>
-                          </m:ctrlPr>
-                        </m:sSubSupPr>
-                        <m:e>
-                          <m:r>
-                            <a:rPr lang="en-US" b="0" i="1" smtClean="0">
-                              <a:latin typeface="Cambria Math" panose="02040503050406030204" pitchFamily="18" charset="0"/>
-                            </a:rPr>
-                            <m:t>𝑄</m:t>
-                          </m:r>
-                        </m:e>
-                        <m:sub>
-                          <m:r>
-                            <a:rPr lang="en-US" b="0" i="1" smtClean="0">
-                              <a:latin typeface="Cambria Math" panose="02040503050406030204" pitchFamily="18" charset="0"/>
-                            </a:rPr>
-                            <m:t>𝑡</m:t>
-                          </m:r>
-                        </m:sub>
-                        <m:sup>
-                          <m:r>
-                            <a:rPr lang="en-US" b="0" i="1" smtClean="0">
-                              <a:latin typeface="Cambria Math" panose="02040503050406030204" pitchFamily="18" charset="0"/>
-                            </a:rPr>
-                            <m:t>(0)</m:t>
-                          </m:r>
-                        </m:sup>
-                      </m:sSubSup>
-                      <m:r>
-                        <a:rPr lang="en-US" b="0" i="1" smtClean="0">
-                          <a:latin typeface="Cambria Math" panose="02040503050406030204" pitchFamily="18" charset="0"/>
-                        </a:rPr>
-                        <m:t>=</m:t>
-                      </m:r>
-                      <m:sSub>
-                        <m:sSubPr>
-                          <m:ctrlPr>
-                            <a:rPr lang="en-US" b="0" i="1" smtClean="0">
-                              <a:latin typeface="Cambria Math" panose="02040503050406030204" pitchFamily="18" charset="0"/>
-                            </a:rPr>
-                          </m:ctrlPr>
-                        </m:sSubPr>
-                        <m:e>
-                          <m:r>
-                            <a:rPr lang="en-US" b="0" i="1" smtClean="0">
-                              <a:latin typeface="Cambria Math" panose="02040503050406030204" pitchFamily="18" charset="0"/>
-                            </a:rPr>
-                            <m:t>𝑟</m:t>
-                          </m:r>
-                        </m:e>
-                        <m:sub>
-                          <m:r>
-                            <a:rPr lang="en-US" b="0" i="1" smtClean="0">
-                              <a:latin typeface="Cambria Math" panose="02040503050406030204" pitchFamily="18" charset="0"/>
-                            </a:rPr>
-                            <m:t>𝑡</m:t>
-                          </m:r>
-                        </m:sub>
-                      </m:sSub>
-                    </m:oMath>
-                  </m:oMathPara>
-                </a14:m>
-                <a:endParaRPr lang="en-US" dirty="0"/>
-              </a:p>
-            </p:txBody>
-          </p:sp>
-        </mc:Choice>
-        <mc:Fallback>
-          <p:sp>
-            <p:nvSpPr>
-              <p:cNvPr id="4" name="TextBox 3">
-                <a:extLst>
-                  <a:ext uri="{FF2B5EF4-FFF2-40B4-BE49-F238E27FC236}">
-                    <a16:creationId xmlns:a16="http://schemas.microsoft.com/office/drawing/2014/main" id="{B3B72085-1BCC-41D9-8935-2AAA6CF6DDA9}"/>
-                  </a:ext>
-                </a:extLst>
-              </p:cNvPr>
-              <p:cNvSpPr txBox="1">
-                <a:spLocks noRot="1" noChangeAspect="1" noMove="1" noResize="1" noEditPoints="1" noAdjustHandles="1" noChangeArrowheads="1" noChangeShapeType="1" noTextEdit="1"/>
-              </p:cNvSpPr>
-              <p:nvPr/>
-            </p:nvSpPr>
-            <p:spPr>
-              <a:xfrm>
-                <a:off x="5582359" y="2144472"/>
-                <a:ext cx="936282" cy="345992"/>
-              </a:xfrm>
-              <a:prstGeom prst="rect">
-                <a:avLst/>
-              </a:prstGeom>
-              <a:blipFill>
-                <a:blip r:embed="rId2"/>
-                <a:stretch>
-                  <a:fillRect l="-7843" t="-3509" r="-1961" b="-21053"/>
-                </a:stretch>
-              </a:blipFill>
-            </p:spPr>
-            <p:txBody>
-              <a:bodyPr/>
-              <a:lstStyle/>
-              <a:p>
-                <a:r>
-                  <a:rPr lang="en-US">
-                    <a:noFill/>
-                  </a:rPr>
-                  <a:t> </a:t>
-                </a:r>
-              </a:p>
-            </p:txBody>
-          </p:sp>
-        </mc:Fallback>
-      </mc:AlternateContent>
-      <mc:AlternateContent xmlns:mc="http://schemas.openxmlformats.org/markup-compatibility/2006">
-        <mc:Choice xmlns:a14="http://schemas.microsoft.com/office/drawing/2010/main" Requires="a14">
-          <p:sp>
-            <p:nvSpPr>
-              <p:cNvPr id="5" name="TextBox 4">
-                <a:extLst>
-                  <a:ext uri="{FF2B5EF4-FFF2-40B4-BE49-F238E27FC236}">
-                    <a16:creationId xmlns:a16="http://schemas.microsoft.com/office/drawing/2014/main" id="{75BD52F2-A558-4F29-BE10-2E71A0A6FA23}"/>
-                  </a:ext>
-                </a:extLst>
-              </p:cNvPr>
-              <p:cNvSpPr txBox="1"/>
-              <p:nvPr/>
-            </p:nvSpPr>
-            <p:spPr>
-              <a:xfrm>
-                <a:off x="5578644" y="2542281"/>
-                <a:ext cx="1795620" cy="347403"/>
-              </a:xfrm>
-              <a:prstGeom prst="rect">
-                <a:avLst/>
-              </a:prstGeom>
-              <a:noFill/>
-            </p:spPr>
-            <p:txBody>
-              <a:bodyPr wrap="none" lIns="0" tIns="0" rIns="0" bIns="0" rtlCol="0">
-                <a:spAutoFit/>
-              </a:bodyPr>
-              <a:lstStyle/>
-              <a:p>
-                <a14:m>
-                  <m:oMathPara xmlns:m="http://schemas.openxmlformats.org/officeDocument/2006/math">
-                    <m:oMathParaPr>
-                      <m:jc m:val="centerGroup"/>
-                    </m:oMathParaPr>
-                    <m:oMath xmlns:m="http://schemas.openxmlformats.org/officeDocument/2006/math">
-                      <m:sSubSup>
-                        <m:sSubSupPr>
-                          <m:ctrlPr>
-                            <a:rPr lang="en-US" b="0" i="1" smtClean="0">
-                              <a:latin typeface="Cambria Math" panose="02040503050406030204" pitchFamily="18" charset="0"/>
-                            </a:rPr>
-                          </m:ctrlPr>
-                        </m:sSubSupPr>
-                        <m:e>
-                          <m:r>
-                            <a:rPr lang="en-US" b="0" i="1" smtClean="0">
-                              <a:latin typeface="Cambria Math" panose="02040503050406030204" pitchFamily="18" charset="0"/>
-                            </a:rPr>
-                            <m:t>𝑄</m:t>
-                          </m:r>
-                        </m:e>
-                        <m:sub>
-                          <m:r>
-                            <a:rPr lang="en-US" b="0" i="1" smtClean="0">
-                              <a:latin typeface="Cambria Math" panose="02040503050406030204" pitchFamily="18" charset="0"/>
-                            </a:rPr>
-                            <m:t>𝑡</m:t>
-                          </m:r>
-                        </m:sub>
-                        <m:sup>
-                          <m:r>
-                            <a:rPr lang="en-US" b="0" i="1" smtClean="0">
-                              <a:latin typeface="Cambria Math" panose="02040503050406030204" pitchFamily="18" charset="0"/>
-                            </a:rPr>
-                            <m:t>(1)</m:t>
-                          </m:r>
-                        </m:sup>
-                      </m:sSubSup>
-                      <m:r>
-                        <a:rPr lang="en-US" b="0" i="1" smtClean="0">
-                          <a:latin typeface="Cambria Math" panose="02040503050406030204" pitchFamily="18" charset="0"/>
-                        </a:rPr>
-                        <m:t>=</m:t>
-                      </m:r>
-                      <m:sSub>
-                        <m:sSubPr>
-                          <m:ctrlPr>
-                            <a:rPr lang="en-US" b="0" i="1" smtClean="0">
-                              <a:latin typeface="Cambria Math" panose="02040503050406030204" pitchFamily="18" charset="0"/>
-                            </a:rPr>
-                          </m:ctrlPr>
-                        </m:sSubPr>
-                        <m:e>
-                          <m:r>
-                            <a:rPr lang="en-US" b="0" i="1" smtClean="0">
-                              <a:latin typeface="Cambria Math" panose="02040503050406030204" pitchFamily="18" charset="0"/>
-                            </a:rPr>
-                            <m:t>𝑟</m:t>
-                          </m:r>
-                        </m:e>
-                        <m:sub>
-                          <m:r>
-                            <a:rPr lang="en-US" b="0" i="1" smtClean="0">
-                              <a:latin typeface="Cambria Math" panose="02040503050406030204" pitchFamily="18" charset="0"/>
-                            </a:rPr>
-                            <m:t>𝑡</m:t>
-                          </m:r>
-                        </m:sub>
-                      </m:sSub>
-                      <m:r>
-                        <a:rPr lang="en-US" b="0" i="1" smtClean="0">
-                          <a:latin typeface="Cambria Math" panose="02040503050406030204" pitchFamily="18" charset="0"/>
-                        </a:rPr>
-                        <m:t>+</m:t>
-                      </m:r>
-                      <m:r>
-                        <a:rPr lang="en-US" b="0" i="1" smtClean="0">
-                          <a:latin typeface="Cambria Math" panose="02040503050406030204" pitchFamily="18" charset="0"/>
-                          <a:ea typeface="Cambria Math" panose="02040503050406030204" pitchFamily="18" charset="0"/>
-                        </a:rPr>
-                        <m:t>𝛾</m:t>
-                      </m:r>
-                      <m:sSubSup>
-                        <m:sSubSupPr>
-                          <m:ctrlPr>
-                            <a:rPr lang="en-US" b="0" i="1" smtClean="0">
-                              <a:latin typeface="Cambria Math" panose="02040503050406030204" pitchFamily="18" charset="0"/>
-                            </a:rPr>
-                          </m:ctrlPr>
-                        </m:sSubSupPr>
-                        <m:e>
-                          <m:r>
-                            <a:rPr lang="en-US" b="0" i="1" smtClean="0">
-                              <a:latin typeface="Cambria Math" panose="02040503050406030204" pitchFamily="18" charset="0"/>
-                            </a:rPr>
-                            <m:t>𝑄</m:t>
-                          </m:r>
-                        </m:e>
-                        <m:sub>
-                          <m:r>
-                            <a:rPr lang="en-US" b="0" i="1" smtClean="0">
-                              <a:latin typeface="Cambria Math" panose="02040503050406030204" pitchFamily="18" charset="0"/>
-                            </a:rPr>
-                            <m:t>𝑡</m:t>
-                          </m:r>
-                          <m:r>
-                            <a:rPr lang="en-US" b="0" i="1" smtClean="0">
-                              <a:latin typeface="Cambria Math" panose="02040503050406030204" pitchFamily="18" charset="0"/>
-                            </a:rPr>
-                            <m:t>+1</m:t>
-                          </m:r>
-                        </m:sub>
-                        <m:sup>
-                          <m:r>
-                            <a:rPr lang="en-US" b="0" i="1" smtClean="0">
-                              <a:latin typeface="Cambria Math" panose="02040503050406030204" pitchFamily="18" charset="0"/>
-                            </a:rPr>
-                            <m:t>(0)</m:t>
-                          </m:r>
-                        </m:sup>
-                      </m:sSubSup>
-                    </m:oMath>
-                  </m:oMathPara>
-                </a14:m>
-                <a:endParaRPr lang="en-US" dirty="0"/>
-              </a:p>
-            </p:txBody>
-          </p:sp>
-        </mc:Choice>
-        <mc:Fallback>
-          <p:sp>
-            <p:nvSpPr>
-              <p:cNvPr id="5" name="TextBox 4">
-                <a:extLst>
-                  <a:ext uri="{FF2B5EF4-FFF2-40B4-BE49-F238E27FC236}">
-                    <a16:creationId xmlns:a16="http://schemas.microsoft.com/office/drawing/2014/main" id="{75BD52F2-A558-4F29-BE10-2E71A0A6FA23}"/>
-                  </a:ext>
-                </a:extLst>
-              </p:cNvPr>
-              <p:cNvSpPr txBox="1">
-                <a:spLocks noRot="1" noChangeAspect="1" noMove="1" noResize="1" noEditPoints="1" noAdjustHandles="1" noChangeArrowheads="1" noChangeShapeType="1" noTextEdit="1"/>
-              </p:cNvSpPr>
-              <p:nvPr/>
-            </p:nvSpPr>
-            <p:spPr>
-              <a:xfrm>
-                <a:off x="5578644" y="2542281"/>
-                <a:ext cx="1795620" cy="347403"/>
-              </a:xfrm>
-              <a:prstGeom prst="rect">
-                <a:avLst/>
-              </a:prstGeom>
-              <a:blipFill>
-                <a:blip r:embed="rId3"/>
-                <a:stretch>
-                  <a:fillRect l="-3729" t="-3509" r="-1017" b="-21053"/>
-                </a:stretch>
-              </a:blipFill>
-            </p:spPr>
-            <p:txBody>
-              <a:bodyPr/>
-              <a:lstStyle/>
-              <a:p>
-                <a:r>
-                  <a:rPr lang="en-US">
-                    <a:noFill/>
-                  </a:rPr>
-                  <a:t> </a:t>
-                </a:r>
-              </a:p>
-            </p:txBody>
-          </p:sp>
-        </mc:Fallback>
-      </mc:AlternateContent>
-      <mc:AlternateContent xmlns:mc="http://schemas.openxmlformats.org/markup-compatibility/2006">
-        <mc:Choice xmlns:a14="http://schemas.microsoft.com/office/drawing/2010/main" Requires="a14">
-          <p:sp>
-            <p:nvSpPr>
-              <p:cNvPr id="6" name="TextBox 5">
-                <a:extLst>
-                  <a:ext uri="{FF2B5EF4-FFF2-40B4-BE49-F238E27FC236}">
-                    <a16:creationId xmlns:a16="http://schemas.microsoft.com/office/drawing/2014/main" id="{210CEE0E-A5A3-4B4B-AD9A-5D66B08DA0DC}"/>
-                  </a:ext>
-                </a:extLst>
-              </p:cNvPr>
-              <p:cNvSpPr txBox="1"/>
-              <p:nvPr/>
-            </p:nvSpPr>
-            <p:spPr>
-              <a:xfrm>
-                <a:off x="5574929" y="2940090"/>
-                <a:ext cx="1795620" cy="347403"/>
-              </a:xfrm>
-              <a:prstGeom prst="rect">
-                <a:avLst/>
-              </a:prstGeom>
-              <a:noFill/>
-            </p:spPr>
-            <p:txBody>
-              <a:bodyPr wrap="none" lIns="0" tIns="0" rIns="0" bIns="0" rtlCol="0">
-                <a:spAutoFit/>
-              </a:bodyPr>
-              <a:lstStyle/>
-              <a:p>
-                <a14:m>
-                  <m:oMathPara xmlns:m="http://schemas.openxmlformats.org/officeDocument/2006/math">
-                    <m:oMathParaPr>
-                      <m:jc m:val="centerGroup"/>
-                    </m:oMathParaPr>
-                    <m:oMath xmlns:m="http://schemas.openxmlformats.org/officeDocument/2006/math">
-                      <m:sSubSup>
-                        <m:sSubSupPr>
-                          <m:ctrlPr>
-                            <a:rPr lang="en-US" b="0" i="1" smtClean="0">
-                              <a:latin typeface="Cambria Math" panose="02040503050406030204" pitchFamily="18" charset="0"/>
-                            </a:rPr>
-                          </m:ctrlPr>
-                        </m:sSubSupPr>
-                        <m:e>
-                          <m:r>
-                            <a:rPr lang="en-US" b="0" i="1" smtClean="0">
-                              <a:latin typeface="Cambria Math" panose="02040503050406030204" pitchFamily="18" charset="0"/>
-                            </a:rPr>
-                            <m:t>𝑄</m:t>
-                          </m:r>
-                        </m:e>
-                        <m:sub>
-                          <m:r>
-                            <a:rPr lang="en-US" b="0" i="1" smtClean="0">
-                              <a:latin typeface="Cambria Math" panose="02040503050406030204" pitchFamily="18" charset="0"/>
-                            </a:rPr>
-                            <m:t>𝑡</m:t>
-                          </m:r>
-                        </m:sub>
-                        <m:sup>
-                          <m:r>
-                            <a:rPr lang="en-US" b="0" i="1" smtClean="0">
-                              <a:latin typeface="Cambria Math" panose="02040503050406030204" pitchFamily="18" charset="0"/>
-                            </a:rPr>
-                            <m:t>(2)</m:t>
-                          </m:r>
-                        </m:sup>
-                      </m:sSubSup>
-                      <m:r>
-                        <a:rPr lang="en-US" b="0" i="1" smtClean="0">
-                          <a:latin typeface="Cambria Math" panose="02040503050406030204" pitchFamily="18" charset="0"/>
-                        </a:rPr>
-                        <m:t>=</m:t>
-                      </m:r>
-                      <m:sSub>
-                        <m:sSubPr>
-                          <m:ctrlPr>
-                            <a:rPr lang="en-US" b="0" i="1" smtClean="0">
-                              <a:latin typeface="Cambria Math" panose="02040503050406030204" pitchFamily="18" charset="0"/>
-                            </a:rPr>
-                          </m:ctrlPr>
-                        </m:sSubPr>
-                        <m:e>
-                          <m:r>
-                            <a:rPr lang="en-US" b="0" i="1" smtClean="0">
-                              <a:latin typeface="Cambria Math" panose="02040503050406030204" pitchFamily="18" charset="0"/>
-                            </a:rPr>
-                            <m:t>𝑟</m:t>
-                          </m:r>
-                        </m:e>
-                        <m:sub>
-                          <m:r>
-                            <a:rPr lang="en-US" b="0" i="1" smtClean="0">
-                              <a:latin typeface="Cambria Math" panose="02040503050406030204" pitchFamily="18" charset="0"/>
-                            </a:rPr>
-                            <m:t>𝑡</m:t>
-                          </m:r>
-                        </m:sub>
-                      </m:sSub>
-                      <m:r>
-                        <a:rPr lang="en-US" b="0" i="1" smtClean="0">
-                          <a:latin typeface="Cambria Math" panose="02040503050406030204" pitchFamily="18" charset="0"/>
-                        </a:rPr>
-                        <m:t>+</m:t>
-                      </m:r>
-                      <m:r>
-                        <a:rPr lang="en-US" b="0" i="1" smtClean="0">
-                          <a:latin typeface="Cambria Math" panose="02040503050406030204" pitchFamily="18" charset="0"/>
-                          <a:ea typeface="Cambria Math" panose="02040503050406030204" pitchFamily="18" charset="0"/>
-                        </a:rPr>
-                        <m:t>𝛾</m:t>
-                      </m:r>
-                      <m:sSubSup>
-                        <m:sSubSupPr>
-                          <m:ctrlPr>
-                            <a:rPr lang="en-US" b="0" i="1" smtClean="0">
-                              <a:latin typeface="Cambria Math" panose="02040503050406030204" pitchFamily="18" charset="0"/>
-                            </a:rPr>
-                          </m:ctrlPr>
-                        </m:sSubSupPr>
-                        <m:e>
-                          <m:r>
-                            <a:rPr lang="en-US" b="0" i="1" smtClean="0">
-                              <a:latin typeface="Cambria Math" panose="02040503050406030204" pitchFamily="18" charset="0"/>
-                            </a:rPr>
-                            <m:t>𝑄</m:t>
-                          </m:r>
-                        </m:e>
-                        <m:sub>
-                          <m:r>
-                            <a:rPr lang="en-US" b="0" i="1" smtClean="0">
-                              <a:latin typeface="Cambria Math" panose="02040503050406030204" pitchFamily="18" charset="0"/>
-                            </a:rPr>
-                            <m:t>𝑡</m:t>
-                          </m:r>
-                          <m:r>
-                            <a:rPr lang="en-US" b="0" i="1" smtClean="0">
-                              <a:latin typeface="Cambria Math" panose="02040503050406030204" pitchFamily="18" charset="0"/>
-                            </a:rPr>
-                            <m:t>+1</m:t>
-                          </m:r>
-                        </m:sub>
-                        <m:sup>
-                          <m:r>
-                            <a:rPr lang="en-US" b="0" i="1" smtClean="0">
-                              <a:latin typeface="Cambria Math" panose="02040503050406030204" pitchFamily="18" charset="0"/>
-                            </a:rPr>
-                            <m:t>(</m:t>
-                          </m:r>
-                          <m:r>
-                            <a:rPr lang="en-US" b="0" i="1" smtClean="0">
-                              <a:latin typeface="Cambria Math" panose="02040503050406030204" pitchFamily="18" charset="0"/>
-                            </a:rPr>
-                            <m:t>1</m:t>
-                          </m:r>
-                          <m:r>
-                            <a:rPr lang="en-US" b="0" i="1" smtClean="0">
-                              <a:latin typeface="Cambria Math" panose="02040503050406030204" pitchFamily="18" charset="0"/>
-                            </a:rPr>
-                            <m:t>)</m:t>
-                          </m:r>
-                        </m:sup>
-                      </m:sSubSup>
-                    </m:oMath>
-                  </m:oMathPara>
-                </a14:m>
-                <a:endParaRPr lang="en-US" dirty="0"/>
-              </a:p>
-            </p:txBody>
-          </p:sp>
-        </mc:Choice>
-        <mc:Fallback>
-          <p:sp>
-            <p:nvSpPr>
-              <p:cNvPr id="6" name="TextBox 5">
-                <a:extLst>
-                  <a:ext uri="{FF2B5EF4-FFF2-40B4-BE49-F238E27FC236}">
-                    <a16:creationId xmlns:a16="http://schemas.microsoft.com/office/drawing/2014/main" id="{210CEE0E-A5A3-4B4B-AD9A-5D66B08DA0DC}"/>
-                  </a:ext>
-                </a:extLst>
-              </p:cNvPr>
-              <p:cNvSpPr txBox="1">
-                <a:spLocks noRot="1" noChangeAspect="1" noMove="1" noResize="1" noEditPoints="1" noAdjustHandles="1" noChangeArrowheads="1" noChangeShapeType="1" noTextEdit="1"/>
-              </p:cNvSpPr>
-              <p:nvPr/>
-            </p:nvSpPr>
-            <p:spPr>
-              <a:xfrm>
-                <a:off x="5574929" y="2940090"/>
-                <a:ext cx="1795620" cy="347403"/>
-              </a:xfrm>
-              <a:prstGeom prst="rect">
-                <a:avLst/>
-              </a:prstGeom>
-              <a:blipFill>
-                <a:blip r:embed="rId4"/>
-                <a:stretch>
-                  <a:fillRect l="-3741" t="-3509" r="-1020" b="-21053"/>
-                </a:stretch>
-              </a:blipFill>
-            </p:spPr>
-            <p:txBody>
-              <a:bodyPr/>
-              <a:lstStyle/>
-              <a:p>
-                <a:r>
-                  <a:rPr lang="en-US">
-                    <a:noFill/>
-                  </a:rPr>
-                  <a:t> </a:t>
-                </a:r>
-              </a:p>
-            </p:txBody>
-          </p:sp>
-        </mc:Fallback>
-      </mc:AlternateContent>
-      <mc:AlternateContent xmlns:mc="http://schemas.openxmlformats.org/markup-compatibility/2006">
-        <mc:Choice xmlns:a14="http://schemas.microsoft.com/office/drawing/2010/main" Requires="a14">
-          <p:sp>
-            <p:nvSpPr>
-              <p:cNvPr id="7" name="TextBox 6">
-                <a:extLst>
-                  <a:ext uri="{FF2B5EF4-FFF2-40B4-BE49-F238E27FC236}">
-                    <a16:creationId xmlns:a16="http://schemas.microsoft.com/office/drawing/2014/main" id="{A04610FE-E058-49ED-AFA6-870DF45B80E7}"/>
-                  </a:ext>
-                </a:extLst>
-              </p:cNvPr>
-              <p:cNvSpPr txBox="1"/>
-              <p:nvPr/>
-            </p:nvSpPr>
-            <p:spPr>
-              <a:xfrm>
-                <a:off x="5574929" y="3706071"/>
-                <a:ext cx="1904880" cy="347403"/>
-              </a:xfrm>
-              <a:prstGeom prst="rect">
-                <a:avLst/>
-              </a:prstGeom>
-              <a:noFill/>
-            </p:spPr>
-            <p:txBody>
-              <a:bodyPr wrap="none" lIns="0" tIns="0" rIns="0" bIns="0" rtlCol="0">
-                <a:spAutoFit/>
-              </a:bodyPr>
-              <a:lstStyle/>
-              <a:p>
-                <a:pPr/>
-                <a14:m>
-                  <m:oMathPara xmlns:m="http://schemas.openxmlformats.org/officeDocument/2006/math">
-                    <m:oMathParaPr>
-                      <m:jc m:val="centerGroup"/>
-                    </m:oMathParaPr>
-                    <m:oMath xmlns:m="http://schemas.openxmlformats.org/officeDocument/2006/math">
-                      <m:sSubSup>
-                        <m:sSubSupPr>
-                          <m:ctrlPr>
-                            <a:rPr lang="en-US" b="0" i="1" smtClean="0">
-                              <a:latin typeface="Cambria Math" panose="02040503050406030204" pitchFamily="18" charset="0"/>
-                            </a:rPr>
-                          </m:ctrlPr>
-                        </m:sSubSupPr>
-                        <m:e>
-                          <m:r>
-                            <a:rPr lang="en-US" b="0" i="1" smtClean="0">
-                              <a:latin typeface="Cambria Math" panose="02040503050406030204" pitchFamily="18" charset="0"/>
-                            </a:rPr>
-                            <m:t>𝑄</m:t>
-                          </m:r>
-                        </m:e>
-                        <m:sub>
-                          <m:r>
-                            <a:rPr lang="en-US" b="0" i="1" smtClean="0">
-                              <a:latin typeface="Cambria Math" panose="02040503050406030204" pitchFamily="18" charset="0"/>
-                            </a:rPr>
-                            <m:t>𝑡</m:t>
-                          </m:r>
-                        </m:sub>
-                        <m:sup>
-                          <m:r>
-                            <a:rPr lang="en-US" b="0" i="1" smtClean="0">
-                              <a:latin typeface="Cambria Math" panose="02040503050406030204" pitchFamily="18" charset="0"/>
-                            </a:rPr>
-                            <m:t>(</m:t>
-                          </m:r>
-                          <m:r>
-                            <a:rPr lang="en-US" b="0" i="1" smtClean="0">
-                              <a:latin typeface="Cambria Math" panose="02040503050406030204" pitchFamily="18" charset="0"/>
-                            </a:rPr>
-                            <m:t>𝑙</m:t>
-                          </m:r>
-                          <m:r>
-                            <a:rPr lang="en-US" b="0" i="1" smtClean="0">
-                              <a:latin typeface="Cambria Math" panose="02040503050406030204" pitchFamily="18" charset="0"/>
-                            </a:rPr>
-                            <m:t>)</m:t>
-                          </m:r>
-                        </m:sup>
-                      </m:sSubSup>
-                      <m:r>
-                        <a:rPr lang="en-US" b="0" i="1" smtClean="0">
-                          <a:latin typeface="Cambria Math" panose="02040503050406030204" pitchFamily="18" charset="0"/>
-                        </a:rPr>
-                        <m:t>=</m:t>
-                      </m:r>
-                      <m:sSub>
-                        <m:sSubPr>
-                          <m:ctrlPr>
-                            <a:rPr lang="en-US" b="0" i="1" smtClean="0">
-                              <a:latin typeface="Cambria Math" panose="02040503050406030204" pitchFamily="18" charset="0"/>
-                            </a:rPr>
-                          </m:ctrlPr>
-                        </m:sSubPr>
-                        <m:e>
-                          <m:r>
-                            <a:rPr lang="en-US" b="0" i="1" smtClean="0">
-                              <a:latin typeface="Cambria Math" panose="02040503050406030204" pitchFamily="18" charset="0"/>
-                            </a:rPr>
-                            <m:t>𝑟</m:t>
-                          </m:r>
-                        </m:e>
-                        <m:sub>
-                          <m:r>
-                            <a:rPr lang="en-US" b="0" i="1" smtClean="0">
-                              <a:latin typeface="Cambria Math" panose="02040503050406030204" pitchFamily="18" charset="0"/>
-                            </a:rPr>
-                            <m:t>𝑡</m:t>
-                          </m:r>
-                        </m:sub>
-                      </m:sSub>
-                      <m:r>
-                        <a:rPr lang="en-US" b="0" i="1" smtClean="0">
-                          <a:latin typeface="Cambria Math" panose="02040503050406030204" pitchFamily="18" charset="0"/>
-                        </a:rPr>
-                        <m:t>+</m:t>
-                      </m:r>
-                      <m:r>
-                        <a:rPr lang="en-US" b="0" i="1" smtClean="0">
-                          <a:latin typeface="Cambria Math" panose="02040503050406030204" pitchFamily="18" charset="0"/>
-                          <a:ea typeface="Cambria Math" panose="02040503050406030204" pitchFamily="18" charset="0"/>
-                        </a:rPr>
-                        <m:t>𝛾</m:t>
-                      </m:r>
-                      <m:sSubSup>
-                        <m:sSubSupPr>
-                          <m:ctrlPr>
-                            <a:rPr lang="en-US" b="0" i="1" smtClean="0">
-                              <a:latin typeface="Cambria Math" panose="02040503050406030204" pitchFamily="18" charset="0"/>
-                            </a:rPr>
-                          </m:ctrlPr>
-                        </m:sSubSupPr>
-                        <m:e>
-                          <m:r>
-                            <a:rPr lang="en-US" b="0" i="1" smtClean="0">
-                              <a:latin typeface="Cambria Math" panose="02040503050406030204" pitchFamily="18" charset="0"/>
-                            </a:rPr>
-                            <m:t>𝑄</m:t>
-                          </m:r>
-                        </m:e>
-                        <m:sub>
-                          <m:r>
-                            <a:rPr lang="en-US" b="0" i="1" smtClean="0">
-                              <a:latin typeface="Cambria Math" panose="02040503050406030204" pitchFamily="18" charset="0"/>
-                            </a:rPr>
-                            <m:t>𝑡</m:t>
-                          </m:r>
-                          <m:r>
-                            <a:rPr lang="en-US" b="0" i="1" smtClean="0">
-                              <a:latin typeface="Cambria Math" panose="02040503050406030204" pitchFamily="18" charset="0"/>
-                            </a:rPr>
-                            <m:t>+1</m:t>
-                          </m:r>
-                        </m:sub>
-                        <m:sup>
-                          <m:r>
-                            <a:rPr lang="en-US" b="0" i="1" smtClean="0">
-                              <a:latin typeface="Cambria Math" panose="02040503050406030204" pitchFamily="18" charset="0"/>
-                            </a:rPr>
-                            <m:t>(</m:t>
-                          </m:r>
-                          <m:r>
-                            <a:rPr lang="en-US" b="0" i="1" smtClean="0">
-                              <a:latin typeface="Cambria Math" panose="02040503050406030204" pitchFamily="18" charset="0"/>
-                            </a:rPr>
-                            <m:t>𝑙</m:t>
-                          </m:r>
-                          <m:r>
-                            <a:rPr lang="en-US" b="0" i="1" smtClean="0">
-                              <a:latin typeface="Cambria Math" panose="02040503050406030204" pitchFamily="18" charset="0"/>
-                            </a:rPr>
-                            <m:t>−1)</m:t>
-                          </m:r>
-                        </m:sup>
-                      </m:sSubSup>
-                    </m:oMath>
-                  </m:oMathPara>
-                </a14:m>
-                <a:endParaRPr lang="en-US" dirty="0"/>
-              </a:p>
-            </p:txBody>
-          </p:sp>
-        </mc:Choice>
-        <mc:Fallback>
-          <p:sp>
-            <p:nvSpPr>
-              <p:cNvPr id="7" name="TextBox 6">
-                <a:extLst>
-                  <a:ext uri="{FF2B5EF4-FFF2-40B4-BE49-F238E27FC236}">
-                    <a16:creationId xmlns:a16="http://schemas.microsoft.com/office/drawing/2014/main" id="{A04610FE-E058-49ED-AFA6-870DF45B80E7}"/>
-                  </a:ext>
-                </a:extLst>
-              </p:cNvPr>
-              <p:cNvSpPr txBox="1">
-                <a:spLocks noRot="1" noChangeAspect="1" noMove="1" noResize="1" noEditPoints="1" noAdjustHandles="1" noChangeArrowheads="1" noChangeShapeType="1" noTextEdit="1"/>
-              </p:cNvSpPr>
-              <p:nvPr/>
-            </p:nvSpPr>
-            <p:spPr>
-              <a:xfrm>
-                <a:off x="5574929" y="3706071"/>
-                <a:ext cx="1904880" cy="347403"/>
-              </a:xfrm>
-              <a:prstGeom prst="rect">
-                <a:avLst/>
-              </a:prstGeom>
-              <a:blipFill>
-                <a:blip r:embed="rId5"/>
-                <a:stretch>
-                  <a:fillRect l="-3526" t="-3509" r="-2244" b="-21053"/>
-                </a:stretch>
-              </a:blipFill>
-            </p:spPr>
-            <p:txBody>
-              <a:bodyPr/>
-              <a:lstStyle/>
-              <a:p>
-                <a:r>
-                  <a:rPr lang="en-US">
-                    <a:noFill/>
-                  </a:rPr>
-                  <a:t> </a:t>
-                </a:r>
-              </a:p>
-            </p:txBody>
-          </p:sp>
-        </mc:Fallback>
-      </mc:AlternateContent>
-      <mc:AlternateContent xmlns:mc="http://schemas.openxmlformats.org/markup-compatibility/2006">
-        <mc:Choice xmlns:a14="http://schemas.microsoft.com/office/drawing/2010/main" Requires="a14">
-          <p:sp>
-            <p:nvSpPr>
-              <p:cNvPr id="8" name="TextBox 7">
-                <a:extLst>
-                  <a:ext uri="{FF2B5EF4-FFF2-40B4-BE49-F238E27FC236}">
-                    <a16:creationId xmlns:a16="http://schemas.microsoft.com/office/drawing/2014/main" id="{21654551-663B-489B-95CF-3438CDE08FBA}"/>
-                  </a:ext>
-                </a:extLst>
-              </p:cNvPr>
-              <p:cNvSpPr txBox="1"/>
-              <p:nvPr/>
-            </p:nvSpPr>
-            <p:spPr>
-              <a:xfrm>
-                <a:off x="5582359" y="3429000"/>
-                <a:ext cx="226023" cy="276999"/>
-              </a:xfrm>
-              <a:prstGeom prst="rect">
-                <a:avLst/>
-              </a:prstGeom>
-              <a:noFill/>
-            </p:spPr>
-            <p:txBody>
-              <a:bodyPr wrap="none" lIns="0" tIns="0" rIns="0" bIns="0" rtlCol="0">
-                <a:spAutoFit/>
-              </a:bodyPr>
-              <a:lstStyle/>
-              <a:p>
                 <a:pPr/>
                 <a14:m>
                   <m:oMathPara xmlns:m="http://schemas.openxmlformats.org/officeDocument/2006/math">
@@ -5326,6 +7087,928 @@
     </p:spTree>
     <p:extLst>
       <p:ext uri="{BB962C8B-B14F-4D97-AF65-F5344CB8AC3E}">
+        <p14:creationId xmlns:p14="http://schemas.microsoft.com/office/powerpoint/2010/main" val="3069642352"/>
+      </p:ext>
+    </p:extLst>
+  </p:cSld>
+  <p:clrMapOvr>
+    <a:masterClrMapping/>
+  </p:clrMapOvr>
+</p:sld>
+</file>
+
+<file path=ppt/slides/slide3.xml><?xml version="1.0" encoding="utf-8"?>
+<p:sld xmlns:a="http://schemas.openxmlformats.org/drawingml/2006/main" xmlns:r="http://schemas.openxmlformats.org/officeDocument/2006/relationships" xmlns:p="http://schemas.openxmlformats.org/presentationml/2006/main">
+  <p:cSld>
+    <p:spTree>
+      <p:nvGrpSpPr>
+        <p:cNvPr id="1" name=""/>
+        <p:cNvGrpSpPr/>
+        <p:nvPr/>
+      </p:nvGrpSpPr>
+      <p:grpSpPr>
+        <a:xfrm>
+          <a:off x="0" y="0"/>
+          <a:ext cx="0" cy="0"/>
+          <a:chOff x="0" y="0"/>
+          <a:chExt cx="0" cy="0"/>
+        </a:xfrm>
+      </p:grpSpPr>
+      <mc:AlternateContent xmlns:mc="http://schemas.openxmlformats.org/markup-compatibility/2006" xmlns:a14="http://schemas.microsoft.com/office/drawing/2010/main">
+        <mc:Choice Requires="a14">
+          <p:sp>
+            <p:nvSpPr>
+              <p:cNvPr id="4" name="TextBox 3">
+                <a:extLst>
+                  <a:ext uri="{FF2B5EF4-FFF2-40B4-BE49-F238E27FC236}">
+                    <a16:creationId xmlns:a16="http://schemas.microsoft.com/office/drawing/2014/main" id="{B3B72085-1BCC-41D9-8935-2AAA6CF6DDA9}"/>
+                  </a:ext>
+                </a:extLst>
+              </p:cNvPr>
+              <p:cNvSpPr txBox="1"/>
+              <p:nvPr/>
+            </p:nvSpPr>
+            <p:spPr>
+              <a:xfrm>
+                <a:off x="5582359" y="2144472"/>
+                <a:ext cx="936282" cy="345992"/>
+              </a:xfrm>
+              <a:prstGeom prst="rect">
+                <a:avLst/>
+              </a:prstGeom>
+              <a:noFill/>
+            </p:spPr>
+            <p:txBody>
+              <a:bodyPr wrap="none" lIns="0" tIns="0" rIns="0" bIns="0" rtlCol="0">
+                <a:spAutoFit/>
+              </a:bodyPr>
+              <a:lstStyle/>
+              <a:p>
+                <a:pPr/>
+                <a14:m>
+                  <m:oMathPara xmlns:m="http://schemas.openxmlformats.org/officeDocument/2006/math">
+                    <m:oMathParaPr>
+                      <m:jc m:val="centerGroup"/>
+                    </m:oMathParaPr>
+                    <m:oMath xmlns:m="http://schemas.openxmlformats.org/officeDocument/2006/math">
+                      <m:sSubSup>
+                        <m:sSubSupPr>
+                          <m:ctrlPr>
+                            <a:rPr lang="en-US" b="0" i="1" smtClean="0">
+                              <a:latin typeface="Cambria Math" panose="02040503050406030204" pitchFamily="18" charset="0"/>
+                            </a:rPr>
+                          </m:ctrlPr>
+                        </m:sSubSupPr>
+                        <m:e>
+                          <m:r>
+                            <a:rPr lang="en-US" b="0" i="1" smtClean="0">
+                              <a:latin typeface="Cambria Math" panose="02040503050406030204" pitchFamily="18" charset="0"/>
+                            </a:rPr>
+                            <m:t>𝑄</m:t>
+                          </m:r>
+                        </m:e>
+                        <m:sub>
+                          <m:r>
+                            <a:rPr lang="en-US" b="0" i="1" smtClean="0">
+                              <a:latin typeface="Cambria Math" panose="02040503050406030204" pitchFamily="18" charset="0"/>
+                            </a:rPr>
+                            <m:t>𝑡</m:t>
+                          </m:r>
+                        </m:sub>
+                        <m:sup>
+                          <m:r>
+                            <a:rPr lang="en-US" b="0" i="1" smtClean="0">
+                              <a:latin typeface="Cambria Math" panose="02040503050406030204" pitchFamily="18" charset="0"/>
+                            </a:rPr>
+                            <m:t>(0)</m:t>
+                          </m:r>
+                        </m:sup>
+                      </m:sSubSup>
+                      <m:r>
+                        <a:rPr lang="en-US" b="0" i="1" smtClean="0">
+                          <a:latin typeface="Cambria Math" panose="02040503050406030204" pitchFamily="18" charset="0"/>
+                        </a:rPr>
+                        <m:t>=</m:t>
+                      </m:r>
+                      <m:sSub>
+                        <m:sSubPr>
+                          <m:ctrlPr>
+                            <a:rPr lang="en-US" b="0" i="1" smtClean="0">
+                              <a:latin typeface="Cambria Math" panose="02040503050406030204" pitchFamily="18" charset="0"/>
+                            </a:rPr>
+                          </m:ctrlPr>
+                        </m:sSubPr>
+                        <m:e>
+                          <m:r>
+                            <a:rPr lang="en-US" b="0" i="1" smtClean="0">
+                              <a:latin typeface="Cambria Math" panose="02040503050406030204" pitchFamily="18" charset="0"/>
+                            </a:rPr>
+                            <m:t>𝑟</m:t>
+                          </m:r>
+                        </m:e>
+                        <m:sub>
+                          <m:r>
+                            <a:rPr lang="en-US" b="0" i="1" smtClean="0">
+                              <a:latin typeface="Cambria Math" panose="02040503050406030204" pitchFamily="18" charset="0"/>
+                            </a:rPr>
+                            <m:t>𝑡</m:t>
+                          </m:r>
+                        </m:sub>
+                      </m:sSub>
+                    </m:oMath>
+                  </m:oMathPara>
+                </a14:m>
+                <a:endParaRPr lang="en-US" dirty="0"/>
+              </a:p>
+            </p:txBody>
+          </p:sp>
+        </mc:Choice>
+        <mc:Fallback xmlns="">
+          <p:sp>
+            <p:nvSpPr>
+              <p:cNvPr id="4" name="TextBox 3">
+                <a:extLst>
+                  <a:ext uri="{FF2B5EF4-FFF2-40B4-BE49-F238E27FC236}">
+                    <a16:creationId xmlns:a16="http://schemas.microsoft.com/office/drawing/2014/main" id="{B3B72085-1BCC-41D9-8935-2AAA6CF6DDA9}"/>
+                  </a:ext>
+                </a:extLst>
+              </p:cNvPr>
+              <p:cNvSpPr txBox="1">
+                <a:spLocks noRot="1" noChangeAspect="1" noMove="1" noResize="1" noEditPoints="1" noAdjustHandles="1" noChangeArrowheads="1" noChangeShapeType="1" noTextEdit="1"/>
+              </p:cNvSpPr>
+              <p:nvPr/>
+            </p:nvSpPr>
+            <p:spPr>
+              <a:xfrm>
+                <a:off x="5582359" y="2144472"/>
+                <a:ext cx="936282" cy="345992"/>
+              </a:xfrm>
+              <a:prstGeom prst="rect">
+                <a:avLst/>
+              </a:prstGeom>
+              <a:blipFill>
+                <a:blip r:embed="rId2"/>
+                <a:stretch>
+                  <a:fillRect l="-7843" t="-3509" r="-1961" b="-21053"/>
+                </a:stretch>
+              </a:blipFill>
+            </p:spPr>
+            <p:txBody>
+              <a:bodyPr/>
+              <a:lstStyle/>
+              <a:p>
+                <a:r>
+                  <a:rPr lang="en-US">
+                    <a:noFill/>
+                  </a:rPr>
+                  <a:t> </a:t>
+                </a:r>
+              </a:p>
+            </p:txBody>
+          </p:sp>
+        </mc:Fallback>
+      </mc:AlternateContent>
+      <mc:AlternateContent xmlns:mc="http://schemas.openxmlformats.org/markup-compatibility/2006" xmlns:a14="http://schemas.microsoft.com/office/drawing/2010/main">
+        <mc:Choice Requires="a14">
+          <p:sp>
+            <p:nvSpPr>
+              <p:cNvPr id="5" name="TextBox 4">
+                <a:extLst>
+                  <a:ext uri="{FF2B5EF4-FFF2-40B4-BE49-F238E27FC236}">
+                    <a16:creationId xmlns:a16="http://schemas.microsoft.com/office/drawing/2014/main" id="{75BD52F2-A558-4F29-BE10-2E71A0A6FA23}"/>
+                  </a:ext>
+                </a:extLst>
+              </p:cNvPr>
+              <p:cNvSpPr txBox="1"/>
+              <p:nvPr/>
+            </p:nvSpPr>
+            <p:spPr>
+              <a:xfrm>
+                <a:off x="5578644" y="2542281"/>
+                <a:ext cx="1795620" cy="347403"/>
+              </a:xfrm>
+              <a:prstGeom prst="rect">
+                <a:avLst/>
+              </a:prstGeom>
+              <a:noFill/>
+            </p:spPr>
+            <p:txBody>
+              <a:bodyPr wrap="none" lIns="0" tIns="0" rIns="0" bIns="0" rtlCol="0">
+                <a:spAutoFit/>
+              </a:bodyPr>
+              <a:lstStyle/>
+              <a:p>
+                <a:pPr/>
+                <a14:m>
+                  <m:oMathPara xmlns:m="http://schemas.openxmlformats.org/officeDocument/2006/math">
+                    <m:oMathParaPr>
+                      <m:jc m:val="centerGroup"/>
+                    </m:oMathParaPr>
+                    <m:oMath xmlns:m="http://schemas.openxmlformats.org/officeDocument/2006/math">
+                      <m:sSubSup>
+                        <m:sSubSupPr>
+                          <m:ctrlPr>
+                            <a:rPr lang="en-US" b="0" i="1" smtClean="0">
+                              <a:latin typeface="Cambria Math" panose="02040503050406030204" pitchFamily="18" charset="0"/>
+                            </a:rPr>
+                          </m:ctrlPr>
+                        </m:sSubSupPr>
+                        <m:e>
+                          <m:r>
+                            <a:rPr lang="en-US" b="0" i="1" smtClean="0">
+                              <a:latin typeface="Cambria Math" panose="02040503050406030204" pitchFamily="18" charset="0"/>
+                            </a:rPr>
+                            <m:t>𝑄</m:t>
+                          </m:r>
+                        </m:e>
+                        <m:sub>
+                          <m:r>
+                            <a:rPr lang="en-US" b="0" i="1" smtClean="0">
+                              <a:latin typeface="Cambria Math" panose="02040503050406030204" pitchFamily="18" charset="0"/>
+                            </a:rPr>
+                            <m:t>𝑡</m:t>
+                          </m:r>
+                        </m:sub>
+                        <m:sup>
+                          <m:r>
+                            <a:rPr lang="en-US" b="0" i="1" smtClean="0">
+                              <a:latin typeface="Cambria Math" panose="02040503050406030204" pitchFamily="18" charset="0"/>
+                            </a:rPr>
+                            <m:t>(1)</m:t>
+                          </m:r>
+                        </m:sup>
+                      </m:sSubSup>
+                      <m:r>
+                        <a:rPr lang="en-US" b="0" i="1" smtClean="0">
+                          <a:latin typeface="Cambria Math" panose="02040503050406030204" pitchFamily="18" charset="0"/>
+                        </a:rPr>
+                        <m:t>=</m:t>
+                      </m:r>
+                      <m:sSub>
+                        <m:sSubPr>
+                          <m:ctrlPr>
+                            <a:rPr lang="en-US" b="0" i="1" smtClean="0">
+                              <a:latin typeface="Cambria Math" panose="02040503050406030204" pitchFamily="18" charset="0"/>
+                            </a:rPr>
+                          </m:ctrlPr>
+                        </m:sSubPr>
+                        <m:e>
+                          <m:r>
+                            <a:rPr lang="en-US" b="0" i="1" smtClean="0">
+                              <a:latin typeface="Cambria Math" panose="02040503050406030204" pitchFamily="18" charset="0"/>
+                            </a:rPr>
+                            <m:t>𝑟</m:t>
+                          </m:r>
+                        </m:e>
+                        <m:sub>
+                          <m:r>
+                            <a:rPr lang="en-US" b="0" i="1" smtClean="0">
+                              <a:latin typeface="Cambria Math" panose="02040503050406030204" pitchFamily="18" charset="0"/>
+                            </a:rPr>
+                            <m:t>𝑡</m:t>
+                          </m:r>
+                        </m:sub>
+                      </m:sSub>
+                      <m:r>
+                        <a:rPr lang="en-US" b="0" i="1" smtClean="0">
+                          <a:latin typeface="Cambria Math" panose="02040503050406030204" pitchFamily="18" charset="0"/>
+                        </a:rPr>
+                        <m:t>+</m:t>
+                      </m:r>
+                      <m:r>
+                        <a:rPr lang="en-US" b="0" i="1" smtClean="0">
+                          <a:latin typeface="Cambria Math" panose="02040503050406030204" pitchFamily="18" charset="0"/>
+                          <a:ea typeface="Cambria Math" panose="02040503050406030204" pitchFamily="18" charset="0"/>
+                        </a:rPr>
+                        <m:t>𝛾</m:t>
+                      </m:r>
+                      <m:sSubSup>
+                        <m:sSubSupPr>
+                          <m:ctrlPr>
+                            <a:rPr lang="en-US" b="0" i="1" smtClean="0">
+                              <a:latin typeface="Cambria Math" panose="02040503050406030204" pitchFamily="18" charset="0"/>
+                            </a:rPr>
+                          </m:ctrlPr>
+                        </m:sSubSupPr>
+                        <m:e>
+                          <m:r>
+                            <a:rPr lang="en-US" b="0" i="1" smtClean="0">
+                              <a:latin typeface="Cambria Math" panose="02040503050406030204" pitchFamily="18" charset="0"/>
+                            </a:rPr>
+                            <m:t>𝑄</m:t>
+                          </m:r>
+                        </m:e>
+                        <m:sub>
+                          <m:r>
+                            <a:rPr lang="en-US" b="0" i="1" smtClean="0">
+                              <a:latin typeface="Cambria Math" panose="02040503050406030204" pitchFamily="18" charset="0"/>
+                            </a:rPr>
+                            <m:t>𝑡</m:t>
+                          </m:r>
+                          <m:r>
+                            <a:rPr lang="en-US" b="0" i="1" smtClean="0">
+                              <a:latin typeface="Cambria Math" panose="02040503050406030204" pitchFamily="18" charset="0"/>
+                            </a:rPr>
+                            <m:t>+1</m:t>
+                          </m:r>
+                        </m:sub>
+                        <m:sup>
+                          <m:r>
+                            <a:rPr lang="en-US" b="0" i="1" smtClean="0">
+                              <a:latin typeface="Cambria Math" panose="02040503050406030204" pitchFamily="18" charset="0"/>
+                            </a:rPr>
+                            <m:t>(0)</m:t>
+                          </m:r>
+                        </m:sup>
+                      </m:sSubSup>
+                    </m:oMath>
+                  </m:oMathPara>
+                </a14:m>
+                <a:endParaRPr lang="en-US" dirty="0"/>
+              </a:p>
+            </p:txBody>
+          </p:sp>
+        </mc:Choice>
+        <mc:Fallback xmlns="">
+          <p:sp>
+            <p:nvSpPr>
+              <p:cNvPr id="5" name="TextBox 4">
+                <a:extLst>
+                  <a:ext uri="{FF2B5EF4-FFF2-40B4-BE49-F238E27FC236}">
+                    <a16:creationId xmlns:a16="http://schemas.microsoft.com/office/drawing/2014/main" id="{75BD52F2-A558-4F29-BE10-2E71A0A6FA23}"/>
+                  </a:ext>
+                </a:extLst>
+              </p:cNvPr>
+              <p:cNvSpPr txBox="1">
+                <a:spLocks noRot="1" noChangeAspect="1" noMove="1" noResize="1" noEditPoints="1" noAdjustHandles="1" noChangeArrowheads="1" noChangeShapeType="1" noTextEdit="1"/>
+              </p:cNvSpPr>
+              <p:nvPr/>
+            </p:nvSpPr>
+            <p:spPr>
+              <a:xfrm>
+                <a:off x="5578644" y="2542281"/>
+                <a:ext cx="1795620" cy="347403"/>
+              </a:xfrm>
+              <a:prstGeom prst="rect">
+                <a:avLst/>
+              </a:prstGeom>
+              <a:blipFill>
+                <a:blip r:embed="rId3"/>
+                <a:stretch>
+                  <a:fillRect l="-3729" t="-3509" r="-1017" b="-21053"/>
+                </a:stretch>
+              </a:blipFill>
+            </p:spPr>
+            <p:txBody>
+              <a:bodyPr/>
+              <a:lstStyle/>
+              <a:p>
+                <a:r>
+                  <a:rPr lang="en-US">
+                    <a:noFill/>
+                  </a:rPr>
+                  <a:t> </a:t>
+                </a:r>
+              </a:p>
+            </p:txBody>
+          </p:sp>
+        </mc:Fallback>
+      </mc:AlternateContent>
+      <mc:AlternateContent xmlns:mc="http://schemas.openxmlformats.org/markup-compatibility/2006" xmlns:a14="http://schemas.microsoft.com/office/drawing/2010/main">
+        <mc:Choice Requires="a14">
+          <p:sp>
+            <p:nvSpPr>
+              <p:cNvPr id="6" name="TextBox 5">
+                <a:extLst>
+                  <a:ext uri="{FF2B5EF4-FFF2-40B4-BE49-F238E27FC236}">
+                    <a16:creationId xmlns:a16="http://schemas.microsoft.com/office/drawing/2014/main" id="{210CEE0E-A5A3-4B4B-AD9A-5D66B08DA0DC}"/>
+                  </a:ext>
+                </a:extLst>
+              </p:cNvPr>
+              <p:cNvSpPr txBox="1"/>
+              <p:nvPr/>
+            </p:nvSpPr>
+            <p:spPr>
+              <a:xfrm>
+                <a:off x="5574929" y="2940090"/>
+                <a:ext cx="1795620" cy="347403"/>
+              </a:xfrm>
+              <a:prstGeom prst="rect">
+                <a:avLst/>
+              </a:prstGeom>
+              <a:noFill/>
+            </p:spPr>
+            <p:txBody>
+              <a:bodyPr wrap="none" lIns="0" tIns="0" rIns="0" bIns="0" rtlCol="0">
+                <a:spAutoFit/>
+              </a:bodyPr>
+              <a:lstStyle/>
+              <a:p>
+                <a:pPr/>
+                <a14:m>
+                  <m:oMathPara xmlns:m="http://schemas.openxmlformats.org/officeDocument/2006/math">
+                    <m:oMathParaPr>
+                      <m:jc m:val="centerGroup"/>
+                    </m:oMathParaPr>
+                    <m:oMath xmlns:m="http://schemas.openxmlformats.org/officeDocument/2006/math">
+                      <m:sSubSup>
+                        <m:sSubSupPr>
+                          <m:ctrlPr>
+                            <a:rPr lang="en-US" b="0" i="1" smtClean="0">
+                              <a:latin typeface="Cambria Math" panose="02040503050406030204" pitchFamily="18" charset="0"/>
+                            </a:rPr>
+                          </m:ctrlPr>
+                        </m:sSubSupPr>
+                        <m:e>
+                          <m:r>
+                            <a:rPr lang="en-US" b="0" i="1" smtClean="0">
+                              <a:latin typeface="Cambria Math" panose="02040503050406030204" pitchFamily="18" charset="0"/>
+                            </a:rPr>
+                            <m:t>𝑄</m:t>
+                          </m:r>
+                        </m:e>
+                        <m:sub>
+                          <m:r>
+                            <a:rPr lang="en-US" b="0" i="1" smtClean="0">
+                              <a:latin typeface="Cambria Math" panose="02040503050406030204" pitchFamily="18" charset="0"/>
+                            </a:rPr>
+                            <m:t>𝑡</m:t>
+                          </m:r>
+                        </m:sub>
+                        <m:sup>
+                          <m:r>
+                            <a:rPr lang="en-US" b="0" i="1" smtClean="0">
+                              <a:latin typeface="Cambria Math" panose="02040503050406030204" pitchFamily="18" charset="0"/>
+                            </a:rPr>
+                            <m:t>(2)</m:t>
+                          </m:r>
+                        </m:sup>
+                      </m:sSubSup>
+                      <m:r>
+                        <a:rPr lang="en-US" b="0" i="1" smtClean="0">
+                          <a:latin typeface="Cambria Math" panose="02040503050406030204" pitchFamily="18" charset="0"/>
+                        </a:rPr>
+                        <m:t>=</m:t>
+                      </m:r>
+                      <m:sSub>
+                        <m:sSubPr>
+                          <m:ctrlPr>
+                            <a:rPr lang="en-US" b="0" i="1" smtClean="0">
+                              <a:latin typeface="Cambria Math" panose="02040503050406030204" pitchFamily="18" charset="0"/>
+                            </a:rPr>
+                          </m:ctrlPr>
+                        </m:sSubPr>
+                        <m:e>
+                          <m:r>
+                            <a:rPr lang="en-US" b="0" i="1" smtClean="0">
+                              <a:latin typeface="Cambria Math" panose="02040503050406030204" pitchFamily="18" charset="0"/>
+                            </a:rPr>
+                            <m:t>𝑟</m:t>
+                          </m:r>
+                        </m:e>
+                        <m:sub>
+                          <m:r>
+                            <a:rPr lang="en-US" b="0" i="1" smtClean="0">
+                              <a:latin typeface="Cambria Math" panose="02040503050406030204" pitchFamily="18" charset="0"/>
+                            </a:rPr>
+                            <m:t>𝑡</m:t>
+                          </m:r>
+                        </m:sub>
+                      </m:sSub>
+                      <m:r>
+                        <a:rPr lang="en-US" b="0" i="1" smtClean="0">
+                          <a:latin typeface="Cambria Math" panose="02040503050406030204" pitchFamily="18" charset="0"/>
+                        </a:rPr>
+                        <m:t>+</m:t>
+                      </m:r>
+                      <m:r>
+                        <a:rPr lang="en-US" b="0" i="1" smtClean="0">
+                          <a:latin typeface="Cambria Math" panose="02040503050406030204" pitchFamily="18" charset="0"/>
+                          <a:ea typeface="Cambria Math" panose="02040503050406030204" pitchFamily="18" charset="0"/>
+                        </a:rPr>
+                        <m:t>𝛾</m:t>
+                      </m:r>
+                      <m:sSubSup>
+                        <m:sSubSupPr>
+                          <m:ctrlPr>
+                            <a:rPr lang="en-US" b="0" i="1" smtClean="0">
+                              <a:latin typeface="Cambria Math" panose="02040503050406030204" pitchFamily="18" charset="0"/>
+                            </a:rPr>
+                          </m:ctrlPr>
+                        </m:sSubSupPr>
+                        <m:e>
+                          <m:r>
+                            <a:rPr lang="en-US" b="0" i="1" smtClean="0">
+                              <a:latin typeface="Cambria Math" panose="02040503050406030204" pitchFamily="18" charset="0"/>
+                            </a:rPr>
+                            <m:t>𝑄</m:t>
+                          </m:r>
+                        </m:e>
+                        <m:sub>
+                          <m:r>
+                            <a:rPr lang="en-US" b="0" i="1" smtClean="0">
+                              <a:latin typeface="Cambria Math" panose="02040503050406030204" pitchFamily="18" charset="0"/>
+                            </a:rPr>
+                            <m:t>𝑡</m:t>
+                          </m:r>
+                          <m:r>
+                            <a:rPr lang="en-US" b="0" i="1" smtClean="0">
+                              <a:latin typeface="Cambria Math" panose="02040503050406030204" pitchFamily="18" charset="0"/>
+                            </a:rPr>
+                            <m:t>+1</m:t>
+                          </m:r>
+                        </m:sub>
+                        <m:sup>
+                          <m:r>
+                            <a:rPr lang="en-US" b="0" i="1" smtClean="0">
+                              <a:latin typeface="Cambria Math" panose="02040503050406030204" pitchFamily="18" charset="0"/>
+                            </a:rPr>
+                            <m:t>(1)</m:t>
+                          </m:r>
+                        </m:sup>
+                      </m:sSubSup>
+                    </m:oMath>
+                  </m:oMathPara>
+                </a14:m>
+                <a:endParaRPr lang="en-US" dirty="0"/>
+              </a:p>
+            </p:txBody>
+          </p:sp>
+        </mc:Choice>
+        <mc:Fallback xmlns="">
+          <p:sp>
+            <p:nvSpPr>
+              <p:cNvPr id="6" name="TextBox 5">
+                <a:extLst>
+                  <a:ext uri="{FF2B5EF4-FFF2-40B4-BE49-F238E27FC236}">
+                    <a16:creationId xmlns:a16="http://schemas.microsoft.com/office/drawing/2014/main" id="{210CEE0E-A5A3-4B4B-AD9A-5D66B08DA0DC}"/>
+                  </a:ext>
+                </a:extLst>
+              </p:cNvPr>
+              <p:cNvSpPr txBox="1">
+                <a:spLocks noRot="1" noChangeAspect="1" noMove="1" noResize="1" noEditPoints="1" noAdjustHandles="1" noChangeArrowheads="1" noChangeShapeType="1" noTextEdit="1"/>
+              </p:cNvSpPr>
+              <p:nvPr/>
+            </p:nvSpPr>
+            <p:spPr>
+              <a:xfrm>
+                <a:off x="5574929" y="2940090"/>
+                <a:ext cx="1795620" cy="347403"/>
+              </a:xfrm>
+              <a:prstGeom prst="rect">
+                <a:avLst/>
+              </a:prstGeom>
+              <a:blipFill>
+                <a:blip r:embed="rId4"/>
+                <a:stretch>
+                  <a:fillRect l="-3741" t="-3509" r="-1020" b="-21053"/>
+                </a:stretch>
+              </a:blipFill>
+            </p:spPr>
+            <p:txBody>
+              <a:bodyPr/>
+              <a:lstStyle/>
+              <a:p>
+                <a:r>
+                  <a:rPr lang="en-US">
+                    <a:noFill/>
+                  </a:rPr>
+                  <a:t> </a:t>
+                </a:r>
+              </a:p>
+            </p:txBody>
+          </p:sp>
+        </mc:Fallback>
+      </mc:AlternateContent>
+      <mc:AlternateContent xmlns:mc="http://schemas.openxmlformats.org/markup-compatibility/2006" xmlns:a14="http://schemas.microsoft.com/office/drawing/2010/main">
+        <mc:Choice Requires="a14">
+          <p:sp>
+            <p:nvSpPr>
+              <p:cNvPr id="7" name="TextBox 6">
+                <a:extLst>
+                  <a:ext uri="{FF2B5EF4-FFF2-40B4-BE49-F238E27FC236}">
+                    <a16:creationId xmlns:a16="http://schemas.microsoft.com/office/drawing/2014/main" id="{A04610FE-E058-49ED-AFA6-870DF45B80E7}"/>
+                  </a:ext>
+                </a:extLst>
+              </p:cNvPr>
+              <p:cNvSpPr txBox="1"/>
+              <p:nvPr/>
+            </p:nvSpPr>
+            <p:spPr>
+              <a:xfrm>
+                <a:off x="5574929" y="3706071"/>
+                <a:ext cx="1904880" cy="347403"/>
+              </a:xfrm>
+              <a:prstGeom prst="rect">
+                <a:avLst/>
+              </a:prstGeom>
+              <a:noFill/>
+            </p:spPr>
+            <p:txBody>
+              <a:bodyPr wrap="none" lIns="0" tIns="0" rIns="0" bIns="0" rtlCol="0">
+                <a:spAutoFit/>
+              </a:bodyPr>
+              <a:lstStyle/>
+              <a:p>
+                <a:pPr/>
+                <a14:m>
+                  <m:oMathPara xmlns:m="http://schemas.openxmlformats.org/officeDocument/2006/math">
+                    <m:oMathParaPr>
+                      <m:jc m:val="centerGroup"/>
+                    </m:oMathParaPr>
+                    <m:oMath xmlns:m="http://schemas.openxmlformats.org/officeDocument/2006/math">
+                      <m:sSubSup>
+                        <m:sSubSupPr>
+                          <m:ctrlPr>
+                            <a:rPr lang="en-US" b="0" i="1" smtClean="0">
+                              <a:latin typeface="Cambria Math" panose="02040503050406030204" pitchFamily="18" charset="0"/>
+                            </a:rPr>
+                          </m:ctrlPr>
+                        </m:sSubSupPr>
+                        <m:e>
+                          <m:r>
+                            <a:rPr lang="en-US" b="0" i="1" smtClean="0">
+                              <a:latin typeface="Cambria Math" panose="02040503050406030204" pitchFamily="18" charset="0"/>
+                            </a:rPr>
+                            <m:t>𝑄</m:t>
+                          </m:r>
+                        </m:e>
+                        <m:sub>
+                          <m:r>
+                            <a:rPr lang="en-US" b="0" i="1" smtClean="0">
+                              <a:latin typeface="Cambria Math" panose="02040503050406030204" pitchFamily="18" charset="0"/>
+                            </a:rPr>
+                            <m:t>𝑡</m:t>
+                          </m:r>
+                        </m:sub>
+                        <m:sup>
+                          <m:r>
+                            <a:rPr lang="en-US" b="0" i="1" smtClean="0">
+                              <a:latin typeface="Cambria Math" panose="02040503050406030204" pitchFamily="18" charset="0"/>
+                            </a:rPr>
+                            <m:t>(</m:t>
+                          </m:r>
+                          <m:r>
+                            <a:rPr lang="en-US" b="0" i="1" smtClean="0">
+                              <a:latin typeface="Cambria Math" panose="02040503050406030204" pitchFamily="18" charset="0"/>
+                            </a:rPr>
+                            <m:t>𝑙</m:t>
+                          </m:r>
+                          <m:r>
+                            <a:rPr lang="en-US" b="0" i="1" smtClean="0">
+                              <a:latin typeface="Cambria Math" panose="02040503050406030204" pitchFamily="18" charset="0"/>
+                            </a:rPr>
+                            <m:t>)</m:t>
+                          </m:r>
+                        </m:sup>
+                      </m:sSubSup>
+                      <m:r>
+                        <a:rPr lang="en-US" b="0" i="1" smtClean="0">
+                          <a:latin typeface="Cambria Math" panose="02040503050406030204" pitchFamily="18" charset="0"/>
+                        </a:rPr>
+                        <m:t>=</m:t>
+                      </m:r>
+                      <m:sSub>
+                        <m:sSubPr>
+                          <m:ctrlPr>
+                            <a:rPr lang="en-US" b="0" i="1" smtClean="0">
+                              <a:latin typeface="Cambria Math" panose="02040503050406030204" pitchFamily="18" charset="0"/>
+                            </a:rPr>
+                          </m:ctrlPr>
+                        </m:sSubPr>
+                        <m:e>
+                          <m:r>
+                            <a:rPr lang="en-US" b="0" i="1" smtClean="0">
+                              <a:latin typeface="Cambria Math" panose="02040503050406030204" pitchFamily="18" charset="0"/>
+                            </a:rPr>
+                            <m:t>𝑟</m:t>
+                          </m:r>
+                        </m:e>
+                        <m:sub>
+                          <m:r>
+                            <a:rPr lang="en-US" b="0" i="1" smtClean="0">
+                              <a:latin typeface="Cambria Math" panose="02040503050406030204" pitchFamily="18" charset="0"/>
+                            </a:rPr>
+                            <m:t>𝑡</m:t>
+                          </m:r>
+                        </m:sub>
+                      </m:sSub>
+                      <m:r>
+                        <a:rPr lang="en-US" b="0" i="1" smtClean="0">
+                          <a:latin typeface="Cambria Math" panose="02040503050406030204" pitchFamily="18" charset="0"/>
+                        </a:rPr>
+                        <m:t>+</m:t>
+                      </m:r>
+                      <m:r>
+                        <a:rPr lang="en-US" b="0" i="1" smtClean="0">
+                          <a:latin typeface="Cambria Math" panose="02040503050406030204" pitchFamily="18" charset="0"/>
+                          <a:ea typeface="Cambria Math" panose="02040503050406030204" pitchFamily="18" charset="0"/>
+                        </a:rPr>
+                        <m:t>𝛾</m:t>
+                      </m:r>
+                      <m:sSubSup>
+                        <m:sSubSupPr>
+                          <m:ctrlPr>
+                            <a:rPr lang="en-US" b="0" i="1" smtClean="0">
+                              <a:latin typeface="Cambria Math" panose="02040503050406030204" pitchFamily="18" charset="0"/>
+                            </a:rPr>
+                          </m:ctrlPr>
+                        </m:sSubSupPr>
+                        <m:e>
+                          <m:r>
+                            <a:rPr lang="en-US" b="0" i="1" smtClean="0">
+                              <a:latin typeface="Cambria Math" panose="02040503050406030204" pitchFamily="18" charset="0"/>
+                            </a:rPr>
+                            <m:t>𝑄</m:t>
+                          </m:r>
+                        </m:e>
+                        <m:sub>
+                          <m:r>
+                            <a:rPr lang="en-US" b="0" i="1" smtClean="0">
+                              <a:latin typeface="Cambria Math" panose="02040503050406030204" pitchFamily="18" charset="0"/>
+                            </a:rPr>
+                            <m:t>𝑡</m:t>
+                          </m:r>
+                          <m:r>
+                            <a:rPr lang="en-US" b="0" i="1" smtClean="0">
+                              <a:latin typeface="Cambria Math" panose="02040503050406030204" pitchFamily="18" charset="0"/>
+                            </a:rPr>
+                            <m:t>+1</m:t>
+                          </m:r>
+                        </m:sub>
+                        <m:sup>
+                          <m:r>
+                            <a:rPr lang="en-US" b="0" i="1" smtClean="0">
+                              <a:latin typeface="Cambria Math" panose="02040503050406030204" pitchFamily="18" charset="0"/>
+                            </a:rPr>
+                            <m:t>(</m:t>
+                          </m:r>
+                          <m:r>
+                            <a:rPr lang="en-US" b="0" i="1" smtClean="0">
+                              <a:latin typeface="Cambria Math" panose="02040503050406030204" pitchFamily="18" charset="0"/>
+                            </a:rPr>
+                            <m:t>𝑙</m:t>
+                          </m:r>
+                          <m:r>
+                            <a:rPr lang="en-US" b="0" i="1" smtClean="0">
+                              <a:latin typeface="Cambria Math" panose="02040503050406030204" pitchFamily="18" charset="0"/>
+                            </a:rPr>
+                            <m:t>−1)</m:t>
+                          </m:r>
+                        </m:sup>
+                      </m:sSubSup>
+                    </m:oMath>
+                  </m:oMathPara>
+                </a14:m>
+                <a:endParaRPr lang="en-US" dirty="0"/>
+              </a:p>
+            </p:txBody>
+          </p:sp>
+        </mc:Choice>
+        <mc:Fallback xmlns="">
+          <p:sp>
+            <p:nvSpPr>
+              <p:cNvPr id="7" name="TextBox 6">
+                <a:extLst>
+                  <a:ext uri="{FF2B5EF4-FFF2-40B4-BE49-F238E27FC236}">
+                    <a16:creationId xmlns:a16="http://schemas.microsoft.com/office/drawing/2014/main" id="{A04610FE-E058-49ED-AFA6-870DF45B80E7}"/>
+                  </a:ext>
+                </a:extLst>
+              </p:cNvPr>
+              <p:cNvSpPr txBox="1">
+                <a:spLocks noRot="1" noChangeAspect="1" noMove="1" noResize="1" noEditPoints="1" noAdjustHandles="1" noChangeArrowheads="1" noChangeShapeType="1" noTextEdit="1"/>
+              </p:cNvSpPr>
+              <p:nvPr/>
+            </p:nvSpPr>
+            <p:spPr>
+              <a:xfrm>
+                <a:off x="5574929" y="3706071"/>
+                <a:ext cx="1904880" cy="347403"/>
+              </a:xfrm>
+              <a:prstGeom prst="rect">
+                <a:avLst/>
+              </a:prstGeom>
+              <a:blipFill>
+                <a:blip r:embed="rId5"/>
+                <a:stretch>
+                  <a:fillRect l="-3526" t="-3509" r="-2244" b="-21053"/>
+                </a:stretch>
+              </a:blipFill>
+            </p:spPr>
+            <p:txBody>
+              <a:bodyPr/>
+              <a:lstStyle/>
+              <a:p>
+                <a:r>
+                  <a:rPr lang="en-US">
+                    <a:noFill/>
+                  </a:rPr>
+                  <a:t> </a:t>
+                </a:r>
+              </a:p>
+            </p:txBody>
+          </p:sp>
+        </mc:Fallback>
+      </mc:AlternateContent>
+      <mc:AlternateContent xmlns:mc="http://schemas.openxmlformats.org/markup-compatibility/2006" xmlns:a14="http://schemas.microsoft.com/office/drawing/2010/main">
+        <mc:Choice Requires="a14">
+          <p:sp>
+            <p:nvSpPr>
+              <p:cNvPr id="8" name="TextBox 7">
+                <a:extLst>
+                  <a:ext uri="{FF2B5EF4-FFF2-40B4-BE49-F238E27FC236}">
+                    <a16:creationId xmlns:a16="http://schemas.microsoft.com/office/drawing/2014/main" id="{21654551-663B-489B-95CF-3438CDE08FBA}"/>
+                  </a:ext>
+                </a:extLst>
+              </p:cNvPr>
+              <p:cNvSpPr txBox="1"/>
+              <p:nvPr/>
+            </p:nvSpPr>
+            <p:spPr>
+              <a:xfrm>
+                <a:off x="5582359" y="3429000"/>
+                <a:ext cx="226023" cy="276999"/>
+              </a:xfrm>
+              <a:prstGeom prst="rect">
+                <a:avLst/>
+              </a:prstGeom>
+              <a:noFill/>
+            </p:spPr>
+            <p:txBody>
+              <a:bodyPr wrap="none" lIns="0" tIns="0" rIns="0" bIns="0" rtlCol="0">
+                <a:spAutoFit/>
+              </a:bodyPr>
+              <a:lstStyle/>
+              <a:p>
+                <a:pPr/>
+                <a14:m>
+                  <m:oMathPara xmlns:m="http://schemas.openxmlformats.org/officeDocument/2006/math">
+                    <m:oMathParaPr>
+                      <m:jc m:val="centerGroup"/>
+                    </m:oMathParaPr>
+                    <m:oMath xmlns:m="http://schemas.openxmlformats.org/officeDocument/2006/math">
+                      <m:r>
+                        <a:rPr lang="en-US" b="0" i="1" smtClean="0">
+                          <a:latin typeface="Cambria Math" panose="02040503050406030204" pitchFamily="18" charset="0"/>
+                        </a:rPr>
+                        <m:t>…</m:t>
+                      </m:r>
+                    </m:oMath>
+                  </m:oMathPara>
+                </a14:m>
+                <a:endParaRPr lang="en-US" dirty="0"/>
+              </a:p>
+            </p:txBody>
+          </p:sp>
+        </mc:Choice>
+        <mc:Fallback xmlns="">
+          <p:sp>
+            <p:nvSpPr>
+              <p:cNvPr id="8" name="TextBox 7">
+                <a:extLst>
+                  <a:ext uri="{FF2B5EF4-FFF2-40B4-BE49-F238E27FC236}">
+                    <a16:creationId xmlns:a16="http://schemas.microsoft.com/office/drawing/2014/main" id="{21654551-663B-489B-95CF-3438CDE08FBA}"/>
+                  </a:ext>
+                </a:extLst>
+              </p:cNvPr>
+              <p:cNvSpPr txBox="1">
+                <a:spLocks noRot="1" noChangeAspect="1" noMove="1" noResize="1" noEditPoints="1" noAdjustHandles="1" noChangeArrowheads="1" noChangeShapeType="1" noTextEdit="1"/>
+              </p:cNvSpPr>
+              <p:nvPr/>
+            </p:nvSpPr>
+            <p:spPr>
+              <a:xfrm>
+                <a:off x="5582359" y="3429000"/>
+                <a:ext cx="226023" cy="276999"/>
+              </a:xfrm>
+              <a:prstGeom prst="rect">
+                <a:avLst/>
+              </a:prstGeom>
+              <a:blipFill>
+                <a:blip r:embed="rId6"/>
+                <a:stretch>
+                  <a:fillRect/>
+                </a:stretch>
+              </a:blipFill>
+            </p:spPr>
+            <p:txBody>
+              <a:bodyPr/>
+              <a:lstStyle/>
+              <a:p>
+                <a:r>
+                  <a:rPr lang="en-US">
+                    <a:noFill/>
+                  </a:rPr>
+                  <a:t> </a:t>
+                </a:r>
+              </a:p>
+            </p:txBody>
+          </p:sp>
+        </mc:Fallback>
+      </mc:AlternateContent>
+    </p:spTree>
+    <p:extLst>
+      <p:ext uri="{BB962C8B-B14F-4D97-AF65-F5344CB8AC3E}">
         <p14:creationId xmlns:p14="http://schemas.microsoft.com/office/powerpoint/2010/main" val="559502982"/>
       </p:ext>
     </p:extLst>
@@ -5336,7 +8019,7 @@
 </p:sld>
 </file>
 
-<file path=ppt/slides/slide3.xml><?xml version="1.0" encoding="utf-8"?>
+<file path=ppt/slides/slide4.xml><?xml version="1.0" encoding="utf-8"?>
 <p:sld xmlns:a="http://schemas.openxmlformats.org/drawingml/2006/main" xmlns:r="http://schemas.openxmlformats.org/officeDocument/2006/relationships" xmlns:p="http://schemas.openxmlformats.org/presentationml/2006/main">
   <p:cSld>
     <p:spTree>
@@ -5402,8 +8085,8 @@
           </a:p>
         </p:txBody>
       </p:sp>
-      <mc:AlternateContent xmlns:mc="http://schemas.openxmlformats.org/markup-compatibility/2006">
-        <mc:Choice xmlns:a14="http://schemas.microsoft.com/office/drawing/2010/main" Requires="a14">
+      <mc:AlternateContent xmlns:mc="http://schemas.openxmlformats.org/markup-compatibility/2006" xmlns:a14="http://schemas.microsoft.com/office/drawing/2010/main">
+        <mc:Choice Requires="a14">
           <p:sp>
             <p:nvSpPr>
               <p:cNvPr id="5" name="Flowchart: Connector 4">
@@ -5483,7 +8166,7 @@
             </p:txBody>
           </p:sp>
         </mc:Choice>
-        <mc:Fallback>
+        <mc:Fallback xmlns="">
           <p:sp>
             <p:nvSpPr>
               <p:cNvPr id="5" name="Flowchart: Connector 4">
@@ -5743,8 +8426,8 @@
           </a:p>
         </p:txBody>
       </p:sp>
-      <mc:AlternateContent xmlns:mc="http://schemas.openxmlformats.org/markup-compatibility/2006">
-        <mc:Choice xmlns:a14="http://schemas.microsoft.com/office/drawing/2010/main" Requires="a14">
+      <mc:AlternateContent xmlns:mc="http://schemas.openxmlformats.org/markup-compatibility/2006" xmlns:a14="http://schemas.microsoft.com/office/drawing/2010/main">
+        <mc:Choice Requires="a14">
           <p:sp>
             <p:nvSpPr>
               <p:cNvPr id="12" name="TextBox 11">
@@ -5773,6 +8456,7 @@
               </a:bodyPr>
               <a:lstStyle/>
               <a:p>
+                <a:pPr/>
                 <a14:m>
                   <m:oMathPara xmlns:m="http://schemas.openxmlformats.org/officeDocument/2006/math">
                     <m:oMathParaPr>
@@ -5815,7 +8499,7 @@
             </p:txBody>
           </p:sp>
         </mc:Choice>
-        <mc:Fallback>
+        <mc:Fallback xmlns="">
           <p:sp>
             <p:nvSpPr>
               <p:cNvPr id="12" name="TextBox 11">
@@ -5860,8 +8544,8 @@
           </p:sp>
         </mc:Fallback>
       </mc:AlternateContent>
-      <mc:AlternateContent xmlns:mc="http://schemas.openxmlformats.org/markup-compatibility/2006">
-        <mc:Choice xmlns:a14="http://schemas.microsoft.com/office/drawing/2010/main" Requires="a14">
+      <mc:AlternateContent xmlns:mc="http://schemas.openxmlformats.org/markup-compatibility/2006" xmlns:a14="http://schemas.microsoft.com/office/drawing/2010/main">
+        <mc:Choice Requires="a14">
           <p:sp>
             <p:nvSpPr>
               <p:cNvPr id="13" name="TextBox 12">
@@ -5890,6 +8574,7 @@
               </a:bodyPr>
               <a:lstStyle/>
               <a:p>
+                <a:pPr/>
                 <a14:m>
                   <m:oMathPara xmlns:m="http://schemas.openxmlformats.org/officeDocument/2006/math">
                     <m:oMathParaPr>
@@ -5932,7 +8617,7 @@
             </p:txBody>
           </p:sp>
         </mc:Choice>
-        <mc:Fallback>
+        <mc:Fallback xmlns="">
           <p:sp>
             <p:nvSpPr>
               <p:cNvPr id="13" name="TextBox 12">
@@ -5977,8 +8662,8 @@
           </p:sp>
         </mc:Fallback>
       </mc:AlternateContent>
-      <mc:AlternateContent xmlns:mc="http://schemas.openxmlformats.org/markup-compatibility/2006">
-        <mc:Choice xmlns:a14="http://schemas.microsoft.com/office/drawing/2010/main" Requires="a14">
+      <mc:AlternateContent xmlns:mc="http://schemas.openxmlformats.org/markup-compatibility/2006" xmlns:a14="http://schemas.microsoft.com/office/drawing/2010/main">
+        <mc:Choice Requires="a14">
           <p:sp>
             <p:nvSpPr>
               <p:cNvPr id="14" name="TextBox 13">
@@ -6007,6 +8692,7 @@
               </a:bodyPr>
               <a:lstStyle/>
               <a:p>
+                <a:pPr/>
                 <a14:m>
                   <m:oMathPara xmlns:m="http://schemas.openxmlformats.org/officeDocument/2006/math">
                     <m:oMathParaPr>
@@ -6049,7 +8735,7 @@
             </p:txBody>
           </p:sp>
         </mc:Choice>
-        <mc:Fallback>
+        <mc:Fallback xmlns="">
           <p:sp>
             <p:nvSpPr>
               <p:cNvPr id="14" name="TextBox 13">
@@ -6094,8 +8780,8 @@
           </p:sp>
         </mc:Fallback>
       </mc:AlternateContent>
-      <mc:AlternateContent xmlns:mc="http://schemas.openxmlformats.org/markup-compatibility/2006">
-        <mc:Choice xmlns:a14="http://schemas.microsoft.com/office/drawing/2010/main" Requires="a14">
+      <mc:AlternateContent xmlns:mc="http://schemas.openxmlformats.org/markup-compatibility/2006" xmlns:a14="http://schemas.microsoft.com/office/drawing/2010/main">
+        <mc:Choice Requires="a14">
           <p:sp>
             <p:nvSpPr>
               <p:cNvPr id="15" name="Flowchart: Connector 14">
@@ -6175,7 +8861,7 @@
             </p:txBody>
           </p:sp>
         </mc:Choice>
-        <mc:Fallback>
+        <mc:Fallback xmlns="">
           <p:sp>
             <p:nvSpPr>
               <p:cNvPr id="15" name="Flowchart: Connector 14">
@@ -6220,8 +8906,8 @@
           </p:sp>
         </mc:Fallback>
       </mc:AlternateContent>
-      <mc:AlternateContent xmlns:mc="http://schemas.openxmlformats.org/markup-compatibility/2006">
-        <mc:Choice xmlns:a14="http://schemas.microsoft.com/office/drawing/2010/main" Requires="a14">
+      <mc:AlternateContent xmlns:mc="http://schemas.openxmlformats.org/markup-compatibility/2006" xmlns:a14="http://schemas.microsoft.com/office/drawing/2010/main">
+        <mc:Choice Requires="a14">
           <p:sp>
             <p:nvSpPr>
               <p:cNvPr id="16" name="Flowchart: Connector 15">
@@ -6301,7 +8987,7 @@
             </p:txBody>
           </p:sp>
         </mc:Choice>
-        <mc:Fallback>
+        <mc:Fallback xmlns="">
           <p:sp>
             <p:nvSpPr>
               <p:cNvPr id="16" name="Flowchart: Connector 15">
@@ -6359,7 +9045,7 @@
 </p:sld>
 </file>
 
-<file path=ppt/slides/slide4.xml><?xml version="1.0" encoding="utf-8"?>
+<file path=ppt/slides/slide5.xml><?xml version="1.0" encoding="utf-8"?>
 <p:sld xmlns:a="http://schemas.openxmlformats.org/drawingml/2006/main" xmlns:r="http://schemas.openxmlformats.org/officeDocument/2006/relationships" xmlns:p="http://schemas.openxmlformats.org/presentationml/2006/main">
   <p:cSld>
     <p:spTree>
@@ -6477,8 +9163,8 @@
           </a:p>
         </p:txBody>
       </p:sp>
-      <mc:AlternateContent xmlns:mc="http://schemas.openxmlformats.org/markup-compatibility/2006">
-        <mc:Choice xmlns:a14="http://schemas.microsoft.com/office/drawing/2010/main" Requires="a14">
+      <mc:AlternateContent xmlns:mc="http://schemas.openxmlformats.org/markup-compatibility/2006" xmlns:a14="http://schemas.microsoft.com/office/drawing/2010/main">
+        <mc:Choice Requires="a14">
           <p:sp>
             <p:nvSpPr>
               <p:cNvPr id="5" name="Flowchart: Connector 4">
@@ -6569,7 +9255,7 @@
             </p:txBody>
           </p:sp>
         </mc:Choice>
-        <mc:Fallback>
+        <mc:Fallback xmlns="">
           <p:sp>
             <p:nvSpPr>
               <p:cNvPr id="5" name="Flowchart: Connector 4">
@@ -6614,8 +9300,8 @@
           </p:sp>
         </mc:Fallback>
       </mc:AlternateContent>
-      <mc:AlternateContent xmlns:mc="http://schemas.openxmlformats.org/markup-compatibility/2006">
-        <mc:Choice xmlns:a14="http://schemas.microsoft.com/office/drawing/2010/main" Requires="a14">
+      <mc:AlternateContent xmlns:mc="http://schemas.openxmlformats.org/markup-compatibility/2006" xmlns:a14="http://schemas.microsoft.com/office/drawing/2010/main">
+        <mc:Choice Requires="a14">
           <p:sp>
             <p:nvSpPr>
               <p:cNvPr id="9" name="Flowchart: Connector 8">
@@ -6700,7 +9386,7 @@
             </p:txBody>
           </p:sp>
         </mc:Choice>
-        <mc:Fallback>
+        <mc:Fallback xmlns="">
           <p:sp>
             <p:nvSpPr>
               <p:cNvPr id="9" name="Flowchart: Connector 8">
@@ -6788,8 +9474,8 @@
           </a:fontRef>
         </p:style>
       </p:cxnSp>
-      <mc:AlternateContent xmlns:mc="http://schemas.openxmlformats.org/markup-compatibility/2006">
-        <mc:Choice xmlns:a14="http://schemas.microsoft.com/office/drawing/2010/main" Requires="a14">
+      <mc:AlternateContent xmlns:mc="http://schemas.openxmlformats.org/markup-compatibility/2006" xmlns:a14="http://schemas.microsoft.com/office/drawing/2010/main">
+        <mc:Choice Requires="a14">
           <p:sp>
             <p:nvSpPr>
               <p:cNvPr id="13" name="TextBox 12">
@@ -6818,6 +9504,7 @@
               </a:bodyPr>
               <a:lstStyle/>
               <a:p>
+                <a:pPr/>
                 <a14:m>
                   <m:oMathPara xmlns:m="http://schemas.openxmlformats.org/officeDocument/2006/math">
                     <m:oMathParaPr>
@@ -6860,7 +9547,7 @@
             </p:txBody>
           </p:sp>
         </mc:Choice>
-        <mc:Fallback>
+        <mc:Fallback xmlns="">
           <p:sp>
             <p:nvSpPr>
               <p:cNvPr id="13" name="TextBox 12">
@@ -6948,8 +9635,8 @@
           </a:fontRef>
         </p:style>
       </p:cxnSp>
-      <mc:AlternateContent xmlns:mc="http://schemas.openxmlformats.org/markup-compatibility/2006">
-        <mc:Choice xmlns:a14="http://schemas.microsoft.com/office/drawing/2010/main" Requires="a14">
+      <mc:AlternateContent xmlns:mc="http://schemas.openxmlformats.org/markup-compatibility/2006" xmlns:a14="http://schemas.microsoft.com/office/drawing/2010/main">
+        <mc:Choice Requires="a14">
           <p:sp>
             <p:nvSpPr>
               <p:cNvPr id="17" name="TextBox 16">
@@ -6978,6 +9665,7 @@
               </a:bodyPr>
               <a:lstStyle/>
               <a:p>
+                <a:pPr/>
                 <a14:m>
                   <m:oMathPara xmlns:m="http://schemas.openxmlformats.org/officeDocument/2006/math">
                     <m:oMathParaPr>
@@ -7004,7 +9692,7 @@
             </p:txBody>
           </p:sp>
         </mc:Choice>
-        <mc:Fallback>
+        <mc:Fallback xmlns="">
           <p:sp>
             <p:nvSpPr>
               <p:cNvPr id="17" name="TextBox 16">
@@ -7049,8 +9737,8 @@
           </p:sp>
         </mc:Fallback>
       </mc:AlternateContent>
-      <mc:AlternateContent xmlns:mc="http://schemas.openxmlformats.org/markup-compatibility/2006">
-        <mc:Choice xmlns:a14="http://schemas.microsoft.com/office/drawing/2010/main" Requires="a14">
+      <mc:AlternateContent xmlns:mc="http://schemas.openxmlformats.org/markup-compatibility/2006" xmlns:a14="http://schemas.microsoft.com/office/drawing/2010/main">
+        <mc:Choice Requires="a14">
           <p:sp>
             <p:nvSpPr>
               <p:cNvPr id="21" name="Hexagon 20">
@@ -7135,7 +9823,7 @@
             </p:txBody>
           </p:sp>
         </mc:Choice>
-        <mc:Fallback>
+        <mc:Fallback xmlns="">
           <p:sp>
             <p:nvSpPr>
               <p:cNvPr id="21" name="Hexagon 20">
@@ -7180,8 +9868,8 @@
           </p:sp>
         </mc:Fallback>
       </mc:AlternateContent>
-      <mc:AlternateContent xmlns:mc="http://schemas.openxmlformats.org/markup-compatibility/2006">
-        <mc:Choice xmlns:a14="http://schemas.microsoft.com/office/drawing/2010/main" Requires="a14">
+      <mc:AlternateContent xmlns:mc="http://schemas.openxmlformats.org/markup-compatibility/2006" xmlns:a14="http://schemas.microsoft.com/office/drawing/2010/main">
+        <mc:Choice Requires="a14">
           <p:sp>
             <p:nvSpPr>
               <p:cNvPr id="25" name="Hexagon 24">
@@ -7266,7 +9954,7 @@
             </p:txBody>
           </p:sp>
         </mc:Choice>
-        <mc:Fallback>
+        <mc:Fallback xmlns="">
           <p:sp>
             <p:nvSpPr>
               <p:cNvPr id="25" name="Hexagon 24">
@@ -7311,8 +9999,8 @@
           </p:sp>
         </mc:Fallback>
       </mc:AlternateContent>
-      <mc:AlternateContent xmlns:mc="http://schemas.openxmlformats.org/markup-compatibility/2006">
-        <mc:Choice xmlns:a14="http://schemas.microsoft.com/office/drawing/2010/main" Requires="a14">
+      <mc:AlternateContent xmlns:mc="http://schemas.openxmlformats.org/markup-compatibility/2006" xmlns:a14="http://schemas.microsoft.com/office/drawing/2010/main">
+        <mc:Choice Requires="a14">
           <p:sp>
             <p:nvSpPr>
               <p:cNvPr id="26" name="Hexagon 25">
@@ -7397,7 +10085,7 @@
             </p:txBody>
           </p:sp>
         </mc:Choice>
-        <mc:Fallback>
+        <mc:Fallback xmlns="">
           <p:sp>
             <p:nvSpPr>
               <p:cNvPr id="26" name="Hexagon 25">
@@ -7528,8 +10216,8 @@
           </a:fontRef>
         </p:style>
       </p:cxnSp>
-      <mc:AlternateContent xmlns:mc="http://schemas.openxmlformats.org/markup-compatibility/2006">
-        <mc:Choice xmlns:a14="http://schemas.microsoft.com/office/drawing/2010/main" Requires="a14">
+      <mc:AlternateContent xmlns:mc="http://schemas.openxmlformats.org/markup-compatibility/2006" xmlns:a14="http://schemas.microsoft.com/office/drawing/2010/main">
+        <mc:Choice Requires="a14">
           <p:sp>
             <p:nvSpPr>
               <p:cNvPr id="35" name="TextBox 34">
@@ -7558,6 +10246,7 @@
               </a:bodyPr>
               <a:lstStyle/>
               <a:p>
+                <a:pPr/>
                 <a14:m>
                   <m:oMathPara xmlns:m="http://schemas.openxmlformats.org/officeDocument/2006/math">
                     <m:oMathParaPr>
@@ -7584,7 +10273,7 @@
             </p:txBody>
           </p:sp>
         </mc:Choice>
-        <mc:Fallback>
+        <mc:Fallback xmlns="">
           <p:sp>
             <p:nvSpPr>
               <p:cNvPr id="35" name="TextBox 34">
@@ -7629,8 +10318,8 @@
           </p:sp>
         </mc:Fallback>
       </mc:AlternateContent>
-      <mc:AlternateContent xmlns:mc="http://schemas.openxmlformats.org/markup-compatibility/2006">
-        <mc:Choice xmlns:a14="http://schemas.microsoft.com/office/drawing/2010/main" Requires="a14">
+      <mc:AlternateContent xmlns:mc="http://schemas.openxmlformats.org/markup-compatibility/2006" xmlns:a14="http://schemas.microsoft.com/office/drawing/2010/main">
+        <mc:Choice Requires="a14">
           <p:sp>
             <p:nvSpPr>
               <p:cNvPr id="36" name="TextBox 35">
@@ -7659,6 +10348,7 @@
               </a:bodyPr>
               <a:lstStyle/>
               <a:p>
+                <a:pPr/>
                 <a14:m>
                   <m:oMathPara xmlns:m="http://schemas.openxmlformats.org/officeDocument/2006/math">
                     <m:oMathParaPr>
@@ -7685,7 +10375,7 @@
             </p:txBody>
           </p:sp>
         </mc:Choice>
-        <mc:Fallback>
+        <mc:Fallback xmlns="">
           <p:sp>
             <p:nvSpPr>
               <p:cNvPr id="36" name="TextBox 35">
@@ -7744,7 +10434,7 @@
         </p:nvSpPr>
         <p:spPr>
           <a:xfrm>
-            <a:off x="5925491" y="3575492"/>
+            <a:off x="6642223" y="3141502"/>
             <a:ext cx="1492623" cy="1879226"/>
           </a:xfrm>
           <a:prstGeom prst="roundRect">
@@ -7798,7 +10488,7 @@
             </p:nvSpPr>
             <p:spPr>
               <a:xfrm>
-                <a:off x="5966830" y="4310317"/>
+                <a:off x="6683562" y="3876327"/>
                 <a:ext cx="415117" cy="404813"/>
               </a:xfrm>
               <a:prstGeom prst="flowChartConnector">
@@ -7891,7 +10581,7 @@
             </p:nvSpPr>
             <p:spPr>
               <a:xfrm>
-                <a:off x="5966830" y="4310317"/>
+                <a:off x="6683562" y="3876327"/>
                 <a:ext cx="415117" cy="404813"/>
               </a:xfrm>
               <a:prstGeom prst="flowChartConnector">
@@ -7900,7 +10590,7 @@
               <a:blipFill>
                 <a:blip r:embed="rId11"/>
                 <a:stretch>
-                  <a:fillRect l="-7143" r="-12857"/>
+                  <a:fillRect l="-7143" r="-14286"/>
                 </a:stretch>
               </a:blipFill>
             </p:spPr>
@@ -7937,7 +10627,7 @@
         </p:nvCxnSpPr>
         <p:spPr>
           <a:xfrm flipV="1">
-            <a:off x="6381947" y="4511676"/>
+            <a:off x="7098679" y="4077686"/>
             <a:ext cx="451596" cy="1048"/>
           </a:xfrm>
           <a:prstGeom prst="straightConnector1">
@@ -7978,7 +10668,7 @@
             </p:nvSpPr>
             <p:spPr>
               <a:xfrm>
-                <a:off x="6462377" y="4335979"/>
+                <a:off x="7179109" y="3901989"/>
                 <a:ext cx="371166" cy="277424"/>
               </a:xfrm>
               <a:prstGeom prst="rect">
@@ -7992,6 +10682,7 @@
               </a:bodyPr>
               <a:lstStyle/>
               <a:p>
+                <a:pPr/>
                 <a14:m>
                   <m:oMathPara xmlns:m="http://schemas.openxmlformats.org/officeDocument/2006/math">
                     <m:oMathParaPr>
@@ -8035,7 +10726,7 @@
             </p:nvSpPr>
             <p:spPr>
               <a:xfrm>
-                <a:off x="6462377" y="4335979"/>
+                <a:off x="7179109" y="3901989"/>
                 <a:ext cx="371166" cy="277424"/>
               </a:xfrm>
               <a:prstGeom prst="rect">
@@ -8044,7 +10735,7 @@
               <a:blipFill>
                 <a:blip r:embed="rId12"/>
                 <a:stretch>
-                  <a:fillRect r="-4918"/>
+                  <a:fillRect l="-1639" r="-3279"/>
                 </a:stretch>
               </a:blipFill>
             </p:spPr>
@@ -8079,7 +10770,7 @@
             </p:nvSpPr>
             <p:spPr>
               <a:xfrm>
-                <a:off x="6833543" y="4309269"/>
+                <a:off x="7550275" y="3875279"/>
                 <a:ext cx="460562" cy="404813"/>
               </a:xfrm>
               <a:prstGeom prst="hexagon">
@@ -8166,7 +10857,7 @@
             </p:nvSpPr>
             <p:spPr>
               <a:xfrm>
-                <a:off x="6833543" y="4309269"/>
+                <a:off x="7550275" y="3875279"/>
                 <a:ext cx="460562" cy="404813"/>
               </a:xfrm>
               <a:prstGeom prst="hexagon">
@@ -8175,7 +10866,7 @@
               <a:blipFill>
                 <a:blip r:embed="rId13"/>
                 <a:stretch>
-                  <a:fillRect l="-2500" b="-4412"/>
+                  <a:fillRect l="-3797" b="-2941"/>
                 </a:stretch>
               </a:blipFill>
             </p:spPr>
@@ -8210,7 +10901,7 @@
             </p:nvSpPr>
             <p:spPr>
               <a:xfrm>
-                <a:off x="6833542" y="4819871"/>
+                <a:off x="7550274" y="4385881"/>
                 <a:ext cx="460562" cy="404813"/>
               </a:xfrm>
               <a:prstGeom prst="hexagon">
@@ -8297,7 +10988,7 @@
             </p:nvSpPr>
             <p:spPr>
               <a:xfrm>
-                <a:off x="6833542" y="4819871"/>
+                <a:off x="7550274" y="4385881"/>
                 <a:ext cx="460562" cy="404813"/>
               </a:xfrm>
               <a:prstGeom prst="hexagon">
@@ -8306,7 +10997,7 @@
               <a:blipFill>
                 <a:blip r:embed="rId14"/>
                 <a:stretch>
-                  <a:fillRect l="-2500" b="-2941"/>
+                  <a:fillRect l="-3797" b="-2899"/>
                 </a:stretch>
               </a:blipFill>
             </p:spPr>
@@ -8341,7 +11032,7 @@
             </p:nvSpPr>
             <p:spPr>
               <a:xfrm>
-                <a:off x="6833542" y="3799646"/>
+                <a:off x="7550274" y="3365656"/>
                 <a:ext cx="460562" cy="404813"/>
               </a:xfrm>
               <a:prstGeom prst="hexagon">
@@ -8428,7 +11119,7 @@
             </p:nvSpPr>
             <p:spPr>
               <a:xfrm>
-                <a:off x="6833542" y="3799646"/>
+                <a:off x="7550274" y="3365656"/>
                 <a:ext cx="460562" cy="404813"/>
               </a:xfrm>
               <a:prstGeom prst="hexagon">
@@ -8437,7 +11128,7 @@
               <a:blipFill>
                 <a:blip r:embed="rId15"/>
                 <a:stretch>
-                  <a:fillRect l="-2500" b="-2899"/>
+                  <a:fillRect l="-2532" b="-2899"/>
                 </a:stretch>
               </a:blipFill>
             </p:spPr>
@@ -8474,7 +11165,7 @@
         </p:nvCxnSpPr>
         <p:spPr>
           <a:xfrm flipV="1">
-            <a:off x="6381947" y="4002053"/>
+            <a:off x="7098679" y="3568063"/>
             <a:ext cx="451595" cy="510671"/>
           </a:xfrm>
           <a:prstGeom prst="straightConnector1">
@@ -8517,7 +11208,7 @@
         </p:nvCxnSpPr>
         <p:spPr>
           <a:xfrm>
-            <a:off x="6381947" y="4512724"/>
+            <a:off x="7098679" y="4078734"/>
             <a:ext cx="451595" cy="509554"/>
           </a:xfrm>
           <a:prstGeom prst="straightConnector1">
@@ -8558,7 +11249,7 @@
             </p:nvSpPr>
             <p:spPr>
               <a:xfrm rot="18739933">
-                <a:off x="6395912" y="4065746"/>
+                <a:off x="7112644" y="3631756"/>
                 <a:ext cx="371166" cy="277424"/>
               </a:xfrm>
               <a:prstGeom prst="rect">
@@ -8572,6 +11263,7 @@
               </a:bodyPr>
               <a:lstStyle/>
               <a:p>
+                <a:pPr/>
                 <a14:m>
                   <m:oMathPara xmlns:m="http://schemas.openxmlformats.org/officeDocument/2006/math">
                     <m:oMathParaPr>
@@ -8615,7 +11307,7 @@
             </p:nvSpPr>
             <p:spPr>
               <a:xfrm rot="18739933">
-                <a:off x="6395912" y="4065746"/>
+                <a:off x="7112644" y="3631756"/>
                 <a:ext cx="371166" cy="277424"/>
               </a:xfrm>
               <a:prstGeom prst="rect">
@@ -8659,7 +11351,7 @@
             </p:nvSpPr>
             <p:spPr>
               <a:xfrm rot="2817198">
-                <a:off x="6470761" y="4632449"/>
+                <a:off x="7187493" y="4198459"/>
                 <a:ext cx="371166" cy="277424"/>
               </a:xfrm>
               <a:prstGeom prst="rect">
@@ -8673,6 +11365,7 @@
               </a:bodyPr>
               <a:lstStyle/>
               <a:p>
+                <a:pPr/>
                 <a14:m>
                   <m:oMathPara xmlns:m="http://schemas.openxmlformats.org/officeDocument/2006/math">
                     <m:oMathParaPr>
@@ -8716,7 +11409,7 @@
             </p:nvSpPr>
             <p:spPr>
               <a:xfrm rot="2817198">
-                <a:off x="6470761" y="4632449"/>
+                <a:off x="7187493" y="4198459"/>
                 <a:ext cx="371166" cy="277424"/>
               </a:xfrm>
               <a:prstGeom prst="rect">
